--- a/Smart-clik.pptx
+++ b/Smart-clik.pptx
@@ -112,6 +112,11 @@
       </a:defRPr>
     </a:lvl9pPr>
   </p:defaultTextStyle>
+  <p:extLst>
+    <p:ext uri="{EFAFB233-063F-42B5-8137-9DF3F51BA10A}">
+      <p15:sldGuideLst xmlns:p15="http://schemas.microsoft.com/office/powerpoint/2012/main"/>
+    </p:ext>
+  </p:extLst>
 </p:presentation>
 </file>
 
@@ -1586,6 +1591,13 @@
         </dgm:presLayoutVars>
       </dgm:prSet>
       <dgm:spPr/>
+      <dgm:t>
+        <a:bodyPr/>
+        <a:lstStyle/>
+        <a:p>
+          <a:endParaRPr lang="fr-FR"/>
+        </a:p>
+      </dgm:t>
     </dgm:pt>
     <dgm:pt modelId="{CCB7A617-71C6-4812-B3F2-A301D85B4E09}" type="pres">
       <dgm:prSet presAssocID="{DEC22A11-969F-4F5C-9D59-699DD54FEC02}" presName="root" presStyleCnt="0">
@@ -1658,6 +1670,13 @@
         </dgm:presLayoutVars>
       </dgm:prSet>
       <dgm:spPr/>
+      <dgm:t>
+        <a:bodyPr/>
+        <a:lstStyle/>
+        <a:p>
+          <a:endParaRPr lang="fr-FR"/>
+        </a:p>
+      </dgm:t>
     </dgm:pt>
     <dgm:pt modelId="{627D3A09-8CB0-448C-9EF9-79184D308EFC}" type="pres">
       <dgm:prSet presAssocID="{41366F81-C99B-44B0-BFBA-FF5335E1DCF6}" presName="childComposite" presStyleCnt="0">
@@ -1681,6 +1700,13 @@
         </dgm:presLayoutVars>
       </dgm:prSet>
       <dgm:spPr/>
+      <dgm:t>
+        <a:bodyPr/>
+        <a:lstStyle/>
+        <a:p>
+          <a:endParaRPr lang="fr-FR"/>
+        </a:p>
+      </dgm:t>
     </dgm:pt>
     <dgm:pt modelId="{F975DEE5-2DCE-41EA-80AB-47CB7105CB37}" type="pres">
       <dgm:prSet presAssocID="{97849881-898F-42A8-A275-175CB69A2C52}" presName="childComposite" presStyleCnt="0">
@@ -1704,6 +1730,13 @@
         </dgm:presLayoutVars>
       </dgm:prSet>
       <dgm:spPr/>
+      <dgm:t>
+        <a:bodyPr/>
+        <a:lstStyle/>
+        <a:p>
+          <a:endParaRPr lang="fr-FR"/>
+        </a:p>
+      </dgm:t>
     </dgm:pt>
     <dgm:pt modelId="{36ECED2E-B08B-4ADB-9C49-C48F0BE888E6}" type="pres">
       <dgm:prSet presAssocID="{31290AF6-311E-45E6-A478-B3B58A48ADF6}" presName="childComposite" presStyleCnt="0">
@@ -1806,6 +1839,13 @@
         </dgm:presLayoutVars>
       </dgm:prSet>
       <dgm:spPr/>
+      <dgm:t>
+        <a:bodyPr/>
+        <a:lstStyle/>
+        <a:p>
+          <a:endParaRPr lang="fr-FR"/>
+        </a:p>
+      </dgm:t>
     </dgm:pt>
     <dgm:pt modelId="{CB86272C-8145-4F40-9EF9-7CB88299C3E4}" type="pres">
       <dgm:prSet presAssocID="{623F9E21-DDCB-410F-9B34-A8F4A6FC1E83}" presName="childComposite" presStyleCnt="0">
@@ -1859,6 +1899,13 @@
         </dgm:presLayoutVars>
       </dgm:prSet>
       <dgm:spPr/>
+      <dgm:t>
+        <a:bodyPr/>
+        <a:lstStyle/>
+        <a:p>
+          <a:endParaRPr lang="fr-FR"/>
+        </a:p>
+      </dgm:t>
     </dgm:pt>
     <dgm:pt modelId="{C35D28E3-4974-4CE9-ACBE-D3DEBB37931E}" type="pres">
       <dgm:prSet presAssocID="{DD9FE355-7D2D-40A1-9742-5D69D7A3ABD0}" presName="childComposite" presStyleCnt="0">
@@ -1882,6 +1929,13 @@
         </dgm:presLayoutVars>
       </dgm:prSet>
       <dgm:spPr/>
+      <dgm:t>
+        <a:bodyPr/>
+        <a:lstStyle/>
+        <a:p>
+          <a:endParaRPr lang="fr-FR"/>
+        </a:p>
+      </dgm:t>
     </dgm:pt>
     <dgm:pt modelId="{50430825-50D2-4E4C-882D-A2B9FF9CC56B}" type="pres">
       <dgm:prSet presAssocID="{3C4E11F8-D49D-484B-B6E2-1B571D49A130}" presName="root" presStyleCnt="0">
@@ -1954,6 +2008,13 @@
         </dgm:presLayoutVars>
       </dgm:prSet>
       <dgm:spPr/>
+      <dgm:t>
+        <a:bodyPr/>
+        <a:lstStyle/>
+        <a:p>
+          <a:endParaRPr lang="fr-FR"/>
+        </a:p>
+      </dgm:t>
     </dgm:pt>
     <dgm:pt modelId="{3B324F48-0B6F-4A8D-B459-7E1A9A136164}" type="pres">
       <dgm:prSet presAssocID="{3C540172-9963-444D-89EF-B6A1458E4567}" presName="childComposite" presStyleCnt="0">
@@ -1977,6 +2038,13 @@
         </dgm:presLayoutVars>
       </dgm:prSet>
       <dgm:spPr/>
+      <dgm:t>
+        <a:bodyPr/>
+        <a:lstStyle/>
+        <a:p>
+          <a:endParaRPr lang="fr-FR"/>
+        </a:p>
+      </dgm:t>
     </dgm:pt>
     <dgm:pt modelId="{49F45A70-ED8E-4D73-A5F3-20C8A2362587}" type="pres">
       <dgm:prSet presAssocID="{531106A9-CA6F-45CA-A702-2B88920528F0}" presName="childComposite" presStyleCnt="0">
@@ -2000,6 +2068,13 @@
         </dgm:presLayoutVars>
       </dgm:prSet>
       <dgm:spPr/>
+      <dgm:t>
+        <a:bodyPr/>
+        <a:lstStyle/>
+        <a:p>
+          <a:endParaRPr lang="fr-FR"/>
+        </a:p>
+      </dgm:t>
     </dgm:pt>
     <dgm:pt modelId="{53A3CC1E-7006-47F4-AA0F-39BC5E9FBA29}" type="pres">
       <dgm:prSet presAssocID="{FE4C6D14-652B-4754-8144-3905E159B0D0}" presName="childComposite" presStyleCnt="0">
@@ -2023,6 +2098,13 @@
         </dgm:presLayoutVars>
       </dgm:prSet>
       <dgm:spPr/>
+      <dgm:t>
+        <a:bodyPr/>
+        <a:lstStyle/>
+        <a:p>
+          <a:endParaRPr lang="fr-FR"/>
+        </a:p>
+      </dgm:t>
     </dgm:pt>
     <dgm:pt modelId="{7B96B789-904D-4009-9A1C-2DF05A819F8C}" type="pres">
       <dgm:prSet presAssocID="{EFD6C8A7-C515-4683-B953-5A1F56185962}" presName="root" presStyleCnt="0">
@@ -2135,43 +2217,43 @@
     </dgm:pt>
   </dgm:ptLst>
   <dgm:cxnLst>
+    <dgm:cxn modelId="{1C991F4A-C02C-4909-811B-0E4D8A4446A3}" type="presOf" srcId="{76CA6376-0F0E-4E77-B3F4-6EF99DABEA85}" destId="{F05686A4-A2B9-4FA6-A422-04E2CA5C53D1}" srcOrd="0" destOrd="0" presId="urn:microsoft.com/office/officeart/2008/layout/SquareAccentList"/>
+    <dgm:cxn modelId="{EC195A86-FB41-49CB-BE2D-1109561B9CC7}" type="presOf" srcId="{4FE79E4A-F949-4908-938E-1ED9796B9982}" destId="{BA762BEE-3C48-4825-9C31-9842B6DBBEE2}" srcOrd="0" destOrd="0" presId="urn:microsoft.com/office/officeart/2008/layout/SquareAccentList"/>
+    <dgm:cxn modelId="{DDF9367F-FA5F-4005-AA1C-4A0B4C4F3595}" type="presOf" srcId="{623F9E21-DDCB-410F-9B34-A8F4A6FC1E83}" destId="{87887977-70EC-400C-9C83-7A9F6BB1988F}" srcOrd="0" destOrd="0" presId="urn:microsoft.com/office/officeart/2008/layout/SquareAccentList"/>
+    <dgm:cxn modelId="{FE51D39D-29BA-4D0D-A71E-2761AF395740}" type="presOf" srcId="{FE4C6D14-652B-4754-8144-3905E159B0D0}" destId="{8DFBFBA1-7B84-45FB-8ED0-82B80BDF7580}" srcOrd="0" destOrd="0" presId="urn:microsoft.com/office/officeart/2008/layout/SquareAccentList"/>
+    <dgm:cxn modelId="{30EFFEEB-1ED5-4C6B-ACB8-3DACFA0C0858}" type="presOf" srcId="{41366F81-C99B-44B0-BFBA-FF5335E1DCF6}" destId="{F5CFFDEF-372A-412A-A7D4-12262D66B256}" srcOrd="0" destOrd="0" presId="urn:microsoft.com/office/officeart/2008/layout/SquareAccentList"/>
+    <dgm:cxn modelId="{7451E383-4758-4679-8A9C-74C514174141}" type="presOf" srcId="{97849881-898F-42A8-A275-175CB69A2C52}" destId="{ACEE5B07-718E-43D3-84A6-02D4F4CBC349}" srcOrd="0" destOrd="0" presId="urn:microsoft.com/office/officeart/2008/layout/SquareAccentList"/>
+    <dgm:cxn modelId="{BE98725E-4EF4-4876-9042-5F6E38A0C7CA}" srcId="{DEC22A11-969F-4F5C-9D59-699DD54FEC02}" destId="{97849881-898F-42A8-A275-175CB69A2C52}" srcOrd="2" destOrd="0" parTransId="{3F681C48-1061-4087-A56E-59553125F8B5}" sibTransId="{6C6160B7-72F2-4FBB-A909-1D748A14B09A}"/>
+    <dgm:cxn modelId="{B95454D5-79D3-4449-AD18-8056862A8634}" type="presOf" srcId="{EFD6C8A7-C515-4683-B953-5A1F56185962}" destId="{22A10F88-F808-4A46-B596-746C2EDD5252}" srcOrd="0" destOrd="0" presId="urn:microsoft.com/office/officeart/2008/layout/SquareAccentList"/>
+    <dgm:cxn modelId="{3A82DE48-2D47-4E1C-8F00-71ED647A8688}" srcId="{3C4E11F8-D49D-484B-B6E2-1B571D49A130}" destId="{FE4C6D14-652B-4754-8144-3905E159B0D0}" srcOrd="3" destOrd="0" parTransId="{B0545279-5BC2-42F8-B2F6-956DD6B3E0FE}" sibTransId="{03157E48-4330-4B6C-AF5B-DDF42CB27CFA}"/>
+    <dgm:cxn modelId="{70D10CCE-E96E-496D-B8CF-6CF846BA53A8}" type="presOf" srcId="{531106A9-CA6F-45CA-A702-2B88920528F0}" destId="{27EE411C-4136-487D-A31D-854035A26545}" srcOrd="0" destOrd="0" presId="urn:microsoft.com/office/officeart/2008/layout/SquareAccentList"/>
+    <dgm:cxn modelId="{CA46F927-CF5E-4B4C-92CE-29C5887339A6}" type="presOf" srcId="{DD9FE355-7D2D-40A1-9742-5D69D7A3ABD0}" destId="{9EF74576-6D0C-4892-9ABF-59D675C276E6}" srcOrd="0" destOrd="0" presId="urn:microsoft.com/office/officeart/2008/layout/SquareAccentList"/>
+    <dgm:cxn modelId="{C8A443CF-BF49-4C70-B822-B125E61903B0}" srcId="{3C4E11F8-D49D-484B-B6E2-1B571D49A130}" destId="{531106A9-CA6F-45CA-A702-2B88920528F0}" srcOrd="2" destOrd="0" parTransId="{E0768FC5-6EEA-4BB4-A2C6-1F612CD3FA34}" sibTransId="{F3D16B34-E634-43EF-99E6-DDC8642C89BC}"/>
+    <dgm:cxn modelId="{8AE2E80A-E470-4090-B0F6-769DB2DC4F2A}" type="presOf" srcId="{31290AF6-311E-45E6-A478-B3B58A48ADF6}" destId="{D512A050-8FCF-4C71-8C1B-1FEFBE81412B}" srcOrd="0" destOrd="0" presId="urn:microsoft.com/office/officeart/2008/layout/SquareAccentList"/>
+    <dgm:cxn modelId="{928ED363-C61E-4876-9DCA-C2105DA4F8F5}" type="presOf" srcId="{73ADEAC4-E51C-45E9-86C5-46042CCE50AB}" destId="{12620D22-6796-44F3-B441-49330605DF76}" srcOrd="0" destOrd="0" presId="urn:microsoft.com/office/officeart/2008/layout/SquareAccentList"/>
     <dgm:cxn modelId="{2753D4EB-DB15-4A1F-9782-2DE916995934}" type="presOf" srcId="{EB58503F-2E83-4AA4-A594-EC8E4D92B058}" destId="{3ACDD188-D9B3-492C-9212-B96CB341E016}" srcOrd="0" destOrd="0" presId="urn:microsoft.com/office/officeart/2008/layout/SquareAccentList"/>
+    <dgm:cxn modelId="{32447F68-0577-4B00-9418-EFB49A1E074F}" type="presOf" srcId="{0058D066-705F-4BC8-B6CD-3F2AD6A31272}" destId="{33545145-4AD1-4CFA-9EFE-1032A1D1E3C3}" srcOrd="0" destOrd="0" presId="urn:microsoft.com/office/officeart/2008/layout/SquareAccentList"/>
+    <dgm:cxn modelId="{41CB56EC-E15B-4213-9B71-59D9911542D8}" srcId="{0058D066-705F-4BC8-B6CD-3F2AD6A31272}" destId="{DD9FE355-7D2D-40A1-9742-5D69D7A3ABD0}" srcOrd="3" destOrd="0" parTransId="{63A91A8A-D721-469E-81A1-8A511F645AD9}" sibTransId="{1EAC100E-1E6A-410B-AC6D-51306040681A}"/>
+    <dgm:cxn modelId="{44AEEC49-8089-4653-9D0B-72F03B5EA41C}" type="presOf" srcId="{A1BABEAD-CBC7-46B2-B177-70DE57BC100A}" destId="{2A2D3285-D5AF-4142-9021-DE4EBBEC11B9}" srcOrd="0" destOrd="0" presId="urn:microsoft.com/office/officeart/2008/layout/SquareAccentList"/>
+    <dgm:cxn modelId="{127CBC0E-35BB-4D48-BD25-CCA9A2EF20DE}" srcId="{A1BABEAD-CBC7-46B2-B177-70DE57BC100A}" destId="{DEC22A11-969F-4F5C-9D59-699DD54FEC02}" srcOrd="0" destOrd="0" parTransId="{6C661981-EA3B-45CF-B978-0EFB13D316CF}" sibTransId="{48BF2438-A9D8-4452-9013-A4A3FE279C7E}"/>
     <dgm:cxn modelId="{6824B38B-D961-4B18-B726-59577EF59D10}" srcId="{DEC22A11-969F-4F5C-9D59-699DD54FEC02}" destId="{41366F81-C99B-44B0-BFBA-FF5335E1DCF6}" srcOrd="1" destOrd="0" parTransId="{11F7F744-1F3D-4A6E-A9BB-DF6852FF1325}" sibTransId="{301C5BB0-3FF2-49C9-808F-ED30AD270E5E}"/>
+    <dgm:cxn modelId="{44C7EA5B-F0EC-43E7-AA3D-7D85830DEA6F}" type="presOf" srcId="{3C4E11F8-D49D-484B-B6E2-1B571D49A130}" destId="{023E5550-301C-46DB-9CD8-14629E504E3A}" srcOrd="0" destOrd="0" presId="urn:microsoft.com/office/officeart/2008/layout/SquareAccentList"/>
+    <dgm:cxn modelId="{20F0234D-FE0F-4D45-A853-1474C401E88C}" srcId="{EFD6C8A7-C515-4683-B953-5A1F56185962}" destId="{4FE79E4A-F949-4908-938E-1ED9796B9982}" srcOrd="1" destOrd="0" parTransId="{04495225-83E4-4D15-B255-949CC081F866}" sibTransId="{D893D332-A425-4BD5-BD93-43F228AEAB64}"/>
+    <dgm:cxn modelId="{D2F63BBE-4E71-464B-A231-DF311DC323CD}" srcId="{EFD6C8A7-C515-4683-B953-5A1F56185962}" destId="{73ADEAC4-E51C-45E9-86C5-46042CCE50AB}" srcOrd="0" destOrd="0" parTransId="{6443C2B3-18DA-41D8-B5D2-A79323ECF104}" sibTransId="{B253071A-C795-4781-AE8F-9393FACC7C0A}"/>
+    <dgm:cxn modelId="{0839AB7B-DB14-444B-800C-787963C4226D}" srcId="{DEC22A11-969F-4F5C-9D59-699DD54FEC02}" destId="{31290AF6-311E-45E6-A478-B3B58A48ADF6}" srcOrd="3" destOrd="0" parTransId="{F24DD968-5EC0-4882-AE94-EA072EBB6E21}" sibTransId="{E9D954F8-7F66-404D-8893-034E7C6F0040}"/>
     <dgm:cxn modelId="{6998E49F-347A-4C83-9C42-F8BBE7A4337A}" type="presOf" srcId="{A037CA64-D3FB-49B1-9EAC-682C703A0791}" destId="{AC6F24EB-9973-4720-8AE7-B33D2C7F02B8}" srcOrd="0" destOrd="0" presId="urn:microsoft.com/office/officeart/2008/layout/SquareAccentList"/>
-    <dgm:cxn modelId="{30EFFEEB-1ED5-4C6B-ACB8-3DACFA0C0858}" type="presOf" srcId="{41366F81-C99B-44B0-BFBA-FF5335E1DCF6}" destId="{F5CFFDEF-372A-412A-A7D4-12262D66B256}" srcOrd="0" destOrd="0" presId="urn:microsoft.com/office/officeart/2008/layout/SquareAccentList"/>
+    <dgm:cxn modelId="{EC23907D-EC4A-4FB8-9DBF-3B56D3B5275F}" srcId="{0058D066-705F-4BC8-B6CD-3F2AD6A31272}" destId="{EB58503F-2E83-4AA4-A594-EC8E4D92B058}" srcOrd="2" destOrd="0" parTransId="{955381EE-DBF2-41D5-BFD9-86D645E0363A}" sibTransId="{112FC456-AB59-4593-AA19-EC7A05760D89}"/>
+    <dgm:cxn modelId="{8C1B4139-16C2-4E63-A60C-3C2552123055}" srcId="{0058D066-705F-4BC8-B6CD-3F2AD6A31272}" destId="{76CA6376-0F0E-4E77-B3F4-6EF99DABEA85}" srcOrd="0" destOrd="0" parTransId="{AB4106D6-40EE-459D-9D27-9249518709FF}" sibTransId="{9D47891C-3450-4CC8-9072-232BBE565B07}"/>
+    <dgm:cxn modelId="{FD8A43DF-8155-4809-83FA-3EAE501CD68D}" type="presOf" srcId="{7F09A95F-82A9-4AC9-A89D-B7421A924784}" destId="{9B6DFE0E-5070-4129-9586-A550CD8EC006}" srcOrd="0" destOrd="0" presId="urn:microsoft.com/office/officeart/2008/layout/SquareAccentList"/>
+    <dgm:cxn modelId="{36CF7135-5220-4002-9E5C-2C092BBE29D2}" srcId="{3C4E11F8-D49D-484B-B6E2-1B571D49A130}" destId="{3C540172-9963-444D-89EF-B6A1458E4567}" srcOrd="1" destOrd="0" parTransId="{FD7D7879-6A9E-414B-B1EA-FCC989E427E8}" sibTransId="{C47D3724-DD8A-457D-81D9-A308C47B333C}"/>
+    <dgm:cxn modelId="{41B32658-0B90-41EE-9E19-19433B674893}" srcId="{A1BABEAD-CBC7-46B2-B177-70DE57BC100A}" destId="{3C4E11F8-D49D-484B-B6E2-1B571D49A130}" srcOrd="2" destOrd="0" parTransId="{1ED56E8B-4A8C-41FC-A967-DD544C467CC7}" sibTransId="{5697297A-EB04-4F29-A467-12140496CF77}"/>
+    <dgm:cxn modelId="{3C1B278A-4150-40E7-ADD2-037B26EA0998}" srcId="{DEC22A11-969F-4F5C-9D59-699DD54FEC02}" destId="{A037CA64-D3FB-49B1-9EAC-682C703A0791}" srcOrd="0" destOrd="0" parTransId="{3DE13768-1DBA-4A6D-8DB0-B684F742B04F}" sibTransId="{38ED1C71-A55B-433B-83F2-AE33C54534A3}"/>
+    <dgm:cxn modelId="{0A1D0C1F-9614-479A-8725-7370E5FF8309}" srcId="{3C4E11F8-D49D-484B-B6E2-1B571D49A130}" destId="{7F09A95F-82A9-4AC9-A89D-B7421A924784}" srcOrd="0" destOrd="0" parTransId="{C9351199-9B4B-400A-A272-5690D45D1C42}" sibTransId="{5847742D-A992-49F3-8032-628E2D09F645}"/>
+    <dgm:cxn modelId="{CADB7DAA-19BF-4C88-8F0E-88E930D51C57}" srcId="{A1BABEAD-CBC7-46B2-B177-70DE57BC100A}" destId="{EFD6C8A7-C515-4683-B953-5A1F56185962}" srcOrd="3" destOrd="0" parTransId="{B4EE9A39-2267-4DA8-931F-787DD7E8959B}" sibTransId="{10F2BEBA-6A50-4259-BAB8-C4E8E6B30E67}"/>
+    <dgm:cxn modelId="{B745EA73-8B67-46E6-B64A-3A84BBAAC92F}" type="presOf" srcId="{3C540172-9963-444D-89EF-B6A1458E4567}" destId="{24615AF5-E315-4482-BD03-9303B21B9516}" srcOrd="0" destOrd="0" presId="urn:microsoft.com/office/officeart/2008/layout/SquareAccentList"/>
+    <dgm:cxn modelId="{7EA51AD9-8CD5-47A2-88BF-465A90F8599A}" srcId="{A1BABEAD-CBC7-46B2-B177-70DE57BC100A}" destId="{0058D066-705F-4BC8-B6CD-3F2AD6A31272}" srcOrd="1" destOrd="0" parTransId="{21933D82-8FAA-4405-A468-E3852C880926}" sibTransId="{D4B305F0-F89F-493C-84CC-A3B0144D6EB2}"/>
     <dgm:cxn modelId="{A9CEB793-08EC-4899-8A0E-71527333799A}" srcId="{0058D066-705F-4BC8-B6CD-3F2AD6A31272}" destId="{623F9E21-DDCB-410F-9B34-A8F4A6FC1E83}" srcOrd="1" destOrd="0" parTransId="{5B3FCD9A-F8E8-4BC2-AF25-297F8ECBECBE}" sibTransId="{D62720BA-3A97-45F2-BD37-A039794E2412}"/>
-    <dgm:cxn modelId="{8AE2E80A-E470-4090-B0F6-769DB2DC4F2A}" type="presOf" srcId="{31290AF6-311E-45E6-A478-B3B58A48ADF6}" destId="{D512A050-8FCF-4C71-8C1B-1FEFBE81412B}" srcOrd="0" destOrd="0" presId="urn:microsoft.com/office/officeart/2008/layout/SquareAccentList"/>
-    <dgm:cxn modelId="{8C1B4139-16C2-4E63-A60C-3C2552123055}" srcId="{0058D066-705F-4BC8-B6CD-3F2AD6A31272}" destId="{76CA6376-0F0E-4E77-B3F4-6EF99DABEA85}" srcOrd="0" destOrd="0" parTransId="{AB4106D6-40EE-459D-9D27-9249518709FF}" sibTransId="{9D47891C-3450-4CC8-9072-232BBE565B07}"/>
-    <dgm:cxn modelId="{32447F68-0577-4B00-9418-EFB49A1E074F}" type="presOf" srcId="{0058D066-705F-4BC8-B6CD-3F2AD6A31272}" destId="{33545145-4AD1-4CFA-9EFE-1032A1D1E3C3}" srcOrd="0" destOrd="0" presId="urn:microsoft.com/office/officeart/2008/layout/SquareAccentList"/>
-    <dgm:cxn modelId="{7EA51AD9-8CD5-47A2-88BF-465A90F8599A}" srcId="{A1BABEAD-CBC7-46B2-B177-70DE57BC100A}" destId="{0058D066-705F-4BC8-B6CD-3F2AD6A31272}" srcOrd="1" destOrd="0" parTransId="{21933D82-8FAA-4405-A468-E3852C880926}" sibTransId="{D4B305F0-F89F-493C-84CC-A3B0144D6EB2}"/>
     <dgm:cxn modelId="{4F58FB40-607D-4C41-876B-44B96417FA7B}" type="presOf" srcId="{DEC22A11-969F-4F5C-9D59-699DD54FEC02}" destId="{BDEDC20B-0030-462C-9CA5-FE5A4017A4F2}" srcOrd="0" destOrd="0" presId="urn:microsoft.com/office/officeart/2008/layout/SquareAccentList"/>
-    <dgm:cxn modelId="{FD8A43DF-8155-4809-83FA-3EAE501CD68D}" type="presOf" srcId="{7F09A95F-82A9-4AC9-A89D-B7421A924784}" destId="{9B6DFE0E-5070-4129-9586-A550CD8EC006}" srcOrd="0" destOrd="0" presId="urn:microsoft.com/office/officeart/2008/layout/SquareAccentList"/>
-    <dgm:cxn modelId="{B745EA73-8B67-46E6-B64A-3A84BBAAC92F}" type="presOf" srcId="{3C540172-9963-444D-89EF-B6A1458E4567}" destId="{24615AF5-E315-4482-BD03-9303B21B9516}" srcOrd="0" destOrd="0" presId="urn:microsoft.com/office/officeart/2008/layout/SquareAccentList"/>
-    <dgm:cxn modelId="{7451E383-4758-4679-8A9C-74C514174141}" type="presOf" srcId="{97849881-898F-42A8-A275-175CB69A2C52}" destId="{ACEE5B07-718E-43D3-84A6-02D4F4CBC349}" srcOrd="0" destOrd="0" presId="urn:microsoft.com/office/officeart/2008/layout/SquareAccentList"/>
-    <dgm:cxn modelId="{3A82DE48-2D47-4E1C-8F00-71ED647A8688}" srcId="{3C4E11F8-D49D-484B-B6E2-1B571D49A130}" destId="{FE4C6D14-652B-4754-8144-3905E159B0D0}" srcOrd="3" destOrd="0" parTransId="{B0545279-5BC2-42F8-B2F6-956DD6B3E0FE}" sibTransId="{03157E48-4330-4B6C-AF5B-DDF42CB27CFA}"/>
-    <dgm:cxn modelId="{CADB7DAA-19BF-4C88-8F0E-88E930D51C57}" srcId="{A1BABEAD-CBC7-46B2-B177-70DE57BC100A}" destId="{EFD6C8A7-C515-4683-B953-5A1F56185962}" srcOrd="3" destOrd="0" parTransId="{B4EE9A39-2267-4DA8-931F-787DD7E8959B}" sibTransId="{10F2BEBA-6A50-4259-BAB8-C4E8E6B30E67}"/>
-    <dgm:cxn modelId="{C8A443CF-BF49-4C70-B822-B125E61903B0}" srcId="{3C4E11F8-D49D-484B-B6E2-1B571D49A130}" destId="{531106A9-CA6F-45CA-A702-2B88920528F0}" srcOrd="2" destOrd="0" parTransId="{E0768FC5-6EEA-4BB4-A2C6-1F612CD3FA34}" sibTransId="{F3D16B34-E634-43EF-99E6-DDC8642C89BC}"/>
-    <dgm:cxn modelId="{CA46F927-CF5E-4B4C-92CE-29C5887339A6}" type="presOf" srcId="{DD9FE355-7D2D-40A1-9742-5D69D7A3ABD0}" destId="{9EF74576-6D0C-4892-9ABF-59D675C276E6}" srcOrd="0" destOrd="0" presId="urn:microsoft.com/office/officeart/2008/layout/SquareAccentList"/>
-    <dgm:cxn modelId="{EC23907D-EC4A-4FB8-9DBF-3B56D3B5275F}" srcId="{0058D066-705F-4BC8-B6CD-3F2AD6A31272}" destId="{EB58503F-2E83-4AA4-A594-EC8E4D92B058}" srcOrd="2" destOrd="0" parTransId="{955381EE-DBF2-41D5-BFD9-86D645E0363A}" sibTransId="{112FC456-AB59-4593-AA19-EC7A05760D89}"/>
-    <dgm:cxn modelId="{20F0234D-FE0F-4D45-A853-1474C401E88C}" srcId="{EFD6C8A7-C515-4683-B953-5A1F56185962}" destId="{4FE79E4A-F949-4908-938E-1ED9796B9982}" srcOrd="1" destOrd="0" parTransId="{04495225-83E4-4D15-B255-949CC081F866}" sibTransId="{D893D332-A425-4BD5-BD93-43F228AEAB64}"/>
-    <dgm:cxn modelId="{41B32658-0B90-41EE-9E19-19433B674893}" srcId="{A1BABEAD-CBC7-46B2-B177-70DE57BC100A}" destId="{3C4E11F8-D49D-484B-B6E2-1B571D49A130}" srcOrd="2" destOrd="0" parTransId="{1ED56E8B-4A8C-41FC-A967-DD544C467CC7}" sibTransId="{5697297A-EB04-4F29-A467-12140496CF77}"/>
-    <dgm:cxn modelId="{127CBC0E-35BB-4D48-BD25-CCA9A2EF20DE}" srcId="{A1BABEAD-CBC7-46B2-B177-70DE57BC100A}" destId="{DEC22A11-969F-4F5C-9D59-699DD54FEC02}" srcOrd="0" destOrd="0" parTransId="{6C661981-EA3B-45CF-B978-0EFB13D316CF}" sibTransId="{48BF2438-A9D8-4452-9013-A4A3FE279C7E}"/>
-    <dgm:cxn modelId="{EC195A86-FB41-49CB-BE2D-1109561B9CC7}" type="presOf" srcId="{4FE79E4A-F949-4908-938E-1ED9796B9982}" destId="{BA762BEE-3C48-4825-9C31-9842B6DBBEE2}" srcOrd="0" destOrd="0" presId="urn:microsoft.com/office/officeart/2008/layout/SquareAccentList"/>
-    <dgm:cxn modelId="{D2F63BBE-4E71-464B-A231-DF311DC323CD}" srcId="{EFD6C8A7-C515-4683-B953-5A1F56185962}" destId="{73ADEAC4-E51C-45E9-86C5-46042CCE50AB}" srcOrd="0" destOrd="0" parTransId="{6443C2B3-18DA-41D8-B5D2-A79323ECF104}" sibTransId="{B253071A-C795-4781-AE8F-9393FACC7C0A}"/>
-    <dgm:cxn modelId="{44C7EA5B-F0EC-43E7-AA3D-7D85830DEA6F}" type="presOf" srcId="{3C4E11F8-D49D-484B-B6E2-1B571D49A130}" destId="{023E5550-301C-46DB-9CD8-14629E504E3A}" srcOrd="0" destOrd="0" presId="urn:microsoft.com/office/officeart/2008/layout/SquareAccentList"/>
-    <dgm:cxn modelId="{70D10CCE-E96E-496D-B8CF-6CF846BA53A8}" type="presOf" srcId="{531106A9-CA6F-45CA-A702-2B88920528F0}" destId="{27EE411C-4136-487D-A31D-854035A26545}" srcOrd="0" destOrd="0" presId="urn:microsoft.com/office/officeart/2008/layout/SquareAccentList"/>
-    <dgm:cxn modelId="{41CB56EC-E15B-4213-9B71-59D9911542D8}" srcId="{0058D066-705F-4BC8-B6CD-3F2AD6A31272}" destId="{DD9FE355-7D2D-40A1-9742-5D69D7A3ABD0}" srcOrd="3" destOrd="0" parTransId="{63A91A8A-D721-469E-81A1-8A511F645AD9}" sibTransId="{1EAC100E-1E6A-410B-AC6D-51306040681A}"/>
-    <dgm:cxn modelId="{1C991F4A-C02C-4909-811B-0E4D8A4446A3}" type="presOf" srcId="{76CA6376-0F0E-4E77-B3F4-6EF99DABEA85}" destId="{F05686A4-A2B9-4FA6-A422-04E2CA5C53D1}" srcOrd="0" destOrd="0" presId="urn:microsoft.com/office/officeart/2008/layout/SquareAccentList"/>
-    <dgm:cxn modelId="{B95454D5-79D3-4449-AD18-8056862A8634}" type="presOf" srcId="{EFD6C8A7-C515-4683-B953-5A1F56185962}" destId="{22A10F88-F808-4A46-B596-746C2EDD5252}" srcOrd="0" destOrd="0" presId="urn:microsoft.com/office/officeart/2008/layout/SquareAccentList"/>
-    <dgm:cxn modelId="{36CF7135-5220-4002-9E5C-2C092BBE29D2}" srcId="{3C4E11F8-D49D-484B-B6E2-1B571D49A130}" destId="{3C540172-9963-444D-89EF-B6A1458E4567}" srcOrd="1" destOrd="0" parTransId="{FD7D7879-6A9E-414B-B1EA-FCC989E427E8}" sibTransId="{C47D3724-DD8A-457D-81D9-A308C47B333C}"/>
-    <dgm:cxn modelId="{FE51D39D-29BA-4D0D-A71E-2761AF395740}" type="presOf" srcId="{FE4C6D14-652B-4754-8144-3905E159B0D0}" destId="{8DFBFBA1-7B84-45FB-8ED0-82B80BDF7580}" srcOrd="0" destOrd="0" presId="urn:microsoft.com/office/officeart/2008/layout/SquareAccentList"/>
-    <dgm:cxn modelId="{0A1D0C1F-9614-479A-8725-7370E5FF8309}" srcId="{3C4E11F8-D49D-484B-B6E2-1B571D49A130}" destId="{7F09A95F-82A9-4AC9-A89D-B7421A924784}" srcOrd="0" destOrd="0" parTransId="{C9351199-9B4B-400A-A272-5690D45D1C42}" sibTransId="{5847742D-A992-49F3-8032-628E2D09F645}"/>
-    <dgm:cxn modelId="{928ED363-C61E-4876-9DCA-C2105DA4F8F5}" type="presOf" srcId="{73ADEAC4-E51C-45E9-86C5-46042CCE50AB}" destId="{12620D22-6796-44F3-B441-49330605DF76}" srcOrd="0" destOrd="0" presId="urn:microsoft.com/office/officeart/2008/layout/SquareAccentList"/>
-    <dgm:cxn modelId="{3C1B278A-4150-40E7-ADD2-037B26EA0998}" srcId="{DEC22A11-969F-4F5C-9D59-699DD54FEC02}" destId="{A037CA64-D3FB-49B1-9EAC-682C703A0791}" srcOrd="0" destOrd="0" parTransId="{3DE13768-1DBA-4A6D-8DB0-B684F742B04F}" sibTransId="{38ED1C71-A55B-433B-83F2-AE33C54534A3}"/>
-    <dgm:cxn modelId="{44AEEC49-8089-4653-9D0B-72F03B5EA41C}" type="presOf" srcId="{A1BABEAD-CBC7-46B2-B177-70DE57BC100A}" destId="{2A2D3285-D5AF-4142-9021-DE4EBBEC11B9}" srcOrd="0" destOrd="0" presId="urn:microsoft.com/office/officeart/2008/layout/SquareAccentList"/>
-    <dgm:cxn modelId="{BE98725E-4EF4-4876-9042-5F6E38A0C7CA}" srcId="{DEC22A11-969F-4F5C-9D59-699DD54FEC02}" destId="{97849881-898F-42A8-A275-175CB69A2C52}" srcOrd="2" destOrd="0" parTransId="{3F681C48-1061-4087-A56E-59553125F8B5}" sibTransId="{6C6160B7-72F2-4FBB-A909-1D748A14B09A}"/>
-    <dgm:cxn modelId="{DDF9367F-FA5F-4005-AA1C-4A0B4C4F3595}" type="presOf" srcId="{623F9E21-DDCB-410F-9B34-A8F4A6FC1E83}" destId="{87887977-70EC-400C-9C83-7A9F6BB1988F}" srcOrd="0" destOrd="0" presId="urn:microsoft.com/office/officeart/2008/layout/SquareAccentList"/>
-    <dgm:cxn modelId="{0839AB7B-DB14-444B-800C-787963C4226D}" srcId="{DEC22A11-969F-4F5C-9D59-699DD54FEC02}" destId="{31290AF6-311E-45E6-A478-B3B58A48ADF6}" srcOrd="3" destOrd="0" parTransId="{F24DD968-5EC0-4882-AE94-EA072EBB6E21}" sibTransId="{E9D954F8-7F66-404D-8893-034E7C6F0040}"/>
     <dgm:cxn modelId="{389B5373-D13C-44ED-8FEC-7919764453B8}" type="presParOf" srcId="{2A2D3285-D5AF-4142-9021-DE4EBBEC11B9}" destId="{CCB7A617-71C6-4812-B3F2-A301D85B4E09}" srcOrd="0" destOrd="0" presId="urn:microsoft.com/office/officeart/2008/layout/SquareAccentList"/>
     <dgm:cxn modelId="{96F02448-B497-4683-A403-F96CA400A58E}" type="presParOf" srcId="{CCB7A617-71C6-4812-B3F2-A301D85B4E09}" destId="{D3E87815-0CAE-4AC1-8876-D8FF42D3E796}" srcOrd="0" destOrd="0" presId="urn:microsoft.com/office/officeart/2008/layout/SquareAccentList"/>
     <dgm:cxn modelId="{0955020F-9126-4997-AD4E-6D782BE92FC2}" type="presParOf" srcId="{D3E87815-0CAE-4AC1-8876-D8FF42D3E796}" destId="{9A816E3E-76FF-465E-808B-1786D41F583F}" srcOrd="0" destOrd="0" presId="urn:microsoft.com/office/officeart/2008/layout/SquareAccentList"/>
@@ -5997,7 +6079,7 @@
             <a:fld id="{B61BEF0D-F0BB-DE4B-95CE-6DB70DBA9567}" type="datetimeFigureOut">
               <a:rPr lang="en-US" dirty="0"/>
               <a:pPr/>
-              <a:t>1/16/2021</a:t>
+              <a:t>1/19/2021</a:t>
             </a:fld>
             <a:endParaRPr lang="en-US" dirty="0"/>
           </a:p>
@@ -6332,7 +6414,7 @@
             <a:fld id="{B61BEF0D-F0BB-DE4B-95CE-6DB70DBA9567}" type="datetimeFigureOut">
               <a:rPr lang="en-US" dirty="0"/>
               <a:pPr/>
-              <a:t>1/16/2021</a:t>
+              <a:t>1/19/2021</a:t>
             </a:fld>
             <a:endParaRPr lang="en-US" dirty="0"/>
           </a:p>
@@ -6730,7 +6812,7 @@
             <a:fld id="{B61BEF0D-F0BB-DE4B-95CE-6DB70DBA9567}" type="datetimeFigureOut">
               <a:rPr lang="en-US" dirty="0"/>
               <a:pPr/>
-              <a:t>1/16/2021</a:t>
+              <a:t>1/19/2021</a:t>
             </a:fld>
             <a:endParaRPr lang="en-US" dirty="0"/>
           </a:p>
@@ -7063,7 +7145,7 @@
             <a:fld id="{B61BEF0D-F0BB-DE4B-95CE-6DB70DBA9567}" type="datetimeFigureOut">
               <a:rPr lang="en-US" dirty="0"/>
               <a:pPr/>
-              <a:t>1/16/2021</a:t>
+              <a:t>1/19/2021</a:t>
             </a:fld>
             <a:endParaRPr lang="en-US" dirty="0"/>
           </a:p>
@@ -7380,7 +7462,7 @@
             <a:fld id="{B61BEF0D-F0BB-DE4B-95CE-6DB70DBA9567}" type="datetimeFigureOut">
               <a:rPr lang="en-US" dirty="0"/>
               <a:pPr/>
-              <a:t>1/16/2021</a:t>
+              <a:t>1/19/2021</a:t>
             </a:fld>
             <a:endParaRPr lang="en-US" dirty="0"/>
           </a:p>
@@ -7773,7 +7855,7 @@
             <a:fld id="{B61BEF0D-F0BB-DE4B-95CE-6DB70DBA9567}" type="datetimeFigureOut">
               <a:rPr lang="en-US" dirty="0"/>
               <a:pPr/>
-              <a:t>1/16/2021</a:t>
+              <a:t>1/19/2021</a:t>
             </a:fld>
             <a:endParaRPr lang="en-US" dirty="0"/>
           </a:p>
@@ -8027,7 +8109,7 @@
             <a:fld id="{B61BEF0D-F0BB-DE4B-95CE-6DB70DBA9567}" type="datetimeFigureOut">
               <a:rPr lang="en-US" dirty="0"/>
               <a:pPr/>
-              <a:t>1/16/2021</a:t>
+              <a:t>1/19/2021</a:t>
             </a:fld>
             <a:endParaRPr lang="en-US" dirty="0"/>
           </a:p>
@@ -8286,7 +8368,7 @@
             <a:fld id="{B61BEF0D-F0BB-DE4B-95CE-6DB70DBA9567}" type="datetimeFigureOut">
               <a:rPr lang="en-US" dirty="0"/>
               <a:pPr/>
-              <a:t>1/16/2021</a:t>
+              <a:t>1/19/2021</a:t>
             </a:fld>
             <a:endParaRPr lang="en-US" dirty="0"/>
           </a:p>
@@ -8545,7 +8627,7 @@
             <a:fld id="{B61BEF0D-F0BB-DE4B-95CE-6DB70DBA9567}" type="datetimeFigureOut">
               <a:rPr lang="en-US" dirty="0"/>
               <a:pPr/>
-              <a:t>1/16/2021</a:t>
+              <a:t>1/19/2021</a:t>
             </a:fld>
             <a:endParaRPr lang="en-US" dirty="0"/>
           </a:p>
@@ -8871,7 +8953,7 @@
             <a:fld id="{B61BEF0D-F0BB-DE4B-95CE-6DB70DBA9567}" type="datetimeFigureOut">
               <a:rPr lang="en-US" dirty="0"/>
               <a:pPr/>
-              <a:t>1/16/2021</a:t>
+              <a:t>1/19/2021</a:t>
             </a:fld>
             <a:endParaRPr lang="en-US" dirty="0"/>
           </a:p>
@@ -9191,7 +9273,7 @@
             <a:fld id="{B61BEF0D-F0BB-DE4B-95CE-6DB70DBA9567}" type="datetimeFigureOut">
               <a:rPr lang="en-US" dirty="0"/>
               <a:pPr/>
-              <a:t>1/16/2021</a:t>
+              <a:t>1/19/2021</a:t>
             </a:fld>
             <a:endParaRPr lang="en-US" dirty="0"/>
           </a:p>
@@ -9645,7 +9727,7 @@
             <a:fld id="{B61BEF0D-F0BB-DE4B-95CE-6DB70DBA9567}" type="datetimeFigureOut">
               <a:rPr lang="en-US" dirty="0"/>
               <a:pPr/>
-              <a:t>1/16/2021</a:t>
+              <a:t>1/19/2021</a:t>
             </a:fld>
             <a:endParaRPr lang="en-US" dirty="0"/>
           </a:p>
@@ -9847,7 +9929,7 @@
             <a:fld id="{B61BEF0D-F0BB-DE4B-95CE-6DB70DBA9567}" type="datetimeFigureOut">
               <a:rPr lang="en-US" dirty="0"/>
               <a:pPr/>
-              <a:t>1/16/2021</a:t>
+              <a:t>1/19/2021</a:t>
             </a:fld>
             <a:endParaRPr lang="en-US" dirty="0"/>
           </a:p>
@@ -10021,7 +10103,7 @@
             <a:fld id="{B61BEF0D-F0BB-DE4B-95CE-6DB70DBA9567}" type="datetimeFigureOut">
               <a:rPr lang="en-US" dirty="0"/>
               <a:pPr/>
-              <a:t>1/16/2021</a:t>
+              <a:t>1/19/2021</a:t>
             </a:fld>
             <a:endParaRPr lang="en-US" dirty="0"/>
           </a:p>
@@ -10351,7 +10433,7 @@
             <a:fld id="{B61BEF0D-F0BB-DE4B-95CE-6DB70DBA9567}" type="datetimeFigureOut">
               <a:rPr lang="en-US" dirty="0"/>
               <a:pPr/>
-              <a:t>1/16/2021</a:t>
+              <a:t>1/19/2021</a:t>
             </a:fld>
             <a:endParaRPr lang="en-US" dirty="0"/>
           </a:p>
@@ -10693,7 +10775,7 @@
             <a:fld id="{B61BEF0D-F0BB-DE4B-95CE-6DB70DBA9567}" type="datetimeFigureOut">
               <a:rPr lang="en-US" dirty="0"/>
               <a:pPr/>
-              <a:t>1/16/2021</a:t>
+              <a:t>1/19/2021</a:t>
             </a:fld>
             <a:endParaRPr lang="en-US" dirty="0"/>
           </a:p>
@@ -12807,7 +12889,7 @@
             <a:fld id="{B61BEF0D-F0BB-DE4B-95CE-6DB70DBA9567}" type="datetimeFigureOut">
               <a:rPr lang="en-US" dirty="0"/>
               <a:pPr/>
-              <a:t>1/16/2021</a:t>
+              <a:t>1/19/2021</a:t>
             </a:fld>
             <a:endParaRPr lang="en-US" dirty="0"/>
           </a:p>
@@ -19066,11 +19148,7 @@
                       <a:pPr algn="r"/>
                       <a:r>
                         <a:rPr lang="en-US" dirty="0" smtClean="0"/>
-                        <a:t>2 530 500</a:t>
-                      </a:r>
-                      <a:r>
-                        <a:rPr lang="en-US" dirty="0" smtClean="0"/>
-                        <a:t>,00 €</a:t>
+                        <a:t>2 530 500,00 €</a:t>
                       </a:r>
                       <a:endParaRPr lang="en-US" dirty="0"/>
                     </a:p>
@@ -19110,11 +19188,7 @@
                       <a:pPr algn="r"/>
                       <a:r>
                         <a:rPr lang="en-US" dirty="0" smtClean="0"/>
-                        <a:t>632 992</a:t>
-                      </a:r>
-                      <a:r>
-                        <a:rPr lang="en-US" dirty="0" smtClean="0"/>
-                        <a:t>,00 €</a:t>
+                        <a:t>632 992,00 €</a:t>
                       </a:r>
                       <a:endParaRPr lang="en-US" dirty="0"/>
                     </a:p>
@@ -19158,11 +19232,7 @@
                       <a:pPr algn="r"/>
                       <a:r>
                         <a:rPr lang="en-US" dirty="0" smtClean="0"/>
-                        <a:t>1 090 464</a:t>
-                      </a:r>
-                      <a:r>
-                        <a:rPr lang="en-US" dirty="0" smtClean="0"/>
-                        <a:t>,00 €</a:t>
+                        <a:t>1 090 464,00 €</a:t>
                       </a:r>
                       <a:endParaRPr lang="en-US" dirty="0"/>
                     </a:p>
@@ -19214,11 +19284,7 @@
                       <a:pPr algn="r"/>
                       <a:r>
                         <a:rPr lang="en-US" dirty="0" smtClean="0"/>
-                        <a:t>155 941</a:t>
-                      </a:r>
-                      <a:r>
-                        <a:rPr lang="en-US" dirty="0" smtClean="0"/>
-                        <a:t>,00 €</a:t>
+                        <a:t>155 941,00 €</a:t>
                       </a:r>
                       <a:endParaRPr lang="en-US" dirty="0"/>
                     </a:p>

--- a/Smart-clik.pptx
+++ b/Smart-clik.pptx
@@ -8,6 +8,12 @@
     <p:sldId id="256" r:id="rId2"/>
     <p:sldId id="257" r:id="rId3"/>
     <p:sldId id="258" r:id="rId4"/>
+    <p:sldId id="259" r:id="rId5"/>
+    <p:sldId id="260" r:id="rId6"/>
+    <p:sldId id="261" r:id="rId7"/>
+    <p:sldId id="262" r:id="rId8"/>
+    <p:sldId id="263" r:id="rId9"/>
+    <p:sldId id="264" r:id="rId10"/>
   </p:sldIdLst>
   <p:sldSz cx="12192000" cy="6858000"/>
   <p:notesSz cx="6858000" cy="9144000"/>
@@ -114,6 +120,3732 @@
 </p:presentation>
 </file>
 
+<file path=ppt/diagrams/colors1.xml><?xml version="1.0" encoding="utf-8"?>
+<dgm:colorsDef xmlns:dgm="http://schemas.openxmlformats.org/drawingml/2006/diagram" xmlns:a="http://schemas.openxmlformats.org/drawingml/2006/main" uniqueId="urn:microsoft.com/office/officeart/2005/8/colors/accent1_2">
+  <dgm:title val=""/>
+  <dgm:desc val=""/>
+  <dgm:catLst>
+    <dgm:cat type="accent1" pri="11200"/>
+  </dgm:catLst>
+  <dgm:styleLbl name="node0">
+    <dgm:fillClrLst meth="repeat">
+      <a:schemeClr val="accent1"/>
+    </dgm:fillClrLst>
+    <dgm:linClrLst meth="repeat">
+      <a:schemeClr val="lt1"/>
+    </dgm:linClrLst>
+    <dgm:effectClrLst/>
+    <dgm:txLinClrLst/>
+    <dgm:txFillClrLst/>
+    <dgm:txEffectClrLst/>
+  </dgm:styleLbl>
+  <dgm:styleLbl name="alignNode1">
+    <dgm:fillClrLst meth="repeat">
+      <a:schemeClr val="accent1"/>
+    </dgm:fillClrLst>
+    <dgm:linClrLst meth="repeat">
+      <a:schemeClr val="accent1"/>
+    </dgm:linClrLst>
+    <dgm:effectClrLst/>
+    <dgm:txLinClrLst/>
+    <dgm:txFillClrLst/>
+    <dgm:txEffectClrLst/>
+  </dgm:styleLbl>
+  <dgm:styleLbl name="node1">
+    <dgm:fillClrLst meth="repeat">
+      <a:schemeClr val="accent1"/>
+    </dgm:fillClrLst>
+    <dgm:linClrLst meth="repeat">
+      <a:schemeClr val="lt1"/>
+    </dgm:linClrLst>
+    <dgm:effectClrLst/>
+    <dgm:txLinClrLst/>
+    <dgm:txFillClrLst/>
+    <dgm:txEffectClrLst/>
+  </dgm:styleLbl>
+  <dgm:styleLbl name="lnNode1">
+    <dgm:fillClrLst meth="repeat">
+      <a:schemeClr val="accent1"/>
+    </dgm:fillClrLst>
+    <dgm:linClrLst meth="repeat">
+      <a:schemeClr val="lt1"/>
+    </dgm:linClrLst>
+    <dgm:effectClrLst/>
+    <dgm:txLinClrLst/>
+    <dgm:txFillClrLst/>
+    <dgm:txEffectClrLst/>
+  </dgm:styleLbl>
+  <dgm:styleLbl name="vennNode1">
+    <dgm:fillClrLst meth="repeat">
+      <a:schemeClr val="accent1">
+        <a:alpha val="50000"/>
+      </a:schemeClr>
+    </dgm:fillClrLst>
+    <dgm:linClrLst meth="repeat">
+      <a:schemeClr val="lt1"/>
+    </dgm:linClrLst>
+    <dgm:effectClrLst/>
+    <dgm:txLinClrLst/>
+    <dgm:txFillClrLst/>
+    <dgm:txEffectClrLst/>
+  </dgm:styleLbl>
+  <dgm:styleLbl name="node2">
+    <dgm:fillClrLst meth="repeat">
+      <a:schemeClr val="accent1"/>
+    </dgm:fillClrLst>
+    <dgm:linClrLst meth="repeat">
+      <a:schemeClr val="lt1"/>
+    </dgm:linClrLst>
+    <dgm:effectClrLst/>
+    <dgm:txLinClrLst/>
+    <dgm:txFillClrLst/>
+    <dgm:txEffectClrLst/>
+  </dgm:styleLbl>
+  <dgm:styleLbl name="node3">
+    <dgm:fillClrLst meth="repeat">
+      <a:schemeClr val="accent1"/>
+    </dgm:fillClrLst>
+    <dgm:linClrLst meth="repeat">
+      <a:schemeClr val="lt1"/>
+    </dgm:linClrLst>
+    <dgm:effectClrLst/>
+    <dgm:txLinClrLst/>
+    <dgm:txFillClrLst/>
+    <dgm:txEffectClrLst/>
+  </dgm:styleLbl>
+  <dgm:styleLbl name="node4">
+    <dgm:fillClrLst meth="repeat">
+      <a:schemeClr val="accent1"/>
+    </dgm:fillClrLst>
+    <dgm:linClrLst meth="repeat">
+      <a:schemeClr val="lt1"/>
+    </dgm:linClrLst>
+    <dgm:effectClrLst/>
+    <dgm:txLinClrLst/>
+    <dgm:txFillClrLst/>
+    <dgm:txEffectClrLst/>
+  </dgm:styleLbl>
+  <dgm:styleLbl name="fgImgPlace1">
+    <dgm:fillClrLst meth="repeat">
+      <a:schemeClr val="accent1">
+        <a:tint val="50000"/>
+      </a:schemeClr>
+    </dgm:fillClrLst>
+    <dgm:linClrLst meth="repeat">
+      <a:schemeClr val="lt1"/>
+    </dgm:linClrLst>
+    <dgm:effectClrLst/>
+    <dgm:txLinClrLst/>
+    <dgm:txFillClrLst meth="repeat">
+      <a:schemeClr val="lt1"/>
+    </dgm:txFillClrLst>
+    <dgm:txEffectClrLst/>
+  </dgm:styleLbl>
+  <dgm:styleLbl name="alignImgPlace1">
+    <dgm:fillClrLst meth="repeat">
+      <a:schemeClr val="accent1">
+        <a:tint val="50000"/>
+      </a:schemeClr>
+    </dgm:fillClrLst>
+    <dgm:linClrLst meth="repeat">
+      <a:schemeClr val="lt1"/>
+    </dgm:linClrLst>
+    <dgm:effectClrLst/>
+    <dgm:txLinClrLst/>
+    <dgm:txFillClrLst meth="repeat">
+      <a:schemeClr val="lt1"/>
+    </dgm:txFillClrLst>
+    <dgm:txEffectClrLst/>
+  </dgm:styleLbl>
+  <dgm:styleLbl name="bgImgPlace1">
+    <dgm:fillClrLst meth="repeat">
+      <a:schemeClr val="accent1">
+        <a:tint val="50000"/>
+      </a:schemeClr>
+    </dgm:fillClrLst>
+    <dgm:linClrLst meth="repeat">
+      <a:schemeClr val="lt1"/>
+    </dgm:linClrLst>
+    <dgm:effectClrLst/>
+    <dgm:txLinClrLst/>
+    <dgm:txFillClrLst meth="repeat">
+      <a:schemeClr val="lt1"/>
+    </dgm:txFillClrLst>
+    <dgm:txEffectClrLst/>
+  </dgm:styleLbl>
+  <dgm:styleLbl name="sibTrans2D1">
+    <dgm:fillClrLst meth="repeat">
+      <a:schemeClr val="accent1">
+        <a:tint val="60000"/>
+      </a:schemeClr>
+    </dgm:fillClrLst>
+    <dgm:linClrLst meth="repeat">
+      <a:schemeClr val="accent1">
+        <a:tint val="60000"/>
+      </a:schemeClr>
+    </dgm:linClrLst>
+    <dgm:effectClrLst/>
+    <dgm:txLinClrLst/>
+    <dgm:txFillClrLst/>
+    <dgm:txEffectClrLst/>
+  </dgm:styleLbl>
+  <dgm:styleLbl name="fgSibTrans2D1">
+    <dgm:fillClrLst meth="repeat">
+      <a:schemeClr val="accent1">
+        <a:tint val="60000"/>
+      </a:schemeClr>
+    </dgm:fillClrLst>
+    <dgm:linClrLst meth="repeat">
+      <a:schemeClr val="accent1">
+        <a:tint val="60000"/>
+      </a:schemeClr>
+    </dgm:linClrLst>
+    <dgm:effectClrLst/>
+    <dgm:txLinClrLst/>
+    <dgm:txFillClrLst/>
+    <dgm:txEffectClrLst/>
+  </dgm:styleLbl>
+  <dgm:styleLbl name="bgSibTrans2D1">
+    <dgm:fillClrLst meth="repeat">
+      <a:schemeClr val="accent1">
+        <a:tint val="60000"/>
+      </a:schemeClr>
+    </dgm:fillClrLst>
+    <dgm:linClrLst meth="repeat">
+      <a:schemeClr val="accent1">
+        <a:tint val="60000"/>
+      </a:schemeClr>
+    </dgm:linClrLst>
+    <dgm:effectClrLst/>
+    <dgm:txLinClrLst/>
+    <dgm:txFillClrLst/>
+    <dgm:txEffectClrLst/>
+  </dgm:styleLbl>
+  <dgm:styleLbl name="sibTrans1D1">
+    <dgm:fillClrLst meth="repeat">
+      <a:schemeClr val="accent1"/>
+    </dgm:fillClrLst>
+    <dgm:linClrLst meth="repeat">
+      <a:schemeClr val="accent1"/>
+    </dgm:linClrLst>
+    <dgm:effectClrLst/>
+    <dgm:txLinClrLst/>
+    <dgm:txFillClrLst meth="repeat">
+      <a:schemeClr val="tx1"/>
+    </dgm:txFillClrLst>
+    <dgm:txEffectClrLst/>
+  </dgm:styleLbl>
+  <dgm:styleLbl name="callout">
+    <dgm:fillClrLst meth="repeat">
+      <a:schemeClr val="accent1"/>
+    </dgm:fillClrLst>
+    <dgm:linClrLst meth="repeat">
+      <a:schemeClr val="accent1">
+        <a:tint val="50000"/>
+      </a:schemeClr>
+    </dgm:linClrLst>
+    <dgm:effectClrLst/>
+    <dgm:txLinClrLst/>
+    <dgm:txFillClrLst meth="repeat">
+      <a:schemeClr val="tx1"/>
+    </dgm:txFillClrLst>
+    <dgm:txEffectClrLst/>
+  </dgm:styleLbl>
+  <dgm:styleLbl name="asst0">
+    <dgm:fillClrLst meth="repeat">
+      <a:schemeClr val="accent1"/>
+    </dgm:fillClrLst>
+    <dgm:linClrLst meth="repeat">
+      <a:schemeClr val="lt1"/>
+    </dgm:linClrLst>
+    <dgm:effectClrLst/>
+    <dgm:txLinClrLst/>
+    <dgm:txFillClrLst/>
+    <dgm:txEffectClrLst/>
+  </dgm:styleLbl>
+  <dgm:styleLbl name="asst1">
+    <dgm:fillClrLst meth="repeat">
+      <a:schemeClr val="accent1"/>
+    </dgm:fillClrLst>
+    <dgm:linClrLst meth="repeat">
+      <a:schemeClr val="lt1"/>
+    </dgm:linClrLst>
+    <dgm:effectClrLst/>
+    <dgm:txLinClrLst/>
+    <dgm:txFillClrLst/>
+    <dgm:txEffectClrLst/>
+  </dgm:styleLbl>
+  <dgm:styleLbl name="asst2">
+    <dgm:fillClrLst meth="repeat">
+      <a:schemeClr val="accent1"/>
+    </dgm:fillClrLst>
+    <dgm:linClrLst meth="repeat">
+      <a:schemeClr val="lt1"/>
+    </dgm:linClrLst>
+    <dgm:effectClrLst/>
+    <dgm:txLinClrLst/>
+    <dgm:txFillClrLst/>
+    <dgm:txEffectClrLst/>
+  </dgm:styleLbl>
+  <dgm:styleLbl name="asst3">
+    <dgm:fillClrLst meth="repeat">
+      <a:schemeClr val="accent1"/>
+    </dgm:fillClrLst>
+    <dgm:linClrLst meth="repeat">
+      <a:schemeClr val="lt1"/>
+    </dgm:linClrLst>
+    <dgm:effectClrLst/>
+    <dgm:txLinClrLst/>
+    <dgm:txFillClrLst/>
+    <dgm:txEffectClrLst/>
+  </dgm:styleLbl>
+  <dgm:styleLbl name="asst4">
+    <dgm:fillClrLst meth="repeat">
+      <a:schemeClr val="accent1"/>
+    </dgm:fillClrLst>
+    <dgm:linClrLst meth="repeat">
+      <a:schemeClr val="lt1"/>
+    </dgm:linClrLst>
+    <dgm:effectClrLst/>
+    <dgm:txLinClrLst/>
+    <dgm:txFillClrLst/>
+    <dgm:txEffectClrLst/>
+  </dgm:styleLbl>
+  <dgm:styleLbl name="parChTrans2D1">
+    <dgm:fillClrLst meth="repeat">
+      <a:schemeClr val="accent1">
+        <a:tint val="60000"/>
+      </a:schemeClr>
+    </dgm:fillClrLst>
+    <dgm:linClrLst meth="repeat">
+      <a:schemeClr val="accent1">
+        <a:tint val="60000"/>
+      </a:schemeClr>
+    </dgm:linClrLst>
+    <dgm:effectClrLst/>
+    <dgm:txLinClrLst/>
+    <dgm:txFillClrLst meth="repeat">
+      <a:schemeClr val="lt1"/>
+    </dgm:txFillClrLst>
+    <dgm:txEffectClrLst/>
+  </dgm:styleLbl>
+  <dgm:styleLbl name="parChTrans2D2">
+    <dgm:fillClrLst meth="repeat">
+      <a:schemeClr val="accent1"/>
+    </dgm:fillClrLst>
+    <dgm:linClrLst meth="repeat">
+      <a:schemeClr val="accent1"/>
+    </dgm:linClrLst>
+    <dgm:effectClrLst/>
+    <dgm:txLinClrLst/>
+    <dgm:txFillClrLst meth="repeat">
+      <a:schemeClr val="lt1"/>
+    </dgm:txFillClrLst>
+    <dgm:txEffectClrLst/>
+  </dgm:styleLbl>
+  <dgm:styleLbl name="parChTrans2D3">
+    <dgm:fillClrLst meth="repeat">
+      <a:schemeClr val="accent1"/>
+    </dgm:fillClrLst>
+    <dgm:linClrLst meth="repeat">
+      <a:schemeClr val="accent1"/>
+    </dgm:linClrLst>
+    <dgm:effectClrLst/>
+    <dgm:txLinClrLst/>
+    <dgm:txFillClrLst meth="repeat">
+      <a:schemeClr val="lt1"/>
+    </dgm:txFillClrLst>
+    <dgm:txEffectClrLst/>
+  </dgm:styleLbl>
+  <dgm:styleLbl name="parChTrans2D4">
+    <dgm:fillClrLst meth="repeat">
+      <a:schemeClr val="accent1"/>
+    </dgm:fillClrLst>
+    <dgm:linClrLst meth="repeat">
+      <a:schemeClr val="accent1"/>
+    </dgm:linClrLst>
+    <dgm:effectClrLst/>
+    <dgm:txLinClrLst/>
+    <dgm:txFillClrLst meth="repeat">
+      <a:schemeClr val="lt1"/>
+    </dgm:txFillClrLst>
+    <dgm:txEffectClrLst/>
+  </dgm:styleLbl>
+  <dgm:styleLbl name="parChTrans1D1">
+    <dgm:fillClrLst meth="repeat">
+      <a:schemeClr val="accent1"/>
+    </dgm:fillClrLst>
+    <dgm:linClrLst meth="repeat">
+      <a:schemeClr val="accent1">
+        <a:shade val="60000"/>
+      </a:schemeClr>
+    </dgm:linClrLst>
+    <dgm:effectClrLst/>
+    <dgm:txLinClrLst/>
+    <dgm:txFillClrLst meth="repeat">
+      <a:schemeClr val="tx1"/>
+    </dgm:txFillClrLst>
+    <dgm:txEffectClrLst/>
+  </dgm:styleLbl>
+  <dgm:styleLbl name="parChTrans1D2">
+    <dgm:fillClrLst meth="repeat">
+      <a:schemeClr val="accent1"/>
+    </dgm:fillClrLst>
+    <dgm:linClrLst meth="repeat">
+      <a:schemeClr val="accent1">
+        <a:shade val="60000"/>
+      </a:schemeClr>
+    </dgm:linClrLst>
+    <dgm:effectClrLst/>
+    <dgm:txLinClrLst/>
+    <dgm:txFillClrLst meth="repeat">
+      <a:schemeClr val="tx1"/>
+    </dgm:txFillClrLst>
+    <dgm:txEffectClrLst/>
+  </dgm:styleLbl>
+  <dgm:styleLbl name="parChTrans1D3">
+    <dgm:fillClrLst meth="repeat">
+      <a:schemeClr val="accent1"/>
+    </dgm:fillClrLst>
+    <dgm:linClrLst meth="repeat">
+      <a:schemeClr val="accent1">
+        <a:shade val="80000"/>
+      </a:schemeClr>
+    </dgm:linClrLst>
+    <dgm:effectClrLst/>
+    <dgm:txLinClrLst/>
+    <dgm:txFillClrLst meth="repeat">
+      <a:schemeClr val="tx1"/>
+    </dgm:txFillClrLst>
+    <dgm:txEffectClrLst/>
+  </dgm:styleLbl>
+  <dgm:styleLbl name="parChTrans1D4">
+    <dgm:fillClrLst meth="repeat">
+      <a:schemeClr val="accent1"/>
+    </dgm:fillClrLst>
+    <dgm:linClrLst meth="repeat">
+      <a:schemeClr val="accent1">
+        <a:shade val="80000"/>
+      </a:schemeClr>
+    </dgm:linClrLst>
+    <dgm:effectClrLst/>
+    <dgm:txLinClrLst/>
+    <dgm:txFillClrLst meth="repeat">
+      <a:schemeClr val="tx1"/>
+    </dgm:txFillClrLst>
+    <dgm:txEffectClrLst/>
+  </dgm:styleLbl>
+  <dgm:styleLbl name="fgAcc1">
+    <dgm:fillClrLst meth="repeat">
+      <a:schemeClr val="lt1">
+        <a:alpha val="90000"/>
+      </a:schemeClr>
+    </dgm:fillClrLst>
+    <dgm:linClrLst meth="repeat">
+      <a:schemeClr val="accent1"/>
+    </dgm:linClrLst>
+    <dgm:effectClrLst/>
+    <dgm:txLinClrLst/>
+    <dgm:txFillClrLst meth="repeat">
+      <a:schemeClr val="dk1"/>
+    </dgm:txFillClrLst>
+    <dgm:txEffectClrLst/>
+  </dgm:styleLbl>
+  <dgm:styleLbl name="conFgAcc1">
+    <dgm:fillClrLst meth="repeat">
+      <a:schemeClr val="lt1">
+        <a:alpha val="90000"/>
+      </a:schemeClr>
+    </dgm:fillClrLst>
+    <dgm:linClrLst meth="repeat">
+      <a:schemeClr val="accent1"/>
+    </dgm:linClrLst>
+    <dgm:effectClrLst/>
+    <dgm:txLinClrLst/>
+    <dgm:txFillClrLst meth="repeat">
+      <a:schemeClr val="dk1"/>
+    </dgm:txFillClrLst>
+    <dgm:txEffectClrLst/>
+  </dgm:styleLbl>
+  <dgm:styleLbl name="alignAcc1">
+    <dgm:fillClrLst meth="repeat">
+      <a:schemeClr val="lt1">
+        <a:alpha val="90000"/>
+      </a:schemeClr>
+    </dgm:fillClrLst>
+    <dgm:linClrLst meth="repeat">
+      <a:schemeClr val="accent1"/>
+    </dgm:linClrLst>
+    <dgm:effectClrLst/>
+    <dgm:txLinClrLst/>
+    <dgm:txFillClrLst meth="repeat">
+      <a:schemeClr val="dk1"/>
+    </dgm:txFillClrLst>
+    <dgm:txEffectClrLst/>
+  </dgm:styleLbl>
+  <dgm:styleLbl name="trAlignAcc1">
+    <dgm:fillClrLst meth="repeat">
+      <a:schemeClr val="lt1">
+        <a:alpha val="40000"/>
+      </a:schemeClr>
+    </dgm:fillClrLst>
+    <dgm:linClrLst meth="repeat">
+      <a:schemeClr val="accent1"/>
+    </dgm:linClrLst>
+    <dgm:effectClrLst/>
+    <dgm:txLinClrLst/>
+    <dgm:txFillClrLst meth="repeat">
+      <a:schemeClr val="dk1"/>
+    </dgm:txFillClrLst>
+    <dgm:txEffectClrLst/>
+  </dgm:styleLbl>
+  <dgm:styleLbl name="bgAcc1">
+    <dgm:fillClrLst meth="repeat">
+      <a:schemeClr val="lt1">
+        <a:alpha val="90000"/>
+      </a:schemeClr>
+    </dgm:fillClrLst>
+    <dgm:linClrLst meth="repeat">
+      <a:schemeClr val="accent1"/>
+    </dgm:linClrLst>
+    <dgm:effectClrLst/>
+    <dgm:txLinClrLst/>
+    <dgm:txFillClrLst meth="repeat">
+      <a:schemeClr val="dk1"/>
+    </dgm:txFillClrLst>
+    <dgm:txEffectClrLst/>
+  </dgm:styleLbl>
+  <dgm:styleLbl name="solidFgAcc1">
+    <dgm:fillClrLst meth="repeat">
+      <a:schemeClr val="lt1"/>
+    </dgm:fillClrLst>
+    <dgm:linClrLst meth="repeat">
+      <a:schemeClr val="accent1"/>
+    </dgm:linClrLst>
+    <dgm:effectClrLst/>
+    <dgm:txLinClrLst/>
+    <dgm:txFillClrLst meth="repeat">
+      <a:schemeClr val="dk1"/>
+    </dgm:txFillClrLst>
+    <dgm:txEffectClrLst/>
+  </dgm:styleLbl>
+  <dgm:styleLbl name="solidAlignAcc1">
+    <dgm:fillClrLst meth="repeat">
+      <a:schemeClr val="lt1"/>
+    </dgm:fillClrLst>
+    <dgm:linClrLst meth="repeat">
+      <a:schemeClr val="accent1"/>
+    </dgm:linClrLst>
+    <dgm:effectClrLst/>
+    <dgm:txLinClrLst/>
+    <dgm:txFillClrLst meth="repeat">
+      <a:schemeClr val="dk1"/>
+    </dgm:txFillClrLst>
+    <dgm:txEffectClrLst/>
+  </dgm:styleLbl>
+  <dgm:styleLbl name="solidBgAcc1">
+    <dgm:fillClrLst meth="repeat">
+      <a:schemeClr val="lt1"/>
+    </dgm:fillClrLst>
+    <dgm:linClrLst meth="repeat">
+      <a:schemeClr val="accent1"/>
+    </dgm:linClrLst>
+    <dgm:effectClrLst/>
+    <dgm:txLinClrLst/>
+    <dgm:txFillClrLst meth="repeat">
+      <a:schemeClr val="dk1"/>
+    </dgm:txFillClrLst>
+    <dgm:txEffectClrLst/>
+  </dgm:styleLbl>
+  <dgm:styleLbl name="fgAccFollowNode1">
+    <dgm:fillClrLst meth="repeat">
+      <a:schemeClr val="accent1">
+        <a:alpha val="90000"/>
+        <a:tint val="40000"/>
+      </a:schemeClr>
+    </dgm:fillClrLst>
+    <dgm:linClrLst meth="repeat">
+      <a:schemeClr val="accent1">
+        <a:alpha val="90000"/>
+        <a:tint val="40000"/>
+      </a:schemeClr>
+    </dgm:linClrLst>
+    <dgm:effectClrLst/>
+    <dgm:txLinClrLst/>
+    <dgm:txFillClrLst meth="repeat">
+      <a:schemeClr val="dk1"/>
+    </dgm:txFillClrLst>
+    <dgm:txEffectClrLst/>
+  </dgm:styleLbl>
+  <dgm:styleLbl name="alignAccFollowNode1">
+    <dgm:fillClrLst meth="repeat">
+      <a:schemeClr val="accent1">
+        <a:alpha val="90000"/>
+        <a:tint val="40000"/>
+      </a:schemeClr>
+    </dgm:fillClrLst>
+    <dgm:linClrLst meth="repeat">
+      <a:schemeClr val="accent1">
+        <a:alpha val="90000"/>
+        <a:tint val="40000"/>
+      </a:schemeClr>
+    </dgm:linClrLst>
+    <dgm:effectClrLst/>
+    <dgm:txLinClrLst/>
+    <dgm:txFillClrLst meth="repeat">
+      <a:schemeClr val="dk1"/>
+    </dgm:txFillClrLst>
+    <dgm:txEffectClrLst/>
+  </dgm:styleLbl>
+  <dgm:styleLbl name="bgAccFollowNode1">
+    <dgm:fillClrLst meth="repeat">
+      <a:schemeClr val="accent1">
+        <a:alpha val="90000"/>
+        <a:tint val="40000"/>
+      </a:schemeClr>
+    </dgm:fillClrLst>
+    <dgm:linClrLst meth="repeat">
+      <a:schemeClr val="accent1">
+        <a:alpha val="90000"/>
+        <a:tint val="40000"/>
+      </a:schemeClr>
+    </dgm:linClrLst>
+    <dgm:effectClrLst/>
+    <dgm:txLinClrLst/>
+    <dgm:txFillClrLst meth="repeat">
+      <a:schemeClr val="dk1"/>
+    </dgm:txFillClrLst>
+    <dgm:txEffectClrLst/>
+  </dgm:styleLbl>
+  <dgm:styleLbl name="fgAcc0">
+    <dgm:fillClrLst meth="repeat">
+      <a:schemeClr val="lt1">
+        <a:alpha val="90000"/>
+      </a:schemeClr>
+    </dgm:fillClrLst>
+    <dgm:linClrLst meth="repeat">
+      <a:schemeClr val="accent1"/>
+    </dgm:linClrLst>
+    <dgm:effectClrLst/>
+    <dgm:txLinClrLst/>
+    <dgm:txFillClrLst meth="repeat">
+      <a:schemeClr val="dk1"/>
+    </dgm:txFillClrLst>
+    <dgm:txEffectClrLst/>
+  </dgm:styleLbl>
+  <dgm:styleLbl name="fgAcc2">
+    <dgm:fillClrLst meth="repeat">
+      <a:schemeClr val="lt1">
+        <a:alpha val="90000"/>
+      </a:schemeClr>
+    </dgm:fillClrLst>
+    <dgm:linClrLst meth="repeat">
+      <a:schemeClr val="accent1"/>
+    </dgm:linClrLst>
+    <dgm:effectClrLst/>
+    <dgm:txLinClrLst/>
+    <dgm:txFillClrLst meth="repeat">
+      <a:schemeClr val="dk1"/>
+    </dgm:txFillClrLst>
+    <dgm:txEffectClrLst/>
+  </dgm:styleLbl>
+  <dgm:styleLbl name="fgAcc3">
+    <dgm:fillClrLst meth="repeat">
+      <a:schemeClr val="lt1">
+        <a:alpha val="90000"/>
+      </a:schemeClr>
+    </dgm:fillClrLst>
+    <dgm:linClrLst meth="repeat">
+      <a:schemeClr val="accent1"/>
+    </dgm:linClrLst>
+    <dgm:effectClrLst/>
+    <dgm:txLinClrLst/>
+    <dgm:txFillClrLst meth="repeat">
+      <a:schemeClr val="dk1"/>
+    </dgm:txFillClrLst>
+    <dgm:txEffectClrLst/>
+  </dgm:styleLbl>
+  <dgm:styleLbl name="fgAcc4">
+    <dgm:fillClrLst meth="repeat">
+      <a:schemeClr val="lt1">
+        <a:alpha val="90000"/>
+      </a:schemeClr>
+    </dgm:fillClrLst>
+    <dgm:linClrLst meth="repeat">
+      <a:schemeClr val="accent1"/>
+    </dgm:linClrLst>
+    <dgm:effectClrLst/>
+    <dgm:txLinClrLst/>
+    <dgm:txFillClrLst meth="repeat">
+      <a:schemeClr val="dk1"/>
+    </dgm:txFillClrLst>
+    <dgm:txEffectClrLst/>
+  </dgm:styleLbl>
+  <dgm:styleLbl name="bgShp">
+    <dgm:fillClrLst meth="repeat">
+      <a:schemeClr val="accent1">
+        <a:tint val="40000"/>
+      </a:schemeClr>
+    </dgm:fillClrLst>
+    <dgm:linClrLst meth="repeat">
+      <a:schemeClr val="accent1"/>
+    </dgm:linClrLst>
+    <dgm:effectClrLst/>
+    <dgm:txLinClrLst/>
+    <dgm:txFillClrLst meth="repeat">
+      <a:schemeClr val="dk1"/>
+    </dgm:txFillClrLst>
+    <dgm:txEffectClrLst/>
+  </dgm:styleLbl>
+  <dgm:styleLbl name="dkBgShp">
+    <dgm:fillClrLst meth="repeat">
+      <a:schemeClr val="accent1">
+        <a:shade val="80000"/>
+      </a:schemeClr>
+    </dgm:fillClrLst>
+    <dgm:linClrLst meth="repeat">
+      <a:schemeClr val="accent1"/>
+    </dgm:linClrLst>
+    <dgm:effectClrLst/>
+    <dgm:txLinClrLst/>
+    <dgm:txFillClrLst meth="repeat">
+      <a:schemeClr val="lt1"/>
+    </dgm:txFillClrLst>
+    <dgm:txEffectClrLst/>
+  </dgm:styleLbl>
+  <dgm:styleLbl name="trBgShp">
+    <dgm:fillClrLst meth="repeat">
+      <a:schemeClr val="accent1">
+        <a:tint val="50000"/>
+        <a:alpha val="40000"/>
+      </a:schemeClr>
+    </dgm:fillClrLst>
+    <dgm:linClrLst meth="repeat">
+      <a:schemeClr val="accent1"/>
+    </dgm:linClrLst>
+    <dgm:effectClrLst/>
+    <dgm:txLinClrLst/>
+    <dgm:txFillClrLst meth="repeat">
+      <a:schemeClr val="lt1"/>
+    </dgm:txFillClrLst>
+    <dgm:txEffectClrLst/>
+  </dgm:styleLbl>
+  <dgm:styleLbl name="fgShp">
+    <dgm:fillClrLst meth="repeat">
+      <a:schemeClr val="accent1">
+        <a:tint val="60000"/>
+      </a:schemeClr>
+    </dgm:fillClrLst>
+    <dgm:linClrLst meth="repeat">
+      <a:schemeClr val="lt1"/>
+    </dgm:linClrLst>
+    <dgm:effectClrLst/>
+    <dgm:txLinClrLst/>
+    <dgm:txFillClrLst meth="repeat">
+      <a:schemeClr val="dk1"/>
+    </dgm:txFillClrLst>
+    <dgm:txEffectClrLst/>
+  </dgm:styleLbl>
+  <dgm:styleLbl name="revTx">
+    <dgm:fillClrLst meth="repeat">
+      <a:schemeClr val="lt1">
+        <a:alpha val="0"/>
+      </a:schemeClr>
+    </dgm:fillClrLst>
+    <dgm:linClrLst meth="repeat">
+      <a:schemeClr val="dk1">
+        <a:alpha val="0"/>
+      </a:schemeClr>
+    </dgm:linClrLst>
+    <dgm:effectClrLst/>
+    <dgm:txLinClrLst/>
+    <dgm:txFillClrLst meth="repeat">
+      <a:schemeClr val="tx1"/>
+    </dgm:txFillClrLst>
+    <dgm:txEffectClrLst/>
+  </dgm:styleLbl>
+</dgm:colorsDef>
+</file>
+
+<file path=ppt/diagrams/data1.xml><?xml version="1.0" encoding="utf-8"?>
+<dgm:dataModel xmlns:dgm="http://schemas.openxmlformats.org/drawingml/2006/diagram" xmlns:a="http://schemas.openxmlformats.org/drawingml/2006/main">
+  <dgm:ptLst>
+    <dgm:pt modelId="{DDD2CF89-EAA3-4F0C-93D4-14F797BCA8AA}" type="doc">
+      <dgm:prSet loTypeId="urn:microsoft.com/office/officeart/2005/8/layout/lProcess2" loCatId="list" qsTypeId="urn:microsoft.com/office/officeart/2005/8/quickstyle/simple1" qsCatId="simple" csTypeId="urn:microsoft.com/office/officeart/2005/8/colors/accent1_2" csCatId="accent1" phldr="1"/>
+      <dgm:spPr/>
+      <dgm:t>
+        <a:bodyPr/>
+        <a:lstStyle/>
+        <a:p>
+          <a:endParaRPr lang="fr-FR"/>
+        </a:p>
+      </dgm:t>
+    </dgm:pt>
+    <dgm:pt modelId="{3A003FDA-5D26-4F87-AC81-93F935952626}">
+      <dgm:prSet phldrT="[Texte]"/>
+      <dgm:spPr/>
+      <dgm:t>
+        <a:bodyPr/>
+        <a:lstStyle/>
+        <a:p>
+          <a:r>
+            <a:rPr lang="fr-FR" dirty="0" smtClean="0"/>
+            <a:t>Starter</a:t>
+          </a:r>
+          <a:endParaRPr lang="fr-FR" dirty="0"/>
+        </a:p>
+      </dgm:t>
+    </dgm:pt>
+    <dgm:pt modelId="{3B09C8EB-8A39-4BCB-A10F-36EEDC4B4D8D}" type="parTrans" cxnId="{B205C17F-4B43-4E71-A70C-E1683859D88B}">
+      <dgm:prSet/>
+      <dgm:spPr/>
+      <dgm:t>
+        <a:bodyPr/>
+        <a:lstStyle/>
+        <a:p>
+          <a:endParaRPr lang="fr-FR"/>
+        </a:p>
+      </dgm:t>
+    </dgm:pt>
+    <dgm:pt modelId="{9F8D3FD5-98F4-473E-87C7-518842553790}" type="sibTrans" cxnId="{B205C17F-4B43-4E71-A70C-E1683859D88B}">
+      <dgm:prSet/>
+      <dgm:spPr/>
+      <dgm:t>
+        <a:bodyPr/>
+        <a:lstStyle/>
+        <a:p>
+          <a:endParaRPr lang="fr-FR"/>
+        </a:p>
+      </dgm:t>
+    </dgm:pt>
+    <dgm:pt modelId="{5F351E30-36D7-4293-8070-D40C8B1519F7}">
+      <dgm:prSet phldrT="[Texte]"/>
+      <dgm:spPr/>
+      <dgm:t>
+        <a:bodyPr/>
+        <a:lstStyle/>
+        <a:p>
+          <a:r>
+            <a:rPr lang="fr-FR" dirty="0" smtClean="0"/>
+            <a:t>1 an d’accès</a:t>
+          </a:r>
+          <a:endParaRPr lang="fr-FR" dirty="0"/>
+        </a:p>
+      </dgm:t>
+    </dgm:pt>
+    <dgm:pt modelId="{5DA18402-2E39-4011-9F98-0524C882AA0A}" type="parTrans" cxnId="{B7CE9BBB-52A3-4D30-8AC7-8896CC568224}">
+      <dgm:prSet/>
+      <dgm:spPr/>
+      <dgm:t>
+        <a:bodyPr/>
+        <a:lstStyle/>
+        <a:p>
+          <a:endParaRPr lang="fr-FR"/>
+        </a:p>
+      </dgm:t>
+    </dgm:pt>
+    <dgm:pt modelId="{AD0A6E2B-80BE-4C0A-AD93-67E6AACA209D}" type="sibTrans" cxnId="{B7CE9BBB-52A3-4D30-8AC7-8896CC568224}">
+      <dgm:prSet/>
+      <dgm:spPr/>
+      <dgm:t>
+        <a:bodyPr/>
+        <a:lstStyle/>
+        <a:p>
+          <a:endParaRPr lang="fr-FR"/>
+        </a:p>
+      </dgm:t>
+    </dgm:pt>
+    <dgm:pt modelId="{B08F7544-B94A-4F80-8176-25000B440829}">
+      <dgm:prSet phldrT="[Texte]"/>
+      <dgm:spPr/>
+      <dgm:t>
+        <a:bodyPr/>
+        <a:lstStyle/>
+        <a:p>
+          <a:r>
+            <a:rPr lang="fr-FR" dirty="0" smtClean="0"/>
+            <a:t>1 URL personnalisée</a:t>
+          </a:r>
+          <a:endParaRPr lang="fr-FR" dirty="0"/>
+        </a:p>
+      </dgm:t>
+    </dgm:pt>
+    <dgm:pt modelId="{893AC721-FB13-4123-9453-0440BC6A4C08}" type="parTrans" cxnId="{5632D1B5-B6DE-4DE0-9217-3315BF10E5F0}">
+      <dgm:prSet/>
+      <dgm:spPr/>
+      <dgm:t>
+        <a:bodyPr/>
+        <a:lstStyle/>
+        <a:p>
+          <a:endParaRPr lang="fr-FR"/>
+        </a:p>
+      </dgm:t>
+    </dgm:pt>
+    <dgm:pt modelId="{60B016DD-FAD1-40A0-9BAE-6C943B7C61C5}" type="sibTrans" cxnId="{5632D1B5-B6DE-4DE0-9217-3315BF10E5F0}">
+      <dgm:prSet/>
+      <dgm:spPr/>
+      <dgm:t>
+        <a:bodyPr/>
+        <a:lstStyle/>
+        <a:p>
+          <a:endParaRPr lang="fr-FR"/>
+        </a:p>
+      </dgm:t>
+    </dgm:pt>
+    <dgm:pt modelId="{26C67376-3964-4D7A-8A7B-CEDBD2AFE17A}">
+      <dgm:prSet phldrT="[Texte]"/>
+      <dgm:spPr/>
+      <dgm:t>
+        <a:bodyPr/>
+        <a:lstStyle/>
+        <a:p>
+          <a:r>
+            <a:rPr lang="fr-FR" dirty="0" smtClean="0"/>
+            <a:t>Business</a:t>
+          </a:r>
+          <a:endParaRPr lang="fr-FR" dirty="0"/>
+        </a:p>
+      </dgm:t>
+    </dgm:pt>
+    <dgm:pt modelId="{E69DEB49-4049-474D-B949-64BE71972885}" type="parTrans" cxnId="{D38AE9D9-D299-4708-9ABB-D2114310409E}">
+      <dgm:prSet/>
+      <dgm:spPr/>
+      <dgm:t>
+        <a:bodyPr/>
+        <a:lstStyle/>
+        <a:p>
+          <a:endParaRPr lang="fr-FR"/>
+        </a:p>
+      </dgm:t>
+    </dgm:pt>
+    <dgm:pt modelId="{AF3271AB-F554-42F9-8F2E-790F0C8BC83F}" type="sibTrans" cxnId="{D38AE9D9-D299-4708-9ABB-D2114310409E}">
+      <dgm:prSet/>
+      <dgm:spPr/>
+      <dgm:t>
+        <a:bodyPr/>
+        <a:lstStyle/>
+        <a:p>
+          <a:endParaRPr lang="fr-FR"/>
+        </a:p>
+      </dgm:t>
+    </dgm:pt>
+    <dgm:pt modelId="{2F665A30-675F-46AE-ACD8-079B9E949FE7}">
+      <dgm:prSet phldrT="[Texte]"/>
+      <dgm:spPr/>
+      <dgm:t>
+        <a:bodyPr/>
+        <a:lstStyle/>
+        <a:p>
+          <a:r>
+            <a:rPr lang="fr-FR" dirty="0" smtClean="0"/>
+            <a:t>Starter</a:t>
+          </a:r>
+          <a:endParaRPr lang="fr-FR" dirty="0"/>
+        </a:p>
+      </dgm:t>
+    </dgm:pt>
+    <dgm:pt modelId="{609FDA35-A25F-4DFD-8499-D35C56E74A4A}" type="parTrans" cxnId="{0921783A-C2C0-4508-8A33-7048890E86CE}">
+      <dgm:prSet/>
+      <dgm:spPr/>
+      <dgm:t>
+        <a:bodyPr/>
+        <a:lstStyle/>
+        <a:p>
+          <a:endParaRPr lang="fr-FR"/>
+        </a:p>
+      </dgm:t>
+    </dgm:pt>
+    <dgm:pt modelId="{903E744E-6EB1-4824-B078-C52B96D7DC51}" type="sibTrans" cxnId="{0921783A-C2C0-4508-8A33-7048890E86CE}">
+      <dgm:prSet/>
+      <dgm:spPr/>
+      <dgm:t>
+        <a:bodyPr/>
+        <a:lstStyle/>
+        <a:p>
+          <a:endParaRPr lang="fr-FR"/>
+        </a:p>
+      </dgm:t>
+    </dgm:pt>
+    <dgm:pt modelId="{FD6F938B-D573-41A9-A40C-9303325FD318}">
+      <dgm:prSet phldrT="[Texte]"/>
+      <dgm:spPr/>
+      <dgm:t>
+        <a:bodyPr/>
+        <a:lstStyle/>
+        <a:p>
+          <a:r>
+            <a:rPr lang="fr-FR" dirty="0" smtClean="0"/>
+            <a:t>1 Nom de domaine personnalisé</a:t>
+          </a:r>
+          <a:endParaRPr lang="fr-FR" dirty="0"/>
+        </a:p>
+      </dgm:t>
+    </dgm:pt>
+    <dgm:pt modelId="{8D2367BD-1429-4674-9BC4-9642A690DA17}" type="parTrans" cxnId="{61C79B3D-715A-4CD2-9563-860E442968B9}">
+      <dgm:prSet/>
+      <dgm:spPr/>
+      <dgm:t>
+        <a:bodyPr/>
+        <a:lstStyle/>
+        <a:p>
+          <a:endParaRPr lang="fr-FR"/>
+        </a:p>
+      </dgm:t>
+    </dgm:pt>
+    <dgm:pt modelId="{F4AC17F5-FBE3-4020-8C1E-DDA5633F56B7}" type="sibTrans" cxnId="{61C79B3D-715A-4CD2-9563-860E442968B9}">
+      <dgm:prSet/>
+      <dgm:spPr/>
+      <dgm:t>
+        <a:bodyPr/>
+        <a:lstStyle/>
+        <a:p>
+          <a:endParaRPr lang="fr-FR"/>
+        </a:p>
+      </dgm:t>
+    </dgm:pt>
+    <dgm:pt modelId="{3478A8CD-7D67-456B-A961-19F0675D3D25}">
+      <dgm:prSet phldrT="[Texte]"/>
+      <dgm:spPr/>
+      <dgm:t>
+        <a:bodyPr/>
+        <a:lstStyle/>
+        <a:p>
+          <a:r>
+            <a:rPr lang="fr-FR" dirty="0" smtClean="0"/>
+            <a:t>Entreprise</a:t>
+          </a:r>
+          <a:endParaRPr lang="fr-FR" dirty="0"/>
+        </a:p>
+      </dgm:t>
+    </dgm:pt>
+    <dgm:pt modelId="{6344A81E-27CF-434F-9351-39D8B8A2967D}" type="parTrans" cxnId="{09F88C71-A716-4E3D-94B3-8F218034C95B}">
+      <dgm:prSet/>
+      <dgm:spPr/>
+      <dgm:t>
+        <a:bodyPr/>
+        <a:lstStyle/>
+        <a:p>
+          <a:endParaRPr lang="fr-FR"/>
+        </a:p>
+      </dgm:t>
+    </dgm:pt>
+    <dgm:pt modelId="{8456CB31-96E3-4FEE-BB3D-C28B61E47D6F}" type="sibTrans" cxnId="{09F88C71-A716-4E3D-94B3-8F218034C95B}">
+      <dgm:prSet/>
+      <dgm:spPr/>
+      <dgm:t>
+        <a:bodyPr/>
+        <a:lstStyle/>
+        <a:p>
+          <a:endParaRPr lang="fr-FR"/>
+        </a:p>
+      </dgm:t>
+    </dgm:pt>
+    <dgm:pt modelId="{BA8FF587-0A35-425A-B39B-ADF9C1830CC5}">
+      <dgm:prSet phldrT="[Texte]"/>
+      <dgm:spPr/>
+      <dgm:t>
+        <a:bodyPr/>
+        <a:lstStyle/>
+        <a:p>
+          <a:r>
+            <a:rPr lang="fr-FR" dirty="0" smtClean="0"/>
+            <a:t>Offre Business</a:t>
+          </a:r>
+          <a:endParaRPr lang="fr-FR" dirty="0"/>
+        </a:p>
+      </dgm:t>
+    </dgm:pt>
+    <dgm:pt modelId="{7B457038-099A-4C91-819A-16373EEA550C}" type="parTrans" cxnId="{84B3DB09-B14B-4AF3-AED9-CA1E7941A1EB}">
+      <dgm:prSet/>
+      <dgm:spPr/>
+      <dgm:t>
+        <a:bodyPr/>
+        <a:lstStyle/>
+        <a:p>
+          <a:endParaRPr lang="fr-FR"/>
+        </a:p>
+      </dgm:t>
+    </dgm:pt>
+    <dgm:pt modelId="{701BA785-D63F-42E7-B39D-321A6C0C513A}" type="sibTrans" cxnId="{84B3DB09-B14B-4AF3-AED9-CA1E7941A1EB}">
+      <dgm:prSet/>
+      <dgm:spPr/>
+      <dgm:t>
+        <a:bodyPr/>
+        <a:lstStyle/>
+        <a:p>
+          <a:endParaRPr lang="fr-FR"/>
+        </a:p>
+      </dgm:t>
+    </dgm:pt>
+    <dgm:pt modelId="{D7D69908-D8F4-40B8-942E-31CC23748565}">
+      <dgm:prSet phldrT="[Texte]"/>
+      <dgm:spPr/>
+      <dgm:t>
+        <a:bodyPr/>
+        <a:lstStyle/>
+        <a:p>
+          <a:r>
+            <a:rPr lang="fr-FR" dirty="0" smtClean="0"/>
+            <a:t>Votre outil métier spécifique</a:t>
+          </a:r>
+          <a:endParaRPr lang="fr-FR" dirty="0"/>
+        </a:p>
+      </dgm:t>
+    </dgm:pt>
+    <dgm:pt modelId="{41A93337-8540-4BA3-A04E-357FEEEB2511}" type="parTrans" cxnId="{6C641FF3-5D7A-4657-BC27-FE8FC2E6DB9A}">
+      <dgm:prSet/>
+      <dgm:spPr/>
+      <dgm:t>
+        <a:bodyPr/>
+        <a:lstStyle/>
+        <a:p>
+          <a:endParaRPr lang="fr-FR"/>
+        </a:p>
+      </dgm:t>
+    </dgm:pt>
+    <dgm:pt modelId="{D15C762D-32DB-47F5-A93F-F8434D310EC2}" type="sibTrans" cxnId="{6C641FF3-5D7A-4657-BC27-FE8FC2E6DB9A}">
+      <dgm:prSet/>
+      <dgm:spPr/>
+      <dgm:t>
+        <a:bodyPr/>
+        <a:lstStyle/>
+        <a:p>
+          <a:endParaRPr lang="fr-FR"/>
+        </a:p>
+      </dgm:t>
+    </dgm:pt>
+    <dgm:pt modelId="{0261CAFA-6BD1-4B97-9A99-14BEB79595A6}">
+      <dgm:prSet phldrT="[Texte]"/>
+      <dgm:spPr/>
+      <dgm:t>
+        <a:bodyPr/>
+        <a:lstStyle/>
+        <a:p>
+          <a:r>
+            <a:rPr lang="fr-FR" dirty="0" smtClean="0"/>
+            <a:t>3 comptes réseaux sociaux créés</a:t>
+          </a:r>
+          <a:endParaRPr lang="fr-FR" dirty="0"/>
+        </a:p>
+      </dgm:t>
+    </dgm:pt>
+    <dgm:pt modelId="{2E1C7D11-1952-44D6-85D4-DCCA8EFAD455}" type="parTrans" cxnId="{D20CBD5E-9C76-460A-8839-5C22D67B733E}">
+      <dgm:prSet/>
+      <dgm:spPr/>
+      <dgm:t>
+        <a:bodyPr/>
+        <a:lstStyle/>
+        <a:p>
+          <a:endParaRPr lang="fr-FR"/>
+        </a:p>
+      </dgm:t>
+    </dgm:pt>
+    <dgm:pt modelId="{6E51C77A-430E-4703-AC37-3B86FDAAA7EC}" type="sibTrans" cxnId="{D20CBD5E-9C76-460A-8839-5C22D67B733E}">
+      <dgm:prSet/>
+      <dgm:spPr/>
+      <dgm:t>
+        <a:bodyPr/>
+        <a:lstStyle/>
+        <a:p>
+          <a:endParaRPr lang="fr-FR"/>
+        </a:p>
+      </dgm:t>
+    </dgm:pt>
+    <dgm:pt modelId="{54E3186A-31D9-415D-B3A9-1D260FFE368B}">
+      <dgm:prSet phldrT="[Texte]"/>
+      <dgm:spPr/>
+      <dgm:t>
+        <a:bodyPr/>
+        <a:lstStyle/>
+        <a:p>
+          <a:r>
+            <a:rPr lang="fr-FR" dirty="0" smtClean="0"/>
+            <a:t>Le compte </a:t>
+          </a:r>
+          <a:r>
+            <a:rPr lang="fr-FR" dirty="0" err="1" smtClean="0"/>
+            <a:t>analytics</a:t>
+          </a:r>
+          <a:r>
+            <a:rPr lang="fr-FR" dirty="0" smtClean="0"/>
+            <a:t> </a:t>
+          </a:r>
+          <a:r>
+            <a:rPr lang="fr-FR" dirty="0" err="1" smtClean="0"/>
+            <a:t>google</a:t>
+          </a:r>
+          <a:endParaRPr lang="fr-FR" dirty="0"/>
+        </a:p>
+      </dgm:t>
+    </dgm:pt>
+    <dgm:pt modelId="{AE90CBC5-1BD1-4214-A3DF-BBB7713D2584}" type="parTrans" cxnId="{2827A062-891F-492D-A1EE-38BB8AF66B76}">
+      <dgm:prSet/>
+      <dgm:spPr/>
+      <dgm:t>
+        <a:bodyPr/>
+        <a:lstStyle/>
+        <a:p>
+          <a:endParaRPr lang="fr-FR"/>
+        </a:p>
+      </dgm:t>
+    </dgm:pt>
+    <dgm:pt modelId="{4055B44C-4245-4DD9-A30A-106493BDA4B0}" type="sibTrans" cxnId="{2827A062-891F-492D-A1EE-38BB8AF66B76}">
+      <dgm:prSet/>
+      <dgm:spPr/>
+      <dgm:t>
+        <a:bodyPr/>
+        <a:lstStyle/>
+        <a:p>
+          <a:endParaRPr lang="fr-FR"/>
+        </a:p>
+      </dgm:t>
+    </dgm:pt>
+    <dgm:pt modelId="{609A37C9-6367-4337-A8CC-EF54026D05DA}">
+      <dgm:prSet phldrT="[Texte]"/>
+      <dgm:spPr/>
+      <dgm:t>
+        <a:bodyPr/>
+        <a:lstStyle/>
+        <a:p>
+          <a:r>
+            <a:rPr lang="fr-FR" dirty="0" smtClean="0"/>
+            <a:t>Votre logo et charte graphique</a:t>
+          </a:r>
+          <a:endParaRPr lang="fr-FR" dirty="0"/>
+        </a:p>
+      </dgm:t>
+    </dgm:pt>
+    <dgm:pt modelId="{5DAE5FA1-DF2E-4334-9A03-9DC198D44999}" type="parTrans" cxnId="{6C1D083F-ADBA-4093-91FC-C032FAEC00DC}">
+      <dgm:prSet/>
+      <dgm:spPr/>
+      <dgm:t>
+        <a:bodyPr/>
+        <a:lstStyle/>
+        <a:p>
+          <a:endParaRPr lang="fr-FR"/>
+        </a:p>
+      </dgm:t>
+    </dgm:pt>
+    <dgm:pt modelId="{DE71B768-5ED6-4777-8958-D357F6846653}" type="sibTrans" cxnId="{6C1D083F-ADBA-4093-91FC-C032FAEC00DC}">
+      <dgm:prSet/>
+      <dgm:spPr/>
+      <dgm:t>
+        <a:bodyPr/>
+        <a:lstStyle/>
+        <a:p>
+          <a:endParaRPr lang="fr-FR"/>
+        </a:p>
+      </dgm:t>
+    </dgm:pt>
+    <dgm:pt modelId="{31EBB55E-1E96-41DA-AE56-38E7CEE6E87A}" type="pres">
+      <dgm:prSet presAssocID="{DDD2CF89-EAA3-4F0C-93D4-14F797BCA8AA}" presName="theList" presStyleCnt="0">
+        <dgm:presLayoutVars>
+          <dgm:dir/>
+          <dgm:animLvl val="lvl"/>
+          <dgm:resizeHandles val="exact"/>
+        </dgm:presLayoutVars>
+      </dgm:prSet>
+      <dgm:spPr/>
+    </dgm:pt>
+    <dgm:pt modelId="{CCA7E14E-0B92-4132-AC8D-37F0E8CD8438}" type="pres">
+      <dgm:prSet presAssocID="{3A003FDA-5D26-4F87-AC81-93F935952626}" presName="compNode" presStyleCnt="0"/>
+      <dgm:spPr/>
+    </dgm:pt>
+    <dgm:pt modelId="{AE4FA6ED-7B01-4366-B939-5E8DDDBAC390}" type="pres">
+      <dgm:prSet presAssocID="{3A003FDA-5D26-4F87-AC81-93F935952626}" presName="aNode" presStyleLbl="bgShp" presStyleIdx="0" presStyleCnt="3"/>
+      <dgm:spPr/>
+    </dgm:pt>
+    <dgm:pt modelId="{3FFD4B62-5255-4A4C-9B04-1759AF71DDE2}" type="pres">
+      <dgm:prSet presAssocID="{3A003FDA-5D26-4F87-AC81-93F935952626}" presName="textNode" presStyleLbl="bgShp" presStyleIdx="0" presStyleCnt="3"/>
+      <dgm:spPr/>
+    </dgm:pt>
+    <dgm:pt modelId="{8FD66C37-27C6-4C99-B28E-F5DB73015599}" type="pres">
+      <dgm:prSet presAssocID="{3A003FDA-5D26-4F87-AC81-93F935952626}" presName="compChildNode" presStyleCnt="0"/>
+      <dgm:spPr/>
+    </dgm:pt>
+    <dgm:pt modelId="{8BD6E731-EEC8-4C77-9498-C5B809F3179C}" type="pres">
+      <dgm:prSet presAssocID="{3A003FDA-5D26-4F87-AC81-93F935952626}" presName="theInnerList" presStyleCnt="0"/>
+      <dgm:spPr/>
+    </dgm:pt>
+    <dgm:pt modelId="{5291D6B6-E795-49CA-8EE1-97340A33D718}" type="pres">
+      <dgm:prSet presAssocID="{5F351E30-36D7-4293-8070-D40C8B1519F7}" presName="childNode" presStyleLbl="node1" presStyleIdx="0" presStyleCnt="9">
+        <dgm:presLayoutVars>
+          <dgm:bulletEnabled val="1"/>
+        </dgm:presLayoutVars>
+      </dgm:prSet>
+      <dgm:spPr/>
+    </dgm:pt>
+    <dgm:pt modelId="{A713979F-6315-45A1-A3AC-5361CA38E3AD}" type="pres">
+      <dgm:prSet presAssocID="{5F351E30-36D7-4293-8070-D40C8B1519F7}" presName="aSpace2" presStyleCnt="0"/>
+      <dgm:spPr/>
+    </dgm:pt>
+    <dgm:pt modelId="{C71998F7-A075-4E33-B2F3-29CA1AD604F9}" type="pres">
+      <dgm:prSet presAssocID="{B08F7544-B94A-4F80-8176-25000B440829}" presName="childNode" presStyleLbl="node1" presStyleIdx="1" presStyleCnt="9">
+        <dgm:presLayoutVars>
+          <dgm:bulletEnabled val="1"/>
+        </dgm:presLayoutVars>
+      </dgm:prSet>
+      <dgm:spPr/>
+    </dgm:pt>
+    <dgm:pt modelId="{3B664F1E-61A6-4B48-BD82-DE364A1970E3}" type="pres">
+      <dgm:prSet presAssocID="{3A003FDA-5D26-4F87-AC81-93F935952626}" presName="aSpace" presStyleCnt="0"/>
+      <dgm:spPr/>
+    </dgm:pt>
+    <dgm:pt modelId="{3433D1C3-7838-4A9E-A009-D4E89040F437}" type="pres">
+      <dgm:prSet presAssocID="{26C67376-3964-4D7A-8A7B-CEDBD2AFE17A}" presName="compNode" presStyleCnt="0"/>
+      <dgm:spPr/>
+    </dgm:pt>
+    <dgm:pt modelId="{534D99AF-A2BF-4E69-B2C8-D7C0741A04DA}" type="pres">
+      <dgm:prSet presAssocID="{26C67376-3964-4D7A-8A7B-CEDBD2AFE17A}" presName="aNode" presStyleLbl="bgShp" presStyleIdx="1" presStyleCnt="3"/>
+      <dgm:spPr/>
+      <dgm:t>
+        <a:bodyPr/>
+        <a:lstStyle/>
+        <a:p>
+          <a:endParaRPr lang="fr-FR"/>
+        </a:p>
+      </dgm:t>
+    </dgm:pt>
+    <dgm:pt modelId="{293E695B-D2B1-4D0D-AD38-54BAABF0ED61}" type="pres">
+      <dgm:prSet presAssocID="{26C67376-3964-4D7A-8A7B-CEDBD2AFE17A}" presName="textNode" presStyleLbl="bgShp" presStyleIdx="1" presStyleCnt="3"/>
+      <dgm:spPr/>
+      <dgm:t>
+        <a:bodyPr/>
+        <a:lstStyle/>
+        <a:p>
+          <a:endParaRPr lang="fr-FR"/>
+        </a:p>
+      </dgm:t>
+    </dgm:pt>
+    <dgm:pt modelId="{DA9A0614-30F4-4C30-892A-BFC35129205A}" type="pres">
+      <dgm:prSet presAssocID="{26C67376-3964-4D7A-8A7B-CEDBD2AFE17A}" presName="compChildNode" presStyleCnt="0"/>
+      <dgm:spPr/>
+    </dgm:pt>
+    <dgm:pt modelId="{A2BB3A1C-7A15-4A04-B051-7D4BC513D62A}" type="pres">
+      <dgm:prSet presAssocID="{26C67376-3964-4D7A-8A7B-CEDBD2AFE17A}" presName="theInnerList" presStyleCnt="0"/>
+      <dgm:spPr/>
+    </dgm:pt>
+    <dgm:pt modelId="{63648766-EFFD-4A26-B4A3-1887CB79E8F7}" type="pres">
+      <dgm:prSet presAssocID="{2F665A30-675F-46AE-ACD8-079B9E949FE7}" presName="childNode" presStyleLbl="node1" presStyleIdx="2" presStyleCnt="9">
+        <dgm:presLayoutVars>
+          <dgm:bulletEnabled val="1"/>
+        </dgm:presLayoutVars>
+      </dgm:prSet>
+      <dgm:spPr/>
+      <dgm:t>
+        <a:bodyPr/>
+        <a:lstStyle/>
+        <a:p>
+          <a:endParaRPr lang="fr-FR"/>
+        </a:p>
+      </dgm:t>
+    </dgm:pt>
+    <dgm:pt modelId="{A3CE5A93-EAE5-41C0-8828-33FA0EDF46B9}" type="pres">
+      <dgm:prSet presAssocID="{2F665A30-675F-46AE-ACD8-079B9E949FE7}" presName="aSpace2" presStyleCnt="0"/>
+      <dgm:spPr/>
+    </dgm:pt>
+    <dgm:pt modelId="{9BE815CC-053B-4E88-A518-0959CD5A1F2E}" type="pres">
+      <dgm:prSet presAssocID="{FD6F938B-D573-41A9-A40C-9303325FD318}" presName="childNode" presStyleLbl="node1" presStyleIdx="3" presStyleCnt="9">
+        <dgm:presLayoutVars>
+          <dgm:bulletEnabled val="1"/>
+        </dgm:presLayoutVars>
+      </dgm:prSet>
+      <dgm:spPr/>
+    </dgm:pt>
+    <dgm:pt modelId="{615D97DF-914A-4DFE-BBF4-196A5D409A67}" type="pres">
+      <dgm:prSet presAssocID="{FD6F938B-D573-41A9-A40C-9303325FD318}" presName="aSpace2" presStyleCnt="0"/>
+      <dgm:spPr/>
+    </dgm:pt>
+    <dgm:pt modelId="{33312653-3833-4BB9-A712-B5AA14EBD1F4}" type="pres">
+      <dgm:prSet presAssocID="{0261CAFA-6BD1-4B97-9A99-14BEB79595A6}" presName="childNode" presStyleLbl="node1" presStyleIdx="4" presStyleCnt="9">
+        <dgm:presLayoutVars>
+          <dgm:bulletEnabled val="1"/>
+        </dgm:presLayoutVars>
+      </dgm:prSet>
+      <dgm:spPr/>
+      <dgm:t>
+        <a:bodyPr/>
+        <a:lstStyle/>
+        <a:p>
+          <a:endParaRPr lang="fr-FR"/>
+        </a:p>
+      </dgm:t>
+    </dgm:pt>
+    <dgm:pt modelId="{5F0CC468-8684-4618-B912-CB6C1B87D137}" type="pres">
+      <dgm:prSet presAssocID="{0261CAFA-6BD1-4B97-9A99-14BEB79595A6}" presName="aSpace2" presStyleCnt="0"/>
+      <dgm:spPr/>
+    </dgm:pt>
+    <dgm:pt modelId="{B8A25BAE-A63E-4B37-A92B-B20DBDA2FEBF}" type="pres">
+      <dgm:prSet presAssocID="{54E3186A-31D9-415D-B3A9-1D260FFE368B}" presName="childNode" presStyleLbl="node1" presStyleIdx="5" presStyleCnt="9">
+        <dgm:presLayoutVars>
+          <dgm:bulletEnabled val="1"/>
+        </dgm:presLayoutVars>
+      </dgm:prSet>
+      <dgm:spPr/>
+      <dgm:t>
+        <a:bodyPr/>
+        <a:lstStyle/>
+        <a:p>
+          <a:endParaRPr lang="fr-FR"/>
+        </a:p>
+      </dgm:t>
+    </dgm:pt>
+    <dgm:pt modelId="{190FFBC0-C0B7-4DFC-875D-E94EFD7ADDA2}" type="pres">
+      <dgm:prSet presAssocID="{26C67376-3964-4D7A-8A7B-CEDBD2AFE17A}" presName="aSpace" presStyleCnt="0"/>
+      <dgm:spPr/>
+    </dgm:pt>
+    <dgm:pt modelId="{E0CF3972-5CB8-4EA3-BD25-F7977BCAB0E5}" type="pres">
+      <dgm:prSet presAssocID="{3478A8CD-7D67-456B-A961-19F0675D3D25}" presName="compNode" presStyleCnt="0"/>
+      <dgm:spPr/>
+    </dgm:pt>
+    <dgm:pt modelId="{6729210B-318F-45E5-A44C-A0369022FDC9}" type="pres">
+      <dgm:prSet presAssocID="{3478A8CD-7D67-456B-A961-19F0675D3D25}" presName="aNode" presStyleLbl="bgShp" presStyleIdx="2" presStyleCnt="3"/>
+      <dgm:spPr/>
+      <dgm:t>
+        <a:bodyPr/>
+        <a:lstStyle/>
+        <a:p>
+          <a:endParaRPr lang="fr-FR"/>
+        </a:p>
+      </dgm:t>
+    </dgm:pt>
+    <dgm:pt modelId="{38F5CC5C-FCD2-4F14-BFBB-DED02B65FBA6}" type="pres">
+      <dgm:prSet presAssocID="{3478A8CD-7D67-456B-A961-19F0675D3D25}" presName="textNode" presStyleLbl="bgShp" presStyleIdx="2" presStyleCnt="3"/>
+      <dgm:spPr/>
+      <dgm:t>
+        <a:bodyPr/>
+        <a:lstStyle/>
+        <a:p>
+          <a:endParaRPr lang="fr-FR"/>
+        </a:p>
+      </dgm:t>
+    </dgm:pt>
+    <dgm:pt modelId="{8772126B-D9DA-4885-BAE8-8422CC1DF276}" type="pres">
+      <dgm:prSet presAssocID="{3478A8CD-7D67-456B-A961-19F0675D3D25}" presName="compChildNode" presStyleCnt="0"/>
+      <dgm:spPr/>
+    </dgm:pt>
+    <dgm:pt modelId="{24874AD0-FA63-46F7-99C5-E91E948A75FD}" type="pres">
+      <dgm:prSet presAssocID="{3478A8CD-7D67-456B-A961-19F0675D3D25}" presName="theInnerList" presStyleCnt="0"/>
+      <dgm:spPr/>
+    </dgm:pt>
+    <dgm:pt modelId="{913168D6-2B37-4B51-B275-DF1ABD6F096E}" type="pres">
+      <dgm:prSet presAssocID="{BA8FF587-0A35-425A-B39B-ADF9C1830CC5}" presName="childNode" presStyleLbl="node1" presStyleIdx="6" presStyleCnt="9">
+        <dgm:presLayoutVars>
+          <dgm:bulletEnabled val="1"/>
+        </dgm:presLayoutVars>
+      </dgm:prSet>
+      <dgm:spPr/>
+    </dgm:pt>
+    <dgm:pt modelId="{FDC33F6C-B425-405D-B9D8-AE2CBF86DCAE}" type="pres">
+      <dgm:prSet presAssocID="{BA8FF587-0A35-425A-B39B-ADF9C1830CC5}" presName="aSpace2" presStyleCnt="0"/>
+      <dgm:spPr/>
+    </dgm:pt>
+    <dgm:pt modelId="{0D38DB26-DB30-4B29-9C4C-39618F9BA57B}" type="pres">
+      <dgm:prSet presAssocID="{D7D69908-D8F4-40B8-942E-31CC23748565}" presName="childNode" presStyleLbl="node1" presStyleIdx="7" presStyleCnt="9">
+        <dgm:presLayoutVars>
+          <dgm:bulletEnabled val="1"/>
+        </dgm:presLayoutVars>
+      </dgm:prSet>
+      <dgm:spPr/>
+    </dgm:pt>
+    <dgm:pt modelId="{60FB4224-D559-4FE3-996E-4FEA134C3132}" type="pres">
+      <dgm:prSet presAssocID="{D7D69908-D8F4-40B8-942E-31CC23748565}" presName="aSpace2" presStyleCnt="0"/>
+      <dgm:spPr/>
+    </dgm:pt>
+    <dgm:pt modelId="{BADD2B87-D7E2-4BC6-9C64-A87DD5CEA1C5}" type="pres">
+      <dgm:prSet presAssocID="{609A37C9-6367-4337-A8CC-EF54026D05DA}" presName="childNode" presStyleLbl="node1" presStyleIdx="8" presStyleCnt="9">
+        <dgm:presLayoutVars>
+          <dgm:bulletEnabled val="1"/>
+        </dgm:presLayoutVars>
+      </dgm:prSet>
+      <dgm:spPr/>
+      <dgm:t>
+        <a:bodyPr/>
+        <a:lstStyle/>
+        <a:p>
+          <a:endParaRPr lang="fr-FR"/>
+        </a:p>
+      </dgm:t>
+    </dgm:pt>
+  </dgm:ptLst>
+  <dgm:cxnLst>
+    <dgm:cxn modelId="{DE31AB49-4284-455A-90CA-B684AE98E393}" type="presOf" srcId="{FD6F938B-D573-41A9-A40C-9303325FD318}" destId="{9BE815CC-053B-4E88-A518-0959CD5A1F2E}" srcOrd="0" destOrd="0" presId="urn:microsoft.com/office/officeart/2005/8/layout/lProcess2"/>
+    <dgm:cxn modelId="{B2AD1383-2872-45D3-BBF4-C3176DF74B74}" type="presOf" srcId="{26C67376-3964-4D7A-8A7B-CEDBD2AFE17A}" destId="{534D99AF-A2BF-4E69-B2C8-D7C0741A04DA}" srcOrd="0" destOrd="0" presId="urn:microsoft.com/office/officeart/2005/8/layout/lProcess2"/>
+    <dgm:cxn modelId="{9FDCF0B4-C25C-487A-BDE2-553A502AABCD}" type="presOf" srcId="{54E3186A-31D9-415D-B3A9-1D260FFE368B}" destId="{B8A25BAE-A63E-4B37-A92B-B20DBDA2FEBF}" srcOrd="0" destOrd="0" presId="urn:microsoft.com/office/officeart/2005/8/layout/lProcess2"/>
+    <dgm:cxn modelId="{84B3DB09-B14B-4AF3-AED9-CA1E7941A1EB}" srcId="{3478A8CD-7D67-456B-A961-19F0675D3D25}" destId="{BA8FF587-0A35-425A-B39B-ADF9C1830CC5}" srcOrd="0" destOrd="0" parTransId="{7B457038-099A-4C91-819A-16373EEA550C}" sibTransId="{701BA785-D63F-42E7-B39D-321A6C0C513A}"/>
+    <dgm:cxn modelId="{6C1D083F-ADBA-4093-91FC-C032FAEC00DC}" srcId="{3478A8CD-7D67-456B-A961-19F0675D3D25}" destId="{609A37C9-6367-4337-A8CC-EF54026D05DA}" srcOrd="2" destOrd="0" parTransId="{5DAE5FA1-DF2E-4334-9A03-9DC198D44999}" sibTransId="{DE71B768-5ED6-4777-8958-D357F6846653}"/>
+    <dgm:cxn modelId="{09F88C71-A716-4E3D-94B3-8F218034C95B}" srcId="{DDD2CF89-EAA3-4F0C-93D4-14F797BCA8AA}" destId="{3478A8CD-7D67-456B-A961-19F0675D3D25}" srcOrd="2" destOrd="0" parTransId="{6344A81E-27CF-434F-9351-39D8B8A2967D}" sibTransId="{8456CB31-96E3-4FEE-BB3D-C28B61E47D6F}"/>
+    <dgm:cxn modelId="{1ECE0DDF-BE60-4BD8-8A6F-1A4CE18D34F8}" type="presOf" srcId="{26C67376-3964-4D7A-8A7B-CEDBD2AFE17A}" destId="{293E695B-D2B1-4D0D-AD38-54BAABF0ED61}" srcOrd="1" destOrd="0" presId="urn:microsoft.com/office/officeart/2005/8/layout/lProcess2"/>
+    <dgm:cxn modelId="{0921783A-C2C0-4508-8A33-7048890E86CE}" srcId="{26C67376-3964-4D7A-8A7B-CEDBD2AFE17A}" destId="{2F665A30-675F-46AE-ACD8-079B9E949FE7}" srcOrd="0" destOrd="0" parTransId="{609FDA35-A25F-4DFD-8499-D35C56E74A4A}" sibTransId="{903E744E-6EB1-4824-B078-C52B96D7DC51}"/>
+    <dgm:cxn modelId="{956EDBE7-44C0-4596-A603-1C7A6F0DB779}" type="presOf" srcId="{DDD2CF89-EAA3-4F0C-93D4-14F797BCA8AA}" destId="{31EBB55E-1E96-41DA-AE56-38E7CEE6E87A}" srcOrd="0" destOrd="0" presId="urn:microsoft.com/office/officeart/2005/8/layout/lProcess2"/>
+    <dgm:cxn modelId="{A35B73BA-B1A3-4DE9-836D-ED0B1D8F7428}" type="presOf" srcId="{5F351E30-36D7-4293-8070-D40C8B1519F7}" destId="{5291D6B6-E795-49CA-8EE1-97340A33D718}" srcOrd="0" destOrd="0" presId="urn:microsoft.com/office/officeart/2005/8/layout/lProcess2"/>
+    <dgm:cxn modelId="{B205C17F-4B43-4E71-A70C-E1683859D88B}" srcId="{DDD2CF89-EAA3-4F0C-93D4-14F797BCA8AA}" destId="{3A003FDA-5D26-4F87-AC81-93F935952626}" srcOrd="0" destOrd="0" parTransId="{3B09C8EB-8A39-4BCB-A10F-36EEDC4B4D8D}" sibTransId="{9F8D3FD5-98F4-473E-87C7-518842553790}"/>
+    <dgm:cxn modelId="{D77348E3-B317-4FA5-9637-B98DBCCC9033}" type="presOf" srcId="{3A003FDA-5D26-4F87-AC81-93F935952626}" destId="{AE4FA6ED-7B01-4366-B939-5E8DDDBAC390}" srcOrd="0" destOrd="0" presId="urn:microsoft.com/office/officeart/2005/8/layout/lProcess2"/>
+    <dgm:cxn modelId="{9CF480DC-9E12-4D63-A85C-190690338F23}" type="presOf" srcId="{2F665A30-675F-46AE-ACD8-079B9E949FE7}" destId="{63648766-EFFD-4A26-B4A3-1887CB79E8F7}" srcOrd="0" destOrd="0" presId="urn:microsoft.com/office/officeart/2005/8/layout/lProcess2"/>
+    <dgm:cxn modelId="{D38AE9D9-D299-4708-9ABB-D2114310409E}" srcId="{DDD2CF89-EAA3-4F0C-93D4-14F797BCA8AA}" destId="{26C67376-3964-4D7A-8A7B-CEDBD2AFE17A}" srcOrd="1" destOrd="0" parTransId="{E69DEB49-4049-474D-B949-64BE71972885}" sibTransId="{AF3271AB-F554-42F9-8F2E-790F0C8BC83F}"/>
+    <dgm:cxn modelId="{61C79B3D-715A-4CD2-9563-860E442968B9}" srcId="{26C67376-3964-4D7A-8A7B-CEDBD2AFE17A}" destId="{FD6F938B-D573-41A9-A40C-9303325FD318}" srcOrd="1" destOrd="0" parTransId="{8D2367BD-1429-4674-9BC4-9642A690DA17}" sibTransId="{F4AC17F5-FBE3-4020-8C1E-DDA5633F56B7}"/>
+    <dgm:cxn modelId="{C6CB94B1-CECB-4AB7-B856-7AA36E421661}" type="presOf" srcId="{3478A8CD-7D67-456B-A961-19F0675D3D25}" destId="{6729210B-318F-45E5-A44C-A0369022FDC9}" srcOrd="0" destOrd="0" presId="urn:microsoft.com/office/officeart/2005/8/layout/lProcess2"/>
+    <dgm:cxn modelId="{5632D1B5-B6DE-4DE0-9217-3315BF10E5F0}" srcId="{3A003FDA-5D26-4F87-AC81-93F935952626}" destId="{B08F7544-B94A-4F80-8176-25000B440829}" srcOrd="1" destOrd="0" parTransId="{893AC721-FB13-4123-9453-0440BC6A4C08}" sibTransId="{60B016DD-FAD1-40A0-9BAE-6C943B7C61C5}"/>
+    <dgm:cxn modelId="{FAD34100-DC92-455D-8E5A-F28C91135F94}" type="presOf" srcId="{B08F7544-B94A-4F80-8176-25000B440829}" destId="{C71998F7-A075-4E33-B2F3-29CA1AD604F9}" srcOrd="0" destOrd="0" presId="urn:microsoft.com/office/officeart/2005/8/layout/lProcess2"/>
+    <dgm:cxn modelId="{35BEE188-01BC-429C-8C0E-41624234F3A1}" type="presOf" srcId="{BA8FF587-0A35-425A-B39B-ADF9C1830CC5}" destId="{913168D6-2B37-4B51-B275-DF1ABD6F096E}" srcOrd="0" destOrd="0" presId="urn:microsoft.com/office/officeart/2005/8/layout/lProcess2"/>
+    <dgm:cxn modelId="{73C4D7DB-F74D-4841-8055-B29D4A8AE673}" type="presOf" srcId="{3478A8CD-7D67-456B-A961-19F0675D3D25}" destId="{38F5CC5C-FCD2-4F14-BFBB-DED02B65FBA6}" srcOrd="1" destOrd="0" presId="urn:microsoft.com/office/officeart/2005/8/layout/lProcess2"/>
+    <dgm:cxn modelId="{8CE61AC3-5255-42EC-9938-2D3B3BC28FCC}" type="presOf" srcId="{609A37C9-6367-4337-A8CC-EF54026D05DA}" destId="{BADD2B87-D7E2-4BC6-9C64-A87DD5CEA1C5}" srcOrd="0" destOrd="0" presId="urn:microsoft.com/office/officeart/2005/8/layout/lProcess2"/>
+    <dgm:cxn modelId="{3EE7B68C-2443-4F82-9098-1B1AC9005180}" type="presOf" srcId="{3A003FDA-5D26-4F87-AC81-93F935952626}" destId="{3FFD4B62-5255-4A4C-9B04-1759AF71DDE2}" srcOrd="1" destOrd="0" presId="urn:microsoft.com/office/officeart/2005/8/layout/lProcess2"/>
+    <dgm:cxn modelId="{2827A062-891F-492D-A1EE-38BB8AF66B76}" srcId="{26C67376-3964-4D7A-8A7B-CEDBD2AFE17A}" destId="{54E3186A-31D9-415D-B3A9-1D260FFE368B}" srcOrd="3" destOrd="0" parTransId="{AE90CBC5-1BD1-4214-A3DF-BBB7713D2584}" sibTransId="{4055B44C-4245-4DD9-A30A-106493BDA4B0}"/>
+    <dgm:cxn modelId="{6C641FF3-5D7A-4657-BC27-FE8FC2E6DB9A}" srcId="{3478A8CD-7D67-456B-A961-19F0675D3D25}" destId="{D7D69908-D8F4-40B8-942E-31CC23748565}" srcOrd="1" destOrd="0" parTransId="{41A93337-8540-4BA3-A04E-357FEEEB2511}" sibTransId="{D15C762D-32DB-47F5-A93F-F8434D310EC2}"/>
+    <dgm:cxn modelId="{B7CE9BBB-52A3-4D30-8AC7-8896CC568224}" srcId="{3A003FDA-5D26-4F87-AC81-93F935952626}" destId="{5F351E30-36D7-4293-8070-D40C8B1519F7}" srcOrd="0" destOrd="0" parTransId="{5DA18402-2E39-4011-9F98-0524C882AA0A}" sibTransId="{AD0A6E2B-80BE-4C0A-AD93-67E6AACA209D}"/>
+    <dgm:cxn modelId="{671DBE19-445F-4355-85A4-5BC9ED438047}" type="presOf" srcId="{0261CAFA-6BD1-4B97-9A99-14BEB79595A6}" destId="{33312653-3833-4BB9-A712-B5AA14EBD1F4}" srcOrd="0" destOrd="0" presId="urn:microsoft.com/office/officeart/2005/8/layout/lProcess2"/>
+    <dgm:cxn modelId="{7A4558D2-ECF0-4801-B59D-189BFB01C857}" type="presOf" srcId="{D7D69908-D8F4-40B8-942E-31CC23748565}" destId="{0D38DB26-DB30-4B29-9C4C-39618F9BA57B}" srcOrd="0" destOrd="0" presId="urn:microsoft.com/office/officeart/2005/8/layout/lProcess2"/>
+    <dgm:cxn modelId="{D20CBD5E-9C76-460A-8839-5C22D67B733E}" srcId="{26C67376-3964-4D7A-8A7B-CEDBD2AFE17A}" destId="{0261CAFA-6BD1-4B97-9A99-14BEB79595A6}" srcOrd="2" destOrd="0" parTransId="{2E1C7D11-1952-44D6-85D4-DCCA8EFAD455}" sibTransId="{6E51C77A-430E-4703-AC37-3B86FDAAA7EC}"/>
+    <dgm:cxn modelId="{200E1E47-9511-41F3-AB93-58E832F72643}" type="presParOf" srcId="{31EBB55E-1E96-41DA-AE56-38E7CEE6E87A}" destId="{CCA7E14E-0B92-4132-AC8D-37F0E8CD8438}" srcOrd="0" destOrd="0" presId="urn:microsoft.com/office/officeart/2005/8/layout/lProcess2"/>
+    <dgm:cxn modelId="{13070F95-3707-4F1F-AE22-936F98807FA6}" type="presParOf" srcId="{CCA7E14E-0B92-4132-AC8D-37F0E8CD8438}" destId="{AE4FA6ED-7B01-4366-B939-5E8DDDBAC390}" srcOrd="0" destOrd="0" presId="urn:microsoft.com/office/officeart/2005/8/layout/lProcess2"/>
+    <dgm:cxn modelId="{36037CC0-B081-4B7A-8E46-BBEEEA0D8034}" type="presParOf" srcId="{CCA7E14E-0B92-4132-AC8D-37F0E8CD8438}" destId="{3FFD4B62-5255-4A4C-9B04-1759AF71DDE2}" srcOrd="1" destOrd="0" presId="urn:microsoft.com/office/officeart/2005/8/layout/lProcess2"/>
+    <dgm:cxn modelId="{33F55E46-D89D-4C6E-8166-0798BAB0D4A1}" type="presParOf" srcId="{CCA7E14E-0B92-4132-AC8D-37F0E8CD8438}" destId="{8FD66C37-27C6-4C99-B28E-F5DB73015599}" srcOrd="2" destOrd="0" presId="urn:microsoft.com/office/officeart/2005/8/layout/lProcess2"/>
+    <dgm:cxn modelId="{674BDDDF-1E47-4D3A-8B90-9EB5A47A22E0}" type="presParOf" srcId="{8FD66C37-27C6-4C99-B28E-F5DB73015599}" destId="{8BD6E731-EEC8-4C77-9498-C5B809F3179C}" srcOrd="0" destOrd="0" presId="urn:microsoft.com/office/officeart/2005/8/layout/lProcess2"/>
+    <dgm:cxn modelId="{4A9F6201-7689-4250-BCAC-7CE09FDF80FC}" type="presParOf" srcId="{8BD6E731-EEC8-4C77-9498-C5B809F3179C}" destId="{5291D6B6-E795-49CA-8EE1-97340A33D718}" srcOrd="0" destOrd="0" presId="urn:microsoft.com/office/officeart/2005/8/layout/lProcess2"/>
+    <dgm:cxn modelId="{9F562F47-5041-4CB1-8613-87DFFF38F9C7}" type="presParOf" srcId="{8BD6E731-EEC8-4C77-9498-C5B809F3179C}" destId="{A713979F-6315-45A1-A3AC-5361CA38E3AD}" srcOrd="1" destOrd="0" presId="urn:microsoft.com/office/officeart/2005/8/layout/lProcess2"/>
+    <dgm:cxn modelId="{8B18F456-AD56-4D48-A556-E5756B4A1DD2}" type="presParOf" srcId="{8BD6E731-EEC8-4C77-9498-C5B809F3179C}" destId="{C71998F7-A075-4E33-B2F3-29CA1AD604F9}" srcOrd="2" destOrd="0" presId="urn:microsoft.com/office/officeart/2005/8/layout/lProcess2"/>
+    <dgm:cxn modelId="{CB43231B-5BF4-456A-8F35-F8A55C44EE60}" type="presParOf" srcId="{31EBB55E-1E96-41DA-AE56-38E7CEE6E87A}" destId="{3B664F1E-61A6-4B48-BD82-DE364A1970E3}" srcOrd="1" destOrd="0" presId="urn:microsoft.com/office/officeart/2005/8/layout/lProcess2"/>
+    <dgm:cxn modelId="{41A62C42-01E1-4DEC-98EB-E70EA1C7364B}" type="presParOf" srcId="{31EBB55E-1E96-41DA-AE56-38E7CEE6E87A}" destId="{3433D1C3-7838-4A9E-A009-D4E89040F437}" srcOrd="2" destOrd="0" presId="urn:microsoft.com/office/officeart/2005/8/layout/lProcess2"/>
+    <dgm:cxn modelId="{63FBA297-ADC9-4229-9C42-A758488B6E2F}" type="presParOf" srcId="{3433D1C3-7838-4A9E-A009-D4E89040F437}" destId="{534D99AF-A2BF-4E69-B2C8-D7C0741A04DA}" srcOrd="0" destOrd="0" presId="urn:microsoft.com/office/officeart/2005/8/layout/lProcess2"/>
+    <dgm:cxn modelId="{CBC0A118-9927-4E61-B97D-3592519F0D4D}" type="presParOf" srcId="{3433D1C3-7838-4A9E-A009-D4E89040F437}" destId="{293E695B-D2B1-4D0D-AD38-54BAABF0ED61}" srcOrd="1" destOrd="0" presId="urn:microsoft.com/office/officeart/2005/8/layout/lProcess2"/>
+    <dgm:cxn modelId="{05E66348-AD07-4F23-B4CD-6C303413D9E0}" type="presParOf" srcId="{3433D1C3-7838-4A9E-A009-D4E89040F437}" destId="{DA9A0614-30F4-4C30-892A-BFC35129205A}" srcOrd="2" destOrd="0" presId="urn:microsoft.com/office/officeart/2005/8/layout/lProcess2"/>
+    <dgm:cxn modelId="{FAD803DD-9A33-4FCB-9BC4-7DE0F37DB231}" type="presParOf" srcId="{DA9A0614-30F4-4C30-892A-BFC35129205A}" destId="{A2BB3A1C-7A15-4A04-B051-7D4BC513D62A}" srcOrd="0" destOrd="0" presId="urn:microsoft.com/office/officeart/2005/8/layout/lProcess2"/>
+    <dgm:cxn modelId="{A9A452F0-15F6-4A22-BCCE-CEB30E4723DD}" type="presParOf" srcId="{A2BB3A1C-7A15-4A04-B051-7D4BC513D62A}" destId="{63648766-EFFD-4A26-B4A3-1887CB79E8F7}" srcOrd="0" destOrd="0" presId="urn:microsoft.com/office/officeart/2005/8/layout/lProcess2"/>
+    <dgm:cxn modelId="{AF9D89E3-A5CD-4457-B01E-9FD1BF75A240}" type="presParOf" srcId="{A2BB3A1C-7A15-4A04-B051-7D4BC513D62A}" destId="{A3CE5A93-EAE5-41C0-8828-33FA0EDF46B9}" srcOrd="1" destOrd="0" presId="urn:microsoft.com/office/officeart/2005/8/layout/lProcess2"/>
+    <dgm:cxn modelId="{E85CA8A5-821C-4F11-B67E-213F45E5529C}" type="presParOf" srcId="{A2BB3A1C-7A15-4A04-B051-7D4BC513D62A}" destId="{9BE815CC-053B-4E88-A518-0959CD5A1F2E}" srcOrd="2" destOrd="0" presId="urn:microsoft.com/office/officeart/2005/8/layout/lProcess2"/>
+    <dgm:cxn modelId="{5883F743-B5AF-4A97-A6DE-0E6A5284D594}" type="presParOf" srcId="{A2BB3A1C-7A15-4A04-B051-7D4BC513D62A}" destId="{615D97DF-914A-4DFE-BBF4-196A5D409A67}" srcOrd="3" destOrd="0" presId="urn:microsoft.com/office/officeart/2005/8/layout/lProcess2"/>
+    <dgm:cxn modelId="{51513FDF-259F-434B-8B7F-6D6E12A8C31B}" type="presParOf" srcId="{A2BB3A1C-7A15-4A04-B051-7D4BC513D62A}" destId="{33312653-3833-4BB9-A712-B5AA14EBD1F4}" srcOrd="4" destOrd="0" presId="urn:microsoft.com/office/officeart/2005/8/layout/lProcess2"/>
+    <dgm:cxn modelId="{4931175B-47C2-4063-9D58-119DBBE88F87}" type="presParOf" srcId="{A2BB3A1C-7A15-4A04-B051-7D4BC513D62A}" destId="{5F0CC468-8684-4618-B912-CB6C1B87D137}" srcOrd="5" destOrd="0" presId="urn:microsoft.com/office/officeart/2005/8/layout/lProcess2"/>
+    <dgm:cxn modelId="{A9511DF7-681F-4B93-8E70-8A378AB90E24}" type="presParOf" srcId="{A2BB3A1C-7A15-4A04-B051-7D4BC513D62A}" destId="{B8A25BAE-A63E-4B37-A92B-B20DBDA2FEBF}" srcOrd="6" destOrd="0" presId="urn:microsoft.com/office/officeart/2005/8/layout/lProcess2"/>
+    <dgm:cxn modelId="{7B074395-8658-408B-A30C-D8E2F89606E4}" type="presParOf" srcId="{31EBB55E-1E96-41DA-AE56-38E7CEE6E87A}" destId="{190FFBC0-C0B7-4DFC-875D-E94EFD7ADDA2}" srcOrd="3" destOrd="0" presId="urn:microsoft.com/office/officeart/2005/8/layout/lProcess2"/>
+    <dgm:cxn modelId="{74BB17AC-042B-4205-9042-4F015B419E17}" type="presParOf" srcId="{31EBB55E-1E96-41DA-AE56-38E7CEE6E87A}" destId="{E0CF3972-5CB8-4EA3-BD25-F7977BCAB0E5}" srcOrd="4" destOrd="0" presId="urn:microsoft.com/office/officeart/2005/8/layout/lProcess2"/>
+    <dgm:cxn modelId="{13E26A24-544F-406B-8714-CFC535F08843}" type="presParOf" srcId="{E0CF3972-5CB8-4EA3-BD25-F7977BCAB0E5}" destId="{6729210B-318F-45E5-A44C-A0369022FDC9}" srcOrd="0" destOrd="0" presId="urn:microsoft.com/office/officeart/2005/8/layout/lProcess2"/>
+    <dgm:cxn modelId="{C6B06A23-46A3-4840-8434-FC02B06EE4D2}" type="presParOf" srcId="{E0CF3972-5CB8-4EA3-BD25-F7977BCAB0E5}" destId="{38F5CC5C-FCD2-4F14-BFBB-DED02B65FBA6}" srcOrd="1" destOrd="0" presId="urn:microsoft.com/office/officeart/2005/8/layout/lProcess2"/>
+    <dgm:cxn modelId="{834A1904-5EF6-4BD0-BD77-4B2A9913CC64}" type="presParOf" srcId="{E0CF3972-5CB8-4EA3-BD25-F7977BCAB0E5}" destId="{8772126B-D9DA-4885-BAE8-8422CC1DF276}" srcOrd="2" destOrd="0" presId="urn:microsoft.com/office/officeart/2005/8/layout/lProcess2"/>
+    <dgm:cxn modelId="{5A922048-C628-493C-ABE8-FF6414840A62}" type="presParOf" srcId="{8772126B-D9DA-4885-BAE8-8422CC1DF276}" destId="{24874AD0-FA63-46F7-99C5-E91E948A75FD}" srcOrd="0" destOrd="0" presId="urn:microsoft.com/office/officeart/2005/8/layout/lProcess2"/>
+    <dgm:cxn modelId="{71510456-9744-4852-8A3D-E83D0C0FE433}" type="presParOf" srcId="{24874AD0-FA63-46F7-99C5-E91E948A75FD}" destId="{913168D6-2B37-4B51-B275-DF1ABD6F096E}" srcOrd="0" destOrd="0" presId="urn:microsoft.com/office/officeart/2005/8/layout/lProcess2"/>
+    <dgm:cxn modelId="{186C8A6A-91FA-4794-966C-F0C44D9FD4D4}" type="presParOf" srcId="{24874AD0-FA63-46F7-99C5-E91E948A75FD}" destId="{FDC33F6C-B425-405D-B9D8-AE2CBF86DCAE}" srcOrd="1" destOrd="0" presId="urn:microsoft.com/office/officeart/2005/8/layout/lProcess2"/>
+    <dgm:cxn modelId="{686FA429-BBCE-4294-856C-CC8CC967AB70}" type="presParOf" srcId="{24874AD0-FA63-46F7-99C5-E91E948A75FD}" destId="{0D38DB26-DB30-4B29-9C4C-39618F9BA57B}" srcOrd="2" destOrd="0" presId="urn:microsoft.com/office/officeart/2005/8/layout/lProcess2"/>
+    <dgm:cxn modelId="{EBC4937B-0701-4BAC-B2D0-93899D670341}" type="presParOf" srcId="{24874AD0-FA63-46F7-99C5-E91E948A75FD}" destId="{60FB4224-D559-4FE3-996E-4FEA134C3132}" srcOrd="3" destOrd="0" presId="urn:microsoft.com/office/officeart/2005/8/layout/lProcess2"/>
+    <dgm:cxn modelId="{AECB5B0F-006A-4C4A-805C-A01EA5C6D944}" type="presParOf" srcId="{24874AD0-FA63-46F7-99C5-E91E948A75FD}" destId="{BADD2B87-D7E2-4BC6-9C64-A87DD5CEA1C5}" srcOrd="4" destOrd="0" presId="urn:microsoft.com/office/officeart/2005/8/layout/lProcess2"/>
+  </dgm:cxnLst>
+  <dgm:bg/>
+  <dgm:whole/>
+  <dgm:extLst>
+    <a:ext uri="http://schemas.microsoft.com/office/drawing/2008/diagram">
+      <dsp:dataModelExt xmlns:dsp="http://schemas.microsoft.com/office/drawing/2008/diagram" relId="rId6" minVer="http://schemas.openxmlformats.org/drawingml/2006/diagram"/>
+    </a:ext>
+  </dgm:extLst>
+</dgm:dataModel>
+</file>
+
+<file path=ppt/diagrams/drawing1.xml><?xml version="1.0" encoding="utf-8"?>
+<dsp:drawing xmlns:dgm="http://schemas.openxmlformats.org/drawingml/2006/diagram" xmlns:dsp="http://schemas.microsoft.com/office/drawing/2008/diagram" xmlns:a="http://schemas.openxmlformats.org/drawingml/2006/main">
+  <dsp:spTree>
+    <dsp:nvGrpSpPr>
+      <dsp:cNvPr id="0" name=""/>
+      <dsp:cNvGrpSpPr/>
+    </dsp:nvGrpSpPr>
+    <dsp:grpSpPr/>
+    <dsp:sp modelId="{AE4FA6ED-7B01-4366-B939-5E8DDDBAC390}">
+      <dsp:nvSpPr>
+        <dsp:cNvPr id="0" name=""/>
+        <dsp:cNvSpPr/>
+      </dsp:nvSpPr>
+      <dsp:spPr>
+        <a:xfrm>
+          <a:off x="1088" y="0"/>
+          <a:ext cx="2829594" cy="3778250"/>
+        </a:xfrm>
+        <a:prstGeom prst="roundRect">
+          <a:avLst>
+            <a:gd name="adj" fmla="val 10000"/>
+          </a:avLst>
+        </a:prstGeom>
+        <a:solidFill>
+          <a:schemeClr val="accent1">
+            <a:tint val="40000"/>
+            <a:hueOff val="0"/>
+            <a:satOff val="0"/>
+            <a:lumOff val="0"/>
+            <a:alphaOff val="0"/>
+          </a:schemeClr>
+        </a:solidFill>
+        <a:ln>
+          <a:noFill/>
+        </a:ln>
+        <a:effectLst/>
+      </dsp:spPr>
+      <dsp:style>
+        <a:lnRef idx="0">
+          <a:scrgbClr r="0" g="0" b="0"/>
+        </a:lnRef>
+        <a:fillRef idx="1">
+          <a:scrgbClr r="0" g="0" b="0"/>
+        </a:fillRef>
+        <a:effectRef idx="0">
+          <a:scrgbClr r="0" g="0" b="0"/>
+        </a:effectRef>
+        <a:fontRef idx="minor"/>
+      </dsp:style>
+      <dsp:txBody>
+        <a:bodyPr spcFirstLastPara="0" vert="horz" wrap="square" lIns="160020" tIns="160020" rIns="160020" bIns="160020" numCol="1" spcCol="1270" anchor="ctr" anchorCtr="0">
+          <a:noAutofit/>
+        </a:bodyPr>
+        <a:lstStyle/>
+        <a:p>
+          <a:pPr lvl="0" algn="ctr" defTabSz="1866900">
+            <a:lnSpc>
+              <a:spcPct val="90000"/>
+            </a:lnSpc>
+            <a:spcBef>
+              <a:spcPct val="0"/>
+            </a:spcBef>
+            <a:spcAft>
+              <a:spcPct val="35000"/>
+            </a:spcAft>
+          </a:pPr>
+          <a:r>
+            <a:rPr lang="fr-FR" sz="4200" kern="1200" dirty="0" smtClean="0"/>
+            <a:t>Starter</a:t>
+          </a:r>
+          <a:endParaRPr lang="fr-FR" sz="4200" kern="1200" dirty="0"/>
+        </a:p>
+      </dsp:txBody>
+      <dsp:txXfrm>
+        <a:off x="1088" y="0"/>
+        <a:ext cx="2829594" cy="1133475"/>
+      </dsp:txXfrm>
+    </dsp:sp>
+    <dsp:sp modelId="{5291D6B6-E795-49CA-8EE1-97340A33D718}">
+      <dsp:nvSpPr>
+        <dsp:cNvPr id="0" name=""/>
+        <dsp:cNvSpPr/>
+      </dsp:nvSpPr>
+      <dsp:spPr>
+        <a:xfrm>
+          <a:off x="284047" y="1134581"/>
+          <a:ext cx="2263675" cy="1139194"/>
+        </a:xfrm>
+        <a:prstGeom prst="roundRect">
+          <a:avLst>
+            <a:gd name="adj" fmla="val 10000"/>
+          </a:avLst>
+        </a:prstGeom>
+        <a:solidFill>
+          <a:schemeClr val="accent1">
+            <a:hueOff val="0"/>
+            <a:satOff val="0"/>
+            <a:lumOff val="0"/>
+            <a:alphaOff val="0"/>
+          </a:schemeClr>
+        </a:solidFill>
+        <a:ln w="15875" cap="rnd" cmpd="sng" algn="ctr">
+          <a:solidFill>
+            <a:schemeClr val="lt1">
+              <a:hueOff val="0"/>
+              <a:satOff val="0"/>
+              <a:lumOff val="0"/>
+              <a:alphaOff val="0"/>
+            </a:schemeClr>
+          </a:solidFill>
+          <a:prstDash val="solid"/>
+        </a:ln>
+        <a:effectLst/>
+      </dsp:spPr>
+      <dsp:style>
+        <a:lnRef idx="2">
+          <a:scrgbClr r="0" g="0" b="0"/>
+        </a:lnRef>
+        <a:fillRef idx="1">
+          <a:scrgbClr r="0" g="0" b="0"/>
+        </a:fillRef>
+        <a:effectRef idx="0">
+          <a:scrgbClr r="0" g="0" b="0"/>
+        </a:effectRef>
+        <a:fontRef idx="minor">
+          <a:schemeClr val="lt1"/>
+        </a:fontRef>
+      </dsp:style>
+      <dsp:txBody>
+        <a:bodyPr spcFirstLastPara="0" vert="horz" wrap="square" lIns="40640" tIns="30480" rIns="40640" bIns="30480" numCol="1" spcCol="1270" anchor="ctr" anchorCtr="0">
+          <a:noAutofit/>
+        </a:bodyPr>
+        <a:lstStyle/>
+        <a:p>
+          <a:pPr lvl="0" algn="ctr" defTabSz="711200">
+            <a:lnSpc>
+              <a:spcPct val="90000"/>
+            </a:lnSpc>
+            <a:spcBef>
+              <a:spcPct val="0"/>
+            </a:spcBef>
+            <a:spcAft>
+              <a:spcPct val="35000"/>
+            </a:spcAft>
+          </a:pPr>
+          <a:r>
+            <a:rPr lang="fr-FR" sz="1600" kern="1200" dirty="0" smtClean="0"/>
+            <a:t>1 an d’accès</a:t>
+          </a:r>
+          <a:endParaRPr lang="fr-FR" sz="1600" kern="1200" dirty="0"/>
+        </a:p>
+      </dsp:txBody>
+      <dsp:txXfrm>
+        <a:off x="317413" y="1167947"/>
+        <a:ext cx="2196943" cy="1072462"/>
+      </dsp:txXfrm>
+    </dsp:sp>
+    <dsp:sp modelId="{C71998F7-A075-4E33-B2F3-29CA1AD604F9}">
+      <dsp:nvSpPr>
+        <dsp:cNvPr id="0" name=""/>
+        <dsp:cNvSpPr/>
+      </dsp:nvSpPr>
+      <dsp:spPr>
+        <a:xfrm>
+          <a:off x="284047" y="2449036"/>
+          <a:ext cx="2263675" cy="1139194"/>
+        </a:xfrm>
+        <a:prstGeom prst="roundRect">
+          <a:avLst>
+            <a:gd name="adj" fmla="val 10000"/>
+          </a:avLst>
+        </a:prstGeom>
+        <a:solidFill>
+          <a:schemeClr val="accent1">
+            <a:hueOff val="0"/>
+            <a:satOff val="0"/>
+            <a:lumOff val="0"/>
+            <a:alphaOff val="0"/>
+          </a:schemeClr>
+        </a:solidFill>
+        <a:ln w="15875" cap="rnd" cmpd="sng" algn="ctr">
+          <a:solidFill>
+            <a:schemeClr val="lt1">
+              <a:hueOff val="0"/>
+              <a:satOff val="0"/>
+              <a:lumOff val="0"/>
+              <a:alphaOff val="0"/>
+            </a:schemeClr>
+          </a:solidFill>
+          <a:prstDash val="solid"/>
+        </a:ln>
+        <a:effectLst/>
+      </dsp:spPr>
+      <dsp:style>
+        <a:lnRef idx="2">
+          <a:scrgbClr r="0" g="0" b="0"/>
+        </a:lnRef>
+        <a:fillRef idx="1">
+          <a:scrgbClr r="0" g="0" b="0"/>
+        </a:fillRef>
+        <a:effectRef idx="0">
+          <a:scrgbClr r="0" g="0" b="0"/>
+        </a:effectRef>
+        <a:fontRef idx="minor">
+          <a:schemeClr val="lt1"/>
+        </a:fontRef>
+      </dsp:style>
+      <dsp:txBody>
+        <a:bodyPr spcFirstLastPara="0" vert="horz" wrap="square" lIns="40640" tIns="30480" rIns="40640" bIns="30480" numCol="1" spcCol="1270" anchor="ctr" anchorCtr="0">
+          <a:noAutofit/>
+        </a:bodyPr>
+        <a:lstStyle/>
+        <a:p>
+          <a:pPr lvl="0" algn="ctr" defTabSz="711200">
+            <a:lnSpc>
+              <a:spcPct val="90000"/>
+            </a:lnSpc>
+            <a:spcBef>
+              <a:spcPct val="0"/>
+            </a:spcBef>
+            <a:spcAft>
+              <a:spcPct val="35000"/>
+            </a:spcAft>
+          </a:pPr>
+          <a:r>
+            <a:rPr lang="fr-FR" sz="1600" kern="1200" dirty="0" smtClean="0"/>
+            <a:t>1 URL personnalisée</a:t>
+          </a:r>
+          <a:endParaRPr lang="fr-FR" sz="1600" kern="1200" dirty="0"/>
+        </a:p>
+      </dsp:txBody>
+      <dsp:txXfrm>
+        <a:off x="317413" y="2482402"/>
+        <a:ext cx="2196943" cy="1072462"/>
+      </dsp:txXfrm>
+    </dsp:sp>
+    <dsp:sp modelId="{534D99AF-A2BF-4E69-B2C8-D7C0741A04DA}">
+      <dsp:nvSpPr>
+        <dsp:cNvPr id="0" name=""/>
+        <dsp:cNvSpPr/>
+      </dsp:nvSpPr>
+      <dsp:spPr>
+        <a:xfrm>
+          <a:off x="3042902" y="0"/>
+          <a:ext cx="2829594" cy="3778250"/>
+        </a:xfrm>
+        <a:prstGeom prst="roundRect">
+          <a:avLst>
+            <a:gd name="adj" fmla="val 10000"/>
+          </a:avLst>
+        </a:prstGeom>
+        <a:solidFill>
+          <a:schemeClr val="accent1">
+            <a:tint val="40000"/>
+            <a:hueOff val="0"/>
+            <a:satOff val="0"/>
+            <a:lumOff val="0"/>
+            <a:alphaOff val="0"/>
+          </a:schemeClr>
+        </a:solidFill>
+        <a:ln>
+          <a:noFill/>
+        </a:ln>
+        <a:effectLst/>
+      </dsp:spPr>
+      <dsp:style>
+        <a:lnRef idx="0">
+          <a:scrgbClr r="0" g="0" b="0"/>
+        </a:lnRef>
+        <a:fillRef idx="1">
+          <a:scrgbClr r="0" g="0" b="0"/>
+        </a:fillRef>
+        <a:effectRef idx="0">
+          <a:scrgbClr r="0" g="0" b="0"/>
+        </a:effectRef>
+        <a:fontRef idx="minor"/>
+      </dsp:style>
+      <dsp:txBody>
+        <a:bodyPr spcFirstLastPara="0" vert="horz" wrap="square" lIns="160020" tIns="160020" rIns="160020" bIns="160020" numCol="1" spcCol="1270" anchor="ctr" anchorCtr="0">
+          <a:noAutofit/>
+        </a:bodyPr>
+        <a:lstStyle/>
+        <a:p>
+          <a:pPr lvl="0" algn="ctr" defTabSz="1866900">
+            <a:lnSpc>
+              <a:spcPct val="90000"/>
+            </a:lnSpc>
+            <a:spcBef>
+              <a:spcPct val="0"/>
+            </a:spcBef>
+            <a:spcAft>
+              <a:spcPct val="35000"/>
+            </a:spcAft>
+          </a:pPr>
+          <a:r>
+            <a:rPr lang="fr-FR" sz="4200" kern="1200" dirty="0" smtClean="0"/>
+            <a:t>Business</a:t>
+          </a:r>
+          <a:endParaRPr lang="fr-FR" sz="4200" kern="1200" dirty="0"/>
+        </a:p>
+      </dsp:txBody>
+      <dsp:txXfrm>
+        <a:off x="3042902" y="0"/>
+        <a:ext cx="2829594" cy="1133475"/>
+      </dsp:txXfrm>
+    </dsp:sp>
+    <dsp:sp modelId="{63648766-EFFD-4A26-B4A3-1887CB79E8F7}">
+      <dsp:nvSpPr>
+        <dsp:cNvPr id="0" name=""/>
+        <dsp:cNvSpPr/>
+      </dsp:nvSpPr>
+      <dsp:spPr>
+        <a:xfrm>
+          <a:off x="3325862" y="1133567"/>
+          <a:ext cx="2263675" cy="550410"/>
+        </a:xfrm>
+        <a:prstGeom prst="roundRect">
+          <a:avLst>
+            <a:gd name="adj" fmla="val 10000"/>
+          </a:avLst>
+        </a:prstGeom>
+        <a:solidFill>
+          <a:schemeClr val="accent1">
+            <a:hueOff val="0"/>
+            <a:satOff val="0"/>
+            <a:lumOff val="0"/>
+            <a:alphaOff val="0"/>
+          </a:schemeClr>
+        </a:solidFill>
+        <a:ln w="15875" cap="rnd" cmpd="sng" algn="ctr">
+          <a:solidFill>
+            <a:schemeClr val="lt1">
+              <a:hueOff val="0"/>
+              <a:satOff val="0"/>
+              <a:lumOff val="0"/>
+              <a:alphaOff val="0"/>
+            </a:schemeClr>
+          </a:solidFill>
+          <a:prstDash val="solid"/>
+        </a:ln>
+        <a:effectLst/>
+      </dsp:spPr>
+      <dsp:style>
+        <a:lnRef idx="2">
+          <a:scrgbClr r="0" g="0" b="0"/>
+        </a:lnRef>
+        <a:fillRef idx="1">
+          <a:scrgbClr r="0" g="0" b="0"/>
+        </a:fillRef>
+        <a:effectRef idx="0">
+          <a:scrgbClr r="0" g="0" b="0"/>
+        </a:effectRef>
+        <a:fontRef idx="minor">
+          <a:schemeClr val="lt1"/>
+        </a:fontRef>
+      </dsp:style>
+      <dsp:txBody>
+        <a:bodyPr spcFirstLastPara="0" vert="horz" wrap="square" lIns="40640" tIns="30480" rIns="40640" bIns="30480" numCol="1" spcCol="1270" anchor="ctr" anchorCtr="0">
+          <a:noAutofit/>
+        </a:bodyPr>
+        <a:lstStyle/>
+        <a:p>
+          <a:pPr lvl="0" algn="ctr" defTabSz="711200">
+            <a:lnSpc>
+              <a:spcPct val="90000"/>
+            </a:lnSpc>
+            <a:spcBef>
+              <a:spcPct val="0"/>
+            </a:spcBef>
+            <a:spcAft>
+              <a:spcPct val="35000"/>
+            </a:spcAft>
+          </a:pPr>
+          <a:r>
+            <a:rPr lang="fr-FR" sz="1600" kern="1200" dirty="0" smtClean="0"/>
+            <a:t>Starter</a:t>
+          </a:r>
+          <a:endParaRPr lang="fr-FR" sz="1600" kern="1200" dirty="0"/>
+        </a:p>
+      </dsp:txBody>
+      <dsp:txXfrm>
+        <a:off x="3341983" y="1149688"/>
+        <a:ext cx="2231433" cy="518168"/>
+      </dsp:txXfrm>
+    </dsp:sp>
+    <dsp:sp modelId="{9BE815CC-053B-4E88-A518-0959CD5A1F2E}">
+      <dsp:nvSpPr>
+        <dsp:cNvPr id="0" name=""/>
+        <dsp:cNvSpPr/>
+      </dsp:nvSpPr>
+      <dsp:spPr>
+        <a:xfrm>
+          <a:off x="3325862" y="1768656"/>
+          <a:ext cx="2263675" cy="550410"/>
+        </a:xfrm>
+        <a:prstGeom prst="roundRect">
+          <a:avLst>
+            <a:gd name="adj" fmla="val 10000"/>
+          </a:avLst>
+        </a:prstGeom>
+        <a:solidFill>
+          <a:schemeClr val="accent1">
+            <a:hueOff val="0"/>
+            <a:satOff val="0"/>
+            <a:lumOff val="0"/>
+            <a:alphaOff val="0"/>
+          </a:schemeClr>
+        </a:solidFill>
+        <a:ln w="15875" cap="rnd" cmpd="sng" algn="ctr">
+          <a:solidFill>
+            <a:schemeClr val="lt1">
+              <a:hueOff val="0"/>
+              <a:satOff val="0"/>
+              <a:lumOff val="0"/>
+              <a:alphaOff val="0"/>
+            </a:schemeClr>
+          </a:solidFill>
+          <a:prstDash val="solid"/>
+        </a:ln>
+        <a:effectLst/>
+      </dsp:spPr>
+      <dsp:style>
+        <a:lnRef idx="2">
+          <a:scrgbClr r="0" g="0" b="0"/>
+        </a:lnRef>
+        <a:fillRef idx="1">
+          <a:scrgbClr r="0" g="0" b="0"/>
+        </a:fillRef>
+        <a:effectRef idx="0">
+          <a:scrgbClr r="0" g="0" b="0"/>
+        </a:effectRef>
+        <a:fontRef idx="minor">
+          <a:schemeClr val="lt1"/>
+        </a:fontRef>
+      </dsp:style>
+      <dsp:txBody>
+        <a:bodyPr spcFirstLastPara="0" vert="horz" wrap="square" lIns="40640" tIns="30480" rIns="40640" bIns="30480" numCol="1" spcCol="1270" anchor="ctr" anchorCtr="0">
+          <a:noAutofit/>
+        </a:bodyPr>
+        <a:lstStyle/>
+        <a:p>
+          <a:pPr lvl="0" algn="ctr" defTabSz="711200">
+            <a:lnSpc>
+              <a:spcPct val="90000"/>
+            </a:lnSpc>
+            <a:spcBef>
+              <a:spcPct val="0"/>
+            </a:spcBef>
+            <a:spcAft>
+              <a:spcPct val="35000"/>
+            </a:spcAft>
+          </a:pPr>
+          <a:r>
+            <a:rPr lang="fr-FR" sz="1600" kern="1200" dirty="0" smtClean="0"/>
+            <a:t>1 Nom de domaine personnalisé</a:t>
+          </a:r>
+          <a:endParaRPr lang="fr-FR" sz="1600" kern="1200" dirty="0"/>
+        </a:p>
+      </dsp:txBody>
+      <dsp:txXfrm>
+        <a:off x="3341983" y="1784777"/>
+        <a:ext cx="2231433" cy="518168"/>
+      </dsp:txXfrm>
+    </dsp:sp>
+    <dsp:sp modelId="{33312653-3833-4BB9-A712-B5AA14EBD1F4}">
+      <dsp:nvSpPr>
+        <dsp:cNvPr id="0" name=""/>
+        <dsp:cNvSpPr/>
+      </dsp:nvSpPr>
+      <dsp:spPr>
+        <a:xfrm>
+          <a:off x="3325862" y="2403745"/>
+          <a:ext cx="2263675" cy="550410"/>
+        </a:xfrm>
+        <a:prstGeom prst="roundRect">
+          <a:avLst>
+            <a:gd name="adj" fmla="val 10000"/>
+          </a:avLst>
+        </a:prstGeom>
+        <a:solidFill>
+          <a:schemeClr val="accent1">
+            <a:hueOff val="0"/>
+            <a:satOff val="0"/>
+            <a:lumOff val="0"/>
+            <a:alphaOff val="0"/>
+          </a:schemeClr>
+        </a:solidFill>
+        <a:ln w="15875" cap="rnd" cmpd="sng" algn="ctr">
+          <a:solidFill>
+            <a:schemeClr val="lt1">
+              <a:hueOff val="0"/>
+              <a:satOff val="0"/>
+              <a:lumOff val="0"/>
+              <a:alphaOff val="0"/>
+            </a:schemeClr>
+          </a:solidFill>
+          <a:prstDash val="solid"/>
+        </a:ln>
+        <a:effectLst/>
+      </dsp:spPr>
+      <dsp:style>
+        <a:lnRef idx="2">
+          <a:scrgbClr r="0" g="0" b="0"/>
+        </a:lnRef>
+        <a:fillRef idx="1">
+          <a:scrgbClr r="0" g="0" b="0"/>
+        </a:fillRef>
+        <a:effectRef idx="0">
+          <a:scrgbClr r="0" g="0" b="0"/>
+        </a:effectRef>
+        <a:fontRef idx="minor">
+          <a:schemeClr val="lt1"/>
+        </a:fontRef>
+      </dsp:style>
+      <dsp:txBody>
+        <a:bodyPr spcFirstLastPara="0" vert="horz" wrap="square" lIns="40640" tIns="30480" rIns="40640" bIns="30480" numCol="1" spcCol="1270" anchor="ctr" anchorCtr="0">
+          <a:noAutofit/>
+        </a:bodyPr>
+        <a:lstStyle/>
+        <a:p>
+          <a:pPr lvl="0" algn="ctr" defTabSz="711200">
+            <a:lnSpc>
+              <a:spcPct val="90000"/>
+            </a:lnSpc>
+            <a:spcBef>
+              <a:spcPct val="0"/>
+            </a:spcBef>
+            <a:spcAft>
+              <a:spcPct val="35000"/>
+            </a:spcAft>
+          </a:pPr>
+          <a:r>
+            <a:rPr lang="fr-FR" sz="1600" kern="1200" dirty="0" smtClean="0"/>
+            <a:t>3 comptes réseaux sociaux créés</a:t>
+          </a:r>
+          <a:endParaRPr lang="fr-FR" sz="1600" kern="1200" dirty="0"/>
+        </a:p>
+      </dsp:txBody>
+      <dsp:txXfrm>
+        <a:off x="3341983" y="2419866"/>
+        <a:ext cx="2231433" cy="518168"/>
+      </dsp:txXfrm>
+    </dsp:sp>
+    <dsp:sp modelId="{B8A25BAE-A63E-4B37-A92B-B20DBDA2FEBF}">
+      <dsp:nvSpPr>
+        <dsp:cNvPr id="0" name=""/>
+        <dsp:cNvSpPr/>
+      </dsp:nvSpPr>
+      <dsp:spPr>
+        <a:xfrm>
+          <a:off x="3325862" y="3038834"/>
+          <a:ext cx="2263675" cy="550410"/>
+        </a:xfrm>
+        <a:prstGeom prst="roundRect">
+          <a:avLst>
+            <a:gd name="adj" fmla="val 10000"/>
+          </a:avLst>
+        </a:prstGeom>
+        <a:solidFill>
+          <a:schemeClr val="accent1">
+            <a:hueOff val="0"/>
+            <a:satOff val="0"/>
+            <a:lumOff val="0"/>
+            <a:alphaOff val="0"/>
+          </a:schemeClr>
+        </a:solidFill>
+        <a:ln w="15875" cap="rnd" cmpd="sng" algn="ctr">
+          <a:solidFill>
+            <a:schemeClr val="lt1">
+              <a:hueOff val="0"/>
+              <a:satOff val="0"/>
+              <a:lumOff val="0"/>
+              <a:alphaOff val="0"/>
+            </a:schemeClr>
+          </a:solidFill>
+          <a:prstDash val="solid"/>
+        </a:ln>
+        <a:effectLst/>
+      </dsp:spPr>
+      <dsp:style>
+        <a:lnRef idx="2">
+          <a:scrgbClr r="0" g="0" b="0"/>
+        </a:lnRef>
+        <a:fillRef idx="1">
+          <a:scrgbClr r="0" g="0" b="0"/>
+        </a:fillRef>
+        <a:effectRef idx="0">
+          <a:scrgbClr r="0" g="0" b="0"/>
+        </a:effectRef>
+        <a:fontRef idx="minor">
+          <a:schemeClr val="lt1"/>
+        </a:fontRef>
+      </dsp:style>
+      <dsp:txBody>
+        <a:bodyPr spcFirstLastPara="0" vert="horz" wrap="square" lIns="40640" tIns="30480" rIns="40640" bIns="30480" numCol="1" spcCol="1270" anchor="ctr" anchorCtr="0">
+          <a:noAutofit/>
+        </a:bodyPr>
+        <a:lstStyle/>
+        <a:p>
+          <a:pPr lvl="0" algn="ctr" defTabSz="711200">
+            <a:lnSpc>
+              <a:spcPct val="90000"/>
+            </a:lnSpc>
+            <a:spcBef>
+              <a:spcPct val="0"/>
+            </a:spcBef>
+            <a:spcAft>
+              <a:spcPct val="35000"/>
+            </a:spcAft>
+          </a:pPr>
+          <a:r>
+            <a:rPr lang="fr-FR" sz="1600" kern="1200" dirty="0" smtClean="0"/>
+            <a:t>Le compte </a:t>
+          </a:r>
+          <a:r>
+            <a:rPr lang="fr-FR" sz="1600" kern="1200" dirty="0" err="1" smtClean="0"/>
+            <a:t>analytics</a:t>
+          </a:r>
+          <a:r>
+            <a:rPr lang="fr-FR" sz="1600" kern="1200" dirty="0" smtClean="0"/>
+            <a:t> </a:t>
+          </a:r>
+          <a:r>
+            <a:rPr lang="fr-FR" sz="1600" kern="1200" dirty="0" err="1" smtClean="0"/>
+            <a:t>google</a:t>
+          </a:r>
+          <a:endParaRPr lang="fr-FR" sz="1600" kern="1200" dirty="0"/>
+        </a:p>
+      </dsp:txBody>
+      <dsp:txXfrm>
+        <a:off x="3341983" y="3054955"/>
+        <a:ext cx="2231433" cy="518168"/>
+      </dsp:txXfrm>
+    </dsp:sp>
+    <dsp:sp modelId="{6729210B-318F-45E5-A44C-A0369022FDC9}">
+      <dsp:nvSpPr>
+        <dsp:cNvPr id="0" name=""/>
+        <dsp:cNvSpPr/>
+      </dsp:nvSpPr>
+      <dsp:spPr>
+        <a:xfrm>
+          <a:off x="6084716" y="0"/>
+          <a:ext cx="2829594" cy="3778250"/>
+        </a:xfrm>
+        <a:prstGeom prst="roundRect">
+          <a:avLst>
+            <a:gd name="adj" fmla="val 10000"/>
+          </a:avLst>
+        </a:prstGeom>
+        <a:solidFill>
+          <a:schemeClr val="accent1">
+            <a:tint val="40000"/>
+            <a:hueOff val="0"/>
+            <a:satOff val="0"/>
+            <a:lumOff val="0"/>
+            <a:alphaOff val="0"/>
+          </a:schemeClr>
+        </a:solidFill>
+        <a:ln>
+          <a:noFill/>
+        </a:ln>
+        <a:effectLst/>
+      </dsp:spPr>
+      <dsp:style>
+        <a:lnRef idx="0">
+          <a:scrgbClr r="0" g="0" b="0"/>
+        </a:lnRef>
+        <a:fillRef idx="1">
+          <a:scrgbClr r="0" g="0" b="0"/>
+        </a:fillRef>
+        <a:effectRef idx="0">
+          <a:scrgbClr r="0" g="0" b="0"/>
+        </a:effectRef>
+        <a:fontRef idx="minor"/>
+      </dsp:style>
+      <dsp:txBody>
+        <a:bodyPr spcFirstLastPara="0" vert="horz" wrap="square" lIns="160020" tIns="160020" rIns="160020" bIns="160020" numCol="1" spcCol="1270" anchor="ctr" anchorCtr="0">
+          <a:noAutofit/>
+        </a:bodyPr>
+        <a:lstStyle/>
+        <a:p>
+          <a:pPr lvl="0" algn="ctr" defTabSz="1866900">
+            <a:lnSpc>
+              <a:spcPct val="90000"/>
+            </a:lnSpc>
+            <a:spcBef>
+              <a:spcPct val="0"/>
+            </a:spcBef>
+            <a:spcAft>
+              <a:spcPct val="35000"/>
+            </a:spcAft>
+          </a:pPr>
+          <a:r>
+            <a:rPr lang="fr-FR" sz="4200" kern="1200" dirty="0" smtClean="0"/>
+            <a:t>Entreprise</a:t>
+          </a:r>
+          <a:endParaRPr lang="fr-FR" sz="4200" kern="1200" dirty="0"/>
+        </a:p>
+      </dsp:txBody>
+      <dsp:txXfrm>
+        <a:off x="6084716" y="0"/>
+        <a:ext cx="2829594" cy="1133475"/>
+      </dsp:txXfrm>
+    </dsp:sp>
+    <dsp:sp modelId="{913168D6-2B37-4B51-B275-DF1ABD6F096E}">
+      <dsp:nvSpPr>
+        <dsp:cNvPr id="0" name=""/>
+        <dsp:cNvSpPr/>
+      </dsp:nvSpPr>
+      <dsp:spPr>
+        <a:xfrm>
+          <a:off x="6367676" y="1133797"/>
+          <a:ext cx="2263675" cy="742274"/>
+        </a:xfrm>
+        <a:prstGeom prst="roundRect">
+          <a:avLst>
+            <a:gd name="adj" fmla="val 10000"/>
+          </a:avLst>
+        </a:prstGeom>
+        <a:solidFill>
+          <a:schemeClr val="accent1">
+            <a:hueOff val="0"/>
+            <a:satOff val="0"/>
+            <a:lumOff val="0"/>
+            <a:alphaOff val="0"/>
+          </a:schemeClr>
+        </a:solidFill>
+        <a:ln w="15875" cap="rnd" cmpd="sng" algn="ctr">
+          <a:solidFill>
+            <a:schemeClr val="lt1">
+              <a:hueOff val="0"/>
+              <a:satOff val="0"/>
+              <a:lumOff val="0"/>
+              <a:alphaOff val="0"/>
+            </a:schemeClr>
+          </a:solidFill>
+          <a:prstDash val="solid"/>
+        </a:ln>
+        <a:effectLst/>
+      </dsp:spPr>
+      <dsp:style>
+        <a:lnRef idx="2">
+          <a:scrgbClr r="0" g="0" b="0"/>
+        </a:lnRef>
+        <a:fillRef idx="1">
+          <a:scrgbClr r="0" g="0" b="0"/>
+        </a:fillRef>
+        <a:effectRef idx="0">
+          <a:scrgbClr r="0" g="0" b="0"/>
+        </a:effectRef>
+        <a:fontRef idx="minor">
+          <a:schemeClr val="lt1"/>
+        </a:fontRef>
+      </dsp:style>
+      <dsp:txBody>
+        <a:bodyPr spcFirstLastPara="0" vert="horz" wrap="square" lIns="40640" tIns="30480" rIns="40640" bIns="30480" numCol="1" spcCol="1270" anchor="ctr" anchorCtr="0">
+          <a:noAutofit/>
+        </a:bodyPr>
+        <a:lstStyle/>
+        <a:p>
+          <a:pPr lvl="0" algn="ctr" defTabSz="711200">
+            <a:lnSpc>
+              <a:spcPct val="90000"/>
+            </a:lnSpc>
+            <a:spcBef>
+              <a:spcPct val="0"/>
+            </a:spcBef>
+            <a:spcAft>
+              <a:spcPct val="35000"/>
+            </a:spcAft>
+          </a:pPr>
+          <a:r>
+            <a:rPr lang="fr-FR" sz="1600" kern="1200" dirty="0" smtClean="0"/>
+            <a:t>Offre Business</a:t>
+          </a:r>
+          <a:endParaRPr lang="fr-FR" sz="1600" kern="1200" dirty="0"/>
+        </a:p>
+      </dsp:txBody>
+      <dsp:txXfrm>
+        <a:off x="6389416" y="1155537"/>
+        <a:ext cx="2220195" cy="698794"/>
+      </dsp:txXfrm>
+    </dsp:sp>
+    <dsp:sp modelId="{0D38DB26-DB30-4B29-9C4C-39618F9BA57B}">
+      <dsp:nvSpPr>
+        <dsp:cNvPr id="0" name=""/>
+        <dsp:cNvSpPr/>
+      </dsp:nvSpPr>
+      <dsp:spPr>
+        <a:xfrm>
+          <a:off x="6367676" y="1990268"/>
+          <a:ext cx="2263675" cy="742274"/>
+        </a:xfrm>
+        <a:prstGeom prst="roundRect">
+          <a:avLst>
+            <a:gd name="adj" fmla="val 10000"/>
+          </a:avLst>
+        </a:prstGeom>
+        <a:solidFill>
+          <a:schemeClr val="accent1">
+            <a:hueOff val="0"/>
+            <a:satOff val="0"/>
+            <a:lumOff val="0"/>
+            <a:alphaOff val="0"/>
+          </a:schemeClr>
+        </a:solidFill>
+        <a:ln w="15875" cap="rnd" cmpd="sng" algn="ctr">
+          <a:solidFill>
+            <a:schemeClr val="lt1">
+              <a:hueOff val="0"/>
+              <a:satOff val="0"/>
+              <a:lumOff val="0"/>
+              <a:alphaOff val="0"/>
+            </a:schemeClr>
+          </a:solidFill>
+          <a:prstDash val="solid"/>
+        </a:ln>
+        <a:effectLst/>
+      </dsp:spPr>
+      <dsp:style>
+        <a:lnRef idx="2">
+          <a:scrgbClr r="0" g="0" b="0"/>
+        </a:lnRef>
+        <a:fillRef idx="1">
+          <a:scrgbClr r="0" g="0" b="0"/>
+        </a:fillRef>
+        <a:effectRef idx="0">
+          <a:scrgbClr r="0" g="0" b="0"/>
+        </a:effectRef>
+        <a:fontRef idx="minor">
+          <a:schemeClr val="lt1"/>
+        </a:fontRef>
+      </dsp:style>
+      <dsp:txBody>
+        <a:bodyPr spcFirstLastPara="0" vert="horz" wrap="square" lIns="40640" tIns="30480" rIns="40640" bIns="30480" numCol="1" spcCol="1270" anchor="ctr" anchorCtr="0">
+          <a:noAutofit/>
+        </a:bodyPr>
+        <a:lstStyle/>
+        <a:p>
+          <a:pPr lvl="0" algn="ctr" defTabSz="711200">
+            <a:lnSpc>
+              <a:spcPct val="90000"/>
+            </a:lnSpc>
+            <a:spcBef>
+              <a:spcPct val="0"/>
+            </a:spcBef>
+            <a:spcAft>
+              <a:spcPct val="35000"/>
+            </a:spcAft>
+          </a:pPr>
+          <a:r>
+            <a:rPr lang="fr-FR" sz="1600" kern="1200" dirty="0" smtClean="0"/>
+            <a:t>Votre outil métier spécifique</a:t>
+          </a:r>
+          <a:endParaRPr lang="fr-FR" sz="1600" kern="1200" dirty="0"/>
+        </a:p>
+      </dsp:txBody>
+      <dsp:txXfrm>
+        <a:off x="6389416" y="2012008"/>
+        <a:ext cx="2220195" cy="698794"/>
+      </dsp:txXfrm>
+    </dsp:sp>
+    <dsp:sp modelId="{BADD2B87-D7E2-4BC6-9C64-A87DD5CEA1C5}">
+      <dsp:nvSpPr>
+        <dsp:cNvPr id="0" name=""/>
+        <dsp:cNvSpPr/>
+      </dsp:nvSpPr>
+      <dsp:spPr>
+        <a:xfrm>
+          <a:off x="6367676" y="2846739"/>
+          <a:ext cx="2263675" cy="742274"/>
+        </a:xfrm>
+        <a:prstGeom prst="roundRect">
+          <a:avLst>
+            <a:gd name="adj" fmla="val 10000"/>
+          </a:avLst>
+        </a:prstGeom>
+        <a:solidFill>
+          <a:schemeClr val="accent1">
+            <a:hueOff val="0"/>
+            <a:satOff val="0"/>
+            <a:lumOff val="0"/>
+            <a:alphaOff val="0"/>
+          </a:schemeClr>
+        </a:solidFill>
+        <a:ln w="15875" cap="rnd" cmpd="sng" algn="ctr">
+          <a:solidFill>
+            <a:schemeClr val="lt1">
+              <a:hueOff val="0"/>
+              <a:satOff val="0"/>
+              <a:lumOff val="0"/>
+              <a:alphaOff val="0"/>
+            </a:schemeClr>
+          </a:solidFill>
+          <a:prstDash val="solid"/>
+        </a:ln>
+        <a:effectLst/>
+      </dsp:spPr>
+      <dsp:style>
+        <a:lnRef idx="2">
+          <a:scrgbClr r="0" g="0" b="0"/>
+        </a:lnRef>
+        <a:fillRef idx="1">
+          <a:scrgbClr r="0" g="0" b="0"/>
+        </a:fillRef>
+        <a:effectRef idx="0">
+          <a:scrgbClr r="0" g="0" b="0"/>
+        </a:effectRef>
+        <a:fontRef idx="minor">
+          <a:schemeClr val="lt1"/>
+        </a:fontRef>
+      </dsp:style>
+      <dsp:txBody>
+        <a:bodyPr spcFirstLastPara="0" vert="horz" wrap="square" lIns="40640" tIns="30480" rIns="40640" bIns="30480" numCol="1" spcCol="1270" anchor="ctr" anchorCtr="0">
+          <a:noAutofit/>
+        </a:bodyPr>
+        <a:lstStyle/>
+        <a:p>
+          <a:pPr lvl="0" algn="ctr" defTabSz="711200">
+            <a:lnSpc>
+              <a:spcPct val="90000"/>
+            </a:lnSpc>
+            <a:spcBef>
+              <a:spcPct val="0"/>
+            </a:spcBef>
+            <a:spcAft>
+              <a:spcPct val="35000"/>
+            </a:spcAft>
+          </a:pPr>
+          <a:r>
+            <a:rPr lang="fr-FR" sz="1600" kern="1200" dirty="0" smtClean="0"/>
+            <a:t>Votre logo et charte graphique</a:t>
+          </a:r>
+          <a:endParaRPr lang="fr-FR" sz="1600" kern="1200" dirty="0"/>
+        </a:p>
+      </dsp:txBody>
+      <dsp:txXfrm>
+        <a:off x="6389416" y="2868479"/>
+        <a:ext cx="2220195" cy="698794"/>
+      </dsp:txXfrm>
+    </dsp:sp>
+  </dsp:spTree>
+</dsp:drawing>
+</file>
+
+<file path=ppt/diagrams/layout1.xml><?xml version="1.0" encoding="utf-8"?>
+<dgm:layoutDef xmlns:dgm="http://schemas.openxmlformats.org/drawingml/2006/diagram" xmlns:a="http://schemas.openxmlformats.org/drawingml/2006/main" uniqueId="urn:microsoft.com/office/officeart/2005/8/layout/lProcess2">
+  <dgm:title val=""/>
+  <dgm:desc val=""/>
+  <dgm:catLst>
+    <dgm:cat type="list" pri="10000"/>
+    <dgm:cat type="relationship" pri="13000"/>
+  </dgm:catLst>
+  <dgm:sampData>
+    <dgm:dataModel>
+      <dgm:ptLst>
+        <dgm:pt modelId="0" type="doc"/>
+        <dgm:pt modelId="1">
+          <dgm:prSet phldr="1"/>
+        </dgm:pt>
+        <dgm:pt modelId="11">
+          <dgm:prSet phldr="1"/>
+        </dgm:pt>
+        <dgm:pt modelId="12">
+          <dgm:prSet phldr="1"/>
+        </dgm:pt>
+        <dgm:pt modelId="2">
+          <dgm:prSet phldr="1"/>
+        </dgm:pt>
+        <dgm:pt modelId="21">
+          <dgm:prSet phldr="1"/>
+        </dgm:pt>
+        <dgm:pt modelId="22">
+          <dgm:prSet phldr="1"/>
+        </dgm:pt>
+        <dgm:pt modelId="3">
+          <dgm:prSet phldr="1"/>
+        </dgm:pt>
+        <dgm:pt modelId="31">
+          <dgm:prSet phldr="1"/>
+        </dgm:pt>
+        <dgm:pt modelId="32">
+          <dgm:prSet phldr="1"/>
+        </dgm:pt>
+      </dgm:ptLst>
+      <dgm:cxnLst>
+        <dgm:cxn modelId="4" srcId="0" destId="1" srcOrd="0" destOrd="0"/>
+        <dgm:cxn modelId="5" srcId="0" destId="2" srcOrd="1" destOrd="0"/>
+        <dgm:cxn modelId="13" srcId="1" destId="11" srcOrd="0" destOrd="0"/>
+        <dgm:cxn modelId="14" srcId="1" destId="12" srcOrd="0" destOrd="0"/>
+        <dgm:cxn modelId="23" srcId="2" destId="21" srcOrd="0" destOrd="0"/>
+        <dgm:cxn modelId="24" srcId="2" destId="22" srcOrd="0" destOrd="0"/>
+        <dgm:cxn modelId="33" srcId="3" destId="31" srcOrd="0" destOrd="0"/>
+        <dgm:cxn modelId="34" srcId="3" destId="32" srcOrd="0" destOrd="0"/>
+      </dgm:cxnLst>
+      <dgm:bg/>
+      <dgm:whole/>
+    </dgm:dataModel>
+  </dgm:sampData>
+  <dgm:styleData useDef="1">
+    <dgm:dataModel>
+      <dgm:ptLst/>
+      <dgm:bg/>
+      <dgm:whole/>
+    </dgm:dataModel>
+  </dgm:styleData>
+  <dgm:clrData useDef="1">
+    <dgm:dataModel>
+      <dgm:ptLst/>
+      <dgm:bg/>
+      <dgm:whole/>
+    </dgm:dataModel>
+  </dgm:clrData>
+  <dgm:layoutNode name="theList">
+    <dgm:varLst>
+      <dgm:dir/>
+      <dgm:animLvl val="lvl"/>
+      <dgm:resizeHandles val="exact"/>
+    </dgm:varLst>
+    <dgm:choose name="Name0">
+      <dgm:if name="Name1" func="var" arg="dir" op="equ" val="norm">
+        <dgm:alg type="lin"/>
+      </dgm:if>
+      <dgm:else name="Name2">
+        <dgm:alg type="lin">
+          <dgm:param type="linDir" val="fromR"/>
+        </dgm:alg>
+      </dgm:else>
+    </dgm:choose>
+    <dgm:shape xmlns:r="http://schemas.openxmlformats.org/officeDocument/2006/relationships" r:blip="">
+      <dgm:adjLst/>
+    </dgm:shape>
+    <dgm:presOf/>
+    <dgm:constrLst>
+      <dgm:constr type="w" for="ch" forName="compNode" refType="w"/>
+      <dgm:constr type="h" for="ch" forName="compNode" refType="h"/>
+      <dgm:constr type="w" for="ch" forName="aSpace" refType="w" fact="0.075"/>
+      <dgm:constr type="h" for="des" forName="aSpace2" refType="h" fact="0.1"/>
+      <dgm:constr type="primFontSz" for="des" forName="textNode" op="equ"/>
+      <dgm:constr type="primFontSz" for="des" forName="childNode" op="equ"/>
+    </dgm:constrLst>
+    <dgm:ruleLst/>
+    <dgm:forEach name="aNodeForEach" axis="ch" ptType="node">
+      <dgm:layoutNode name="compNode">
+        <dgm:alg type="composite"/>
+        <dgm:shape xmlns:r="http://schemas.openxmlformats.org/officeDocument/2006/relationships" r:blip="">
+          <dgm:adjLst/>
+        </dgm:shape>
+        <dgm:presOf/>
+        <dgm:constrLst>
+          <dgm:constr type="w" for="ch" forName="aNode" refType="w"/>
+          <dgm:constr type="h" for="ch" forName="aNode" refType="h"/>
+          <dgm:constr type="w" for="ch" forName="textNode" refType="w"/>
+          <dgm:constr type="h" for="ch" forName="textNode" refType="h" fact="0.3"/>
+          <dgm:constr type="ctrX" for="ch" forName="textNode" refType="w" fact="0.5"/>
+          <dgm:constr type="w" for="ch" forName="compChildNode" refType="w" fact="0.8"/>
+          <dgm:constr type="h" for="ch" forName="compChildNode" refType="h" fact="0.65"/>
+          <dgm:constr type="t" for="ch" forName="compChildNode" refType="h" fact="0.3"/>
+          <dgm:constr type="ctrX" for="ch" forName="compChildNode" refType="w" fact="0.5"/>
+        </dgm:constrLst>
+        <dgm:ruleLst/>
+        <dgm:layoutNode name="aNode" styleLbl="bgShp">
+          <dgm:alg type="sp"/>
+          <dgm:shape xmlns:r="http://schemas.openxmlformats.org/officeDocument/2006/relationships" type="roundRect" r:blip="">
+            <dgm:adjLst>
+              <dgm:adj idx="1" val="0.1"/>
+            </dgm:adjLst>
+          </dgm:shape>
+          <dgm:presOf axis="self"/>
+          <dgm:constrLst/>
+          <dgm:ruleLst/>
+        </dgm:layoutNode>
+        <dgm:layoutNode name="textNode" styleLbl="bgShp">
+          <dgm:alg type="tx"/>
+          <dgm:shape xmlns:r="http://schemas.openxmlformats.org/officeDocument/2006/relationships" type="rect" r:blip="" hideGeom="1">
+            <dgm:adjLst>
+              <dgm:adj idx="1" val="0.1"/>
+            </dgm:adjLst>
+          </dgm:shape>
+          <dgm:presOf axis="self"/>
+          <dgm:constrLst>
+            <dgm:constr type="primFontSz" val="65"/>
+            <dgm:constr type="lMarg" refType="primFontSz" fact="0.3"/>
+            <dgm:constr type="rMarg" refType="primFontSz" fact="0.3"/>
+            <dgm:constr type="tMarg" refType="primFontSz" fact="0.3"/>
+            <dgm:constr type="bMarg" refType="primFontSz" fact="0.3"/>
+          </dgm:constrLst>
+          <dgm:ruleLst>
+            <dgm:rule type="primFontSz" val="5" fact="NaN" max="NaN"/>
+          </dgm:ruleLst>
+        </dgm:layoutNode>
+        <dgm:layoutNode name="compChildNode">
+          <dgm:alg type="composite"/>
+          <dgm:shape xmlns:r="http://schemas.openxmlformats.org/officeDocument/2006/relationships" r:blip="">
+            <dgm:adjLst/>
+          </dgm:shape>
+          <dgm:presOf/>
+          <dgm:constrLst>
+            <dgm:constr type="w" for="des" forName="childNode" refType="w"/>
+            <dgm:constr type="h" for="des" forName="childNode" refType="h"/>
+          </dgm:constrLst>
+          <dgm:ruleLst/>
+          <dgm:layoutNode name="theInnerList">
+            <dgm:alg type="lin">
+              <dgm:param type="linDir" val="fromT"/>
+            </dgm:alg>
+            <dgm:shape xmlns:r="http://schemas.openxmlformats.org/officeDocument/2006/relationships" r:blip="">
+              <dgm:adjLst/>
+            </dgm:shape>
+            <dgm:presOf/>
+            <dgm:constrLst/>
+            <dgm:ruleLst/>
+            <dgm:forEach name="childNodeForEach" axis="ch" ptType="node">
+              <dgm:layoutNode name="childNode" styleLbl="node1">
+                <dgm:varLst>
+                  <dgm:bulletEnabled val="1"/>
+                </dgm:varLst>
+                <dgm:alg type="tx"/>
+                <dgm:shape xmlns:r="http://schemas.openxmlformats.org/officeDocument/2006/relationships" type="roundRect" r:blip="">
+                  <dgm:adjLst>
+                    <dgm:adj idx="1" val="0.1"/>
+                  </dgm:adjLst>
+                </dgm:shape>
+                <dgm:presOf axis="desOrSelf" ptType="node"/>
+                <dgm:constrLst>
+                  <dgm:constr type="primFontSz" val="65"/>
+                  <dgm:constr type="tMarg" refType="primFontSz" fact="0.15"/>
+                  <dgm:constr type="bMarg" refType="primFontSz" fact="0.15"/>
+                  <dgm:constr type="lMarg" refType="primFontSz" fact="0.2"/>
+                  <dgm:constr type="rMarg" refType="primFontSz" fact="0.2"/>
+                </dgm:constrLst>
+                <dgm:ruleLst>
+                  <dgm:rule type="primFontSz" val="5" fact="NaN" max="NaN"/>
+                </dgm:ruleLst>
+              </dgm:layoutNode>
+              <dgm:choose name="Name3">
+                <dgm:if name="Name4" axis="self" ptType="node" func="revPos" op="equ" val="1"/>
+                <dgm:else name="Name5">
+                  <dgm:layoutNode name="aSpace2">
+                    <dgm:alg type="sp"/>
+                    <dgm:shape xmlns:r="http://schemas.openxmlformats.org/officeDocument/2006/relationships" r:blip="">
+                      <dgm:adjLst/>
+                    </dgm:shape>
+                    <dgm:presOf/>
+                    <dgm:constrLst/>
+                    <dgm:ruleLst/>
+                  </dgm:layoutNode>
+                </dgm:else>
+              </dgm:choose>
+            </dgm:forEach>
+          </dgm:layoutNode>
+        </dgm:layoutNode>
+      </dgm:layoutNode>
+      <dgm:choose name="Name6">
+        <dgm:if name="Name7" axis="self" ptType="node" func="revPos" op="equ" val="1"/>
+        <dgm:else name="Name8">
+          <dgm:layoutNode name="aSpace">
+            <dgm:alg type="sp"/>
+            <dgm:shape xmlns:r="http://schemas.openxmlformats.org/officeDocument/2006/relationships" r:blip="">
+              <dgm:adjLst/>
+            </dgm:shape>
+            <dgm:presOf/>
+            <dgm:constrLst/>
+            <dgm:ruleLst/>
+          </dgm:layoutNode>
+        </dgm:else>
+      </dgm:choose>
+    </dgm:forEach>
+  </dgm:layoutNode>
+</dgm:layoutDef>
+</file>
+
+<file path=ppt/diagrams/quickStyle1.xml><?xml version="1.0" encoding="utf-8"?>
+<dgm:styleDef xmlns:dgm="http://schemas.openxmlformats.org/drawingml/2006/diagram" xmlns:a="http://schemas.openxmlformats.org/drawingml/2006/main" uniqueId="urn:microsoft.com/office/officeart/2005/8/quickstyle/simple1">
+  <dgm:title val=""/>
+  <dgm:desc val=""/>
+  <dgm:catLst>
+    <dgm:cat type="simple" pri="10100"/>
+  </dgm:catLst>
+  <dgm:scene3d>
+    <a:camera prst="orthographicFront"/>
+    <a:lightRig rig="threePt" dir="t"/>
+  </dgm:scene3d>
+  <dgm:styleLbl name="node0">
+    <dgm:scene3d>
+      <a:camera prst="orthographicFront"/>
+      <a:lightRig rig="threePt" dir="t"/>
+    </dgm:scene3d>
+    <dgm:sp3d/>
+    <dgm:txPr/>
+    <dgm:style>
+      <a:lnRef idx="2">
+        <a:scrgbClr r="0" g="0" b="0"/>
+      </a:lnRef>
+      <a:fillRef idx="1">
+        <a:scrgbClr r="0" g="0" b="0"/>
+      </a:fillRef>
+      <a:effectRef idx="0">
+        <a:scrgbClr r="0" g="0" b="0"/>
+      </a:effectRef>
+      <a:fontRef idx="minor">
+        <a:schemeClr val="lt1"/>
+      </a:fontRef>
+    </dgm:style>
+  </dgm:styleLbl>
+  <dgm:styleLbl name="lnNode1">
+    <dgm:scene3d>
+      <a:camera prst="orthographicFront"/>
+      <a:lightRig rig="threePt" dir="t"/>
+    </dgm:scene3d>
+    <dgm:sp3d/>
+    <dgm:txPr/>
+    <dgm:style>
+      <a:lnRef idx="2">
+        <a:scrgbClr r="0" g="0" b="0"/>
+      </a:lnRef>
+      <a:fillRef idx="1">
+        <a:scrgbClr r="0" g="0" b="0"/>
+      </a:fillRef>
+      <a:effectRef idx="0">
+        <a:scrgbClr r="0" g="0" b="0"/>
+      </a:effectRef>
+      <a:fontRef idx="minor">
+        <a:schemeClr val="lt1"/>
+      </a:fontRef>
+    </dgm:style>
+  </dgm:styleLbl>
+  <dgm:styleLbl name="vennNode1">
+    <dgm:scene3d>
+      <a:camera prst="orthographicFront"/>
+      <a:lightRig rig="threePt" dir="t"/>
+    </dgm:scene3d>
+    <dgm:sp3d/>
+    <dgm:txPr/>
+    <dgm:style>
+      <a:lnRef idx="2">
+        <a:scrgbClr r="0" g="0" b="0"/>
+      </a:lnRef>
+      <a:fillRef idx="1">
+        <a:scrgbClr r="0" g="0" b="0"/>
+      </a:fillRef>
+      <a:effectRef idx="0">
+        <a:scrgbClr r="0" g="0" b="0"/>
+      </a:effectRef>
+      <a:fontRef idx="minor">
+        <a:schemeClr val="tx1"/>
+      </a:fontRef>
+    </dgm:style>
+  </dgm:styleLbl>
+  <dgm:styleLbl name="alignNode1">
+    <dgm:scene3d>
+      <a:camera prst="orthographicFront"/>
+      <a:lightRig rig="threePt" dir="t"/>
+    </dgm:scene3d>
+    <dgm:sp3d/>
+    <dgm:txPr/>
+    <dgm:style>
+      <a:lnRef idx="2">
+        <a:scrgbClr r="0" g="0" b="0"/>
+      </a:lnRef>
+      <a:fillRef idx="1">
+        <a:scrgbClr r="0" g="0" b="0"/>
+      </a:fillRef>
+      <a:effectRef idx="0">
+        <a:scrgbClr r="0" g="0" b="0"/>
+      </a:effectRef>
+      <a:fontRef idx="minor">
+        <a:schemeClr val="lt1"/>
+      </a:fontRef>
+    </dgm:style>
+  </dgm:styleLbl>
+  <dgm:styleLbl name="node1">
+    <dgm:scene3d>
+      <a:camera prst="orthographicFront"/>
+      <a:lightRig rig="threePt" dir="t"/>
+    </dgm:scene3d>
+    <dgm:sp3d/>
+    <dgm:txPr/>
+    <dgm:style>
+      <a:lnRef idx="2">
+        <a:scrgbClr r="0" g="0" b="0"/>
+      </a:lnRef>
+      <a:fillRef idx="1">
+        <a:scrgbClr r="0" g="0" b="0"/>
+      </a:fillRef>
+      <a:effectRef idx="0">
+        <a:scrgbClr r="0" g="0" b="0"/>
+      </a:effectRef>
+      <a:fontRef idx="minor">
+        <a:schemeClr val="lt1"/>
+      </a:fontRef>
+    </dgm:style>
+  </dgm:styleLbl>
+  <dgm:styleLbl name="node2">
+    <dgm:scene3d>
+      <a:camera prst="orthographicFront"/>
+      <a:lightRig rig="threePt" dir="t"/>
+    </dgm:scene3d>
+    <dgm:sp3d/>
+    <dgm:txPr/>
+    <dgm:style>
+      <a:lnRef idx="2">
+        <a:scrgbClr r="0" g="0" b="0"/>
+      </a:lnRef>
+      <a:fillRef idx="1">
+        <a:scrgbClr r="0" g="0" b="0"/>
+      </a:fillRef>
+      <a:effectRef idx="0">
+        <a:scrgbClr r="0" g="0" b="0"/>
+      </a:effectRef>
+      <a:fontRef idx="minor">
+        <a:schemeClr val="lt1"/>
+      </a:fontRef>
+    </dgm:style>
+  </dgm:styleLbl>
+  <dgm:styleLbl name="node3">
+    <dgm:scene3d>
+      <a:camera prst="orthographicFront"/>
+      <a:lightRig rig="threePt" dir="t"/>
+    </dgm:scene3d>
+    <dgm:sp3d/>
+    <dgm:txPr/>
+    <dgm:style>
+      <a:lnRef idx="2">
+        <a:scrgbClr r="0" g="0" b="0"/>
+      </a:lnRef>
+      <a:fillRef idx="1">
+        <a:scrgbClr r="0" g="0" b="0"/>
+      </a:fillRef>
+      <a:effectRef idx="0">
+        <a:scrgbClr r="0" g="0" b="0"/>
+      </a:effectRef>
+      <a:fontRef idx="minor">
+        <a:schemeClr val="lt1"/>
+      </a:fontRef>
+    </dgm:style>
+  </dgm:styleLbl>
+  <dgm:styleLbl name="node4">
+    <dgm:scene3d>
+      <a:camera prst="orthographicFront"/>
+      <a:lightRig rig="threePt" dir="t"/>
+    </dgm:scene3d>
+    <dgm:sp3d/>
+    <dgm:txPr/>
+    <dgm:style>
+      <a:lnRef idx="2">
+        <a:scrgbClr r="0" g="0" b="0"/>
+      </a:lnRef>
+      <a:fillRef idx="1">
+        <a:scrgbClr r="0" g="0" b="0"/>
+      </a:fillRef>
+      <a:effectRef idx="0">
+        <a:scrgbClr r="0" g="0" b="0"/>
+      </a:effectRef>
+      <a:fontRef idx="minor">
+        <a:schemeClr val="lt1"/>
+      </a:fontRef>
+    </dgm:style>
+  </dgm:styleLbl>
+  <dgm:styleLbl name="fgImgPlace1">
+    <dgm:scene3d>
+      <a:camera prst="orthographicFront"/>
+      <a:lightRig rig="threePt" dir="t"/>
+    </dgm:scene3d>
+    <dgm:sp3d/>
+    <dgm:txPr/>
+    <dgm:style>
+      <a:lnRef idx="2">
+        <a:scrgbClr r="0" g="0" b="0"/>
+      </a:lnRef>
+      <a:fillRef idx="1">
+        <a:scrgbClr r="0" g="0" b="0"/>
+      </a:fillRef>
+      <a:effectRef idx="0">
+        <a:scrgbClr r="0" g="0" b="0"/>
+      </a:effectRef>
+      <a:fontRef idx="minor"/>
+    </dgm:style>
+  </dgm:styleLbl>
+  <dgm:styleLbl name="alignImgPlace1">
+    <dgm:scene3d>
+      <a:camera prst="orthographicFront"/>
+      <a:lightRig rig="threePt" dir="t"/>
+    </dgm:scene3d>
+    <dgm:sp3d/>
+    <dgm:txPr/>
+    <dgm:style>
+      <a:lnRef idx="2">
+        <a:scrgbClr r="0" g="0" b="0"/>
+      </a:lnRef>
+      <a:fillRef idx="1">
+        <a:scrgbClr r="0" g="0" b="0"/>
+      </a:fillRef>
+      <a:effectRef idx="0">
+        <a:scrgbClr r="0" g="0" b="0"/>
+      </a:effectRef>
+      <a:fontRef idx="minor"/>
+    </dgm:style>
+  </dgm:styleLbl>
+  <dgm:styleLbl name="bgImgPlace1">
+    <dgm:scene3d>
+      <a:camera prst="orthographicFront"/>
+      <a:lightRig rig="threePt" dir="t"/>
+    </dgm:scene3d>
+    <dgm:sp3d/>
+    <dgm:txPr/>
+    <dgm:style>
+      <a:lnRef idx="2">
+        <a:scrgbClr r="0" g="0" b="0"/>
+      </a:lnRef>
+      <a:fillRef idx="1">
+        <a:scrgbClr r="0" g="0" b="0"/>
+      </a:fillRef>
+      <a:effectRef idx="0">
+        <a:scrgbClr r="0" g="0" b="0"/>
+      </a:effectRef>
+      <a:fontRef idx="minor"/>
+    </dgm:style>
+  </dgm:styleLbl>
+  <dgm:styleLbl name="sibTrans2D1">
+    <dgm:scene3d>
+      <a:camera prst="orthographicFront"/>
+      <a:lightRig rig="threePt" dir="t"/>
+    </dgm:scene3d>
+    <dgm:sp3d/>
+    <dgm:txPr/>
+    <dgm:style>
+      <a:lnRef idx="0">
+        <a:scrgbClr r="0" g="0" b="0"/>
+      </a:lnRef>
+      <a:fillRef idx="1">
+        <a:scrgbClr r="0" g="0" b="0"/>
+      </a:fillRef>
+      <a:effectRef idx="0">
+        <a:scrgbClr r="0" g="0" b="0"/>
+      </a:effectRef>
+      <a:fontRef idx="minor">
+        <a:schemeClr val="lt1"/>
+      </a:fontRef>
+    </dgm:style>
+  </dgm:styleLbl>
+  <dgm:styleLbl name="fgSibTrans2D1">
+    <dgm:scene3d>
+      <a:camera prst="orthographicFront"/>
+      <a:lightRig rig="threePt" dir="t"/>
+    </dgm:scene3d>
+    <dgm:sp3d/>
+    <dgm:txPr/>
+    <dgm:style>
+      <a:lnRef idx="0">
+        <a:scrgbClr r="0" g="0" b="0"/>
+      </a:lnRef>
+      <a:fillRef idx="1">
+        <a:scrgbClr r="0" g="0" b="0"/>
+      </a:fillRef>
+      <a:effectRef idx="0">
+        <a:scrgbClr r="0" g="0" b="0"/>
+      </a:effectRef>
+      <a:fontRef idx="minor">
+        <a:schemeClr val="lt1"/>
+      </a:fontRef>
+    </dgm:style>
+  </dgm:styleLbl>
+  <dgm:styleLbl name="bgSibTrans2D1">
+    <dgm:scene3d>
+      <a:camera prst="orthographicFront"/>
+      <a:lightRig rig="threePt" dir="t"/>
+    </dgm:scene3d>
+    <dgm:sp3d/>
+    <dgm:txPr/>
+    <dgm:style>
+      <a:lnRef idx="0">
+        <a:scrgbClr r="0" g="0" b="0"/>
+      </a:lnRef>
+      <a:fillRef idx="1">
+        <a:scrgbClr r="0" g="0" b="0"/>
+      </a:fillRef>
+      <a:effectRef idx="0">
+        <a:scrgbClr r="0" g="0" b="0"/>
+      </a:effectRef>
+      <a:fontRef idx="minor">
+        <a:schemeClr val="lt1"/>
+      </a:fontRef>
+    </dgm:style>
+  </dgm:styleLbl>
+  <dgm:styleLbl name="sibTrans1D1">
+    <dgm:scene3d>
+      <a:camera prst="orthographicFront"/>
+      <a:lightRig rig="threePt" dir="t"/>
+    </dgm:scene3d>
+    <dgm:sp3d/>
+    <dgm:txPr/>
+    <dgm:style>
+      <a:lnRef idx="1">
+        <a:scrgbClr r="0" g="0" b="0"/>
+      </a:lnRef>
+      <a:fillRef idx="0">
+        <a:scrgbClr r="0" g="0" b="0"/>
+      </a:fillRef>
+      <a:effectRef idx="0">
+        <a:scrgbClr r="0" g="0" b="0"/>
+      </a:effectRef>
+      <a:fontRef idx="minor"/>
+    </dgm:style>
+  </dgm:styleLbl>
+  <dgm:styleLbl name="callout">
+    <dgm:scene3d>
+      <a:camera prst="orthographicFront"/>
+      <a:lightRig rig="threePt" dir="t"/>
+    </dgm:scene3d>
+    <dgm:sp3d/>
+    <dgm:txPr/>
+    <dgm:style>
+      <a:lnRef idx="2">
+        <a:scrgbClr r="0" g="0" b="0"/>
+      </a:lnRef>
+      <a:fillRef idx="1">
+        <a:scrgbClr r="0" g="0" b="0"/>
+      </a:fillRef>
+      <a:effectRef idx="0">
+        <a:scrgbClr r="0" g="0" b="0"/>
+      </a:effectRef>
+      <a:fontRef idx="minor"/>
+    </dgm:style>
+  </dgm:styleLbl>
+  <dgm:styleLbl name="asst0">
+    <dgm:scene3d>
+      <a:camera prst="orthographicFront"/>
+      <a:lightRig rig="threePt" dir="t"/>
+    </dgm:scene3d>
+    <dgm:sp3d/>
+    <dgm:txPr/>
+    <dgm:style>
+      <a:lnRef idx="2">
+        <a:scrgbClr r="0" g="0" b="0"/>
+      </a:lnRef>
+      <a:fillRef idx="1">
+        <a:scrgbClr r="0" g="0" b="0"/>
+      </a:fillRef>
+      <a:effectRef idx="0">
+        <a:scrgbClr r="0" g="0" b="0"/>
+      </a:effectRef>
+      <a:fontRef idx="minor">
+        <a:schemeClr val="lt1"/>
+      </a:fontRef>
+    </dgm:style>
+  </dgm:styleLbl>
+  <dgm:styleLbl name="asst1">
+    <dgm:scene3d>
+      <a:camera prst="orthographicFront"/>
+      <a:lightRig rig="threePt" dir="t"/>
+    </dgm:scene3d>
+    <dgm:sp3d/>
+    <dgm:txPr/>
+    <dgm:style>
+      <a:lnRef idx="2">
+        <a:scrgbClr r="0" g="0" b="0"/>
+      </a:lnRef>
+      <a:fillRef idx="1">
+        <a:scrgbClr r="0" g="0" b="0"/>
+      </a:fillRef>
+      <a:effectRef idx="0">
+        <a:scrgbClr r="0" g="0" b="0"/>
+      </a:effectRef>
+      <a:fontRef idx="minor">
+        <a:schemeClr val="lt1"/>
+      </a:fontRef>
+    </dgm:style>
+  </dgm:styleLbl>
+  <dgm:styleLbl name="asst2">
+    <dgm:scene3d>
+      <a:camera prst="orthographicFront"/>
+      <a:lightRig rig="threePt" dir="t"/>
+    </dgm:scene3d>
+    <dgm:sp3d/>
+    <dgm:txPr/>
+    <dgm:style>
+      <a:lnRef idx="2">
+        <a:scrgbClr r="0" g="0" b="0"/>
+      </a:lnRef>
+      <a:fillRef idx="1">
+        <a:scrgbClr r="0" g="0" b="0"/>
+      </a:fillRef>
+      <a:effectRef idx="0">
+        <a:scrgbClr r="0" g="0" b="0"/>
+      </a:effectRef>
+      <a:fontRef idx="minor">
+        <a:schemeClr val="lt1"/>
+      </a:fontRef>
+    </dgm:style>
+  </dgm:styleLbl>
+  <dgm:styleLbl name="asst3">
+    <dgm:scene3d>
+      <a:camera prst="orthographicFront"/>
+      <a:lightRig rig="threePt" dir="t"/>
+    </dgm:scene3d>
+    <dgm:sp3d/>
+    <dgm:txPr/>
+    <dgm:style>
+      <a:lnRef idx="2">
+        <a:scrgbClr r="0" g="0" b="0"/>
+      </a:lnRef>
+      <a:fillRef idx="1">
+        <a:scrgbClr r="0" g="0" b="0"/>
+      </a:fillRef>
+      <a:effectRef idx="0">
+        <a:scrgbClr r="0" g="0" b="0"/>
+      </a:effectRef>
+      <a:fontRef idx="minor">
+        <a:schemeClr val="lt1"/>
+      </a:fontRef>
+    </dgm:style>
+  </dgm:styleLbl>
+  <dgm:styleLbl name="asst4">
+    <dgm:scene3d>
+      <a:camera prst="orthographicFront"/>
+      <a:lightRig rig="threePt" dir="t"/>
+    </dgm:scene3d>
+    <dgm:sp3d/>
+    <dgm:txPr/>
+    <dgm:style>
+      <a:lnRef idx="2">
+        <a:scrgbClr r="0" g="0" b="0"/>
+      </a:lnRef>
+      <a:fillRef idx="1">
+        <a:scrgbClr r="0" g="0" b="0"/>
+      </a:fillRef>
+      <a:effectRef idx="0">
+        <a:scrgbClr r="0" g="0" b="0"/>
+      </a:effectRef>
+      <a:fontRef idx="minor">
+        <a:schemeClr val="lt1"/>
+      </a:fontRef>
+    </dgm:style>
+  </dgm:styleLbl>
+  <dgm:styleLbl name="parChTrans2D1">
+    <dgm:scene3d>
+      <a:camera prst="orthographicFront"/>
+      <a:lightRig rig="threePt" dir="t"/>
+    </dgm:scene3d>
+    <dgm:sp3d/>
+    <dgm:txPr/>
+    <dgm:style>
+      <a:lnRef idx="2">
+        <a:scrgbClr r="0" g="0" b="0"/>
+      </a:lnRef>
+      <a:fillRef idx="1">
+        <a:scrgbClr r="0" g="0" b="0"/>
+      </a:fillRef>
+      <a:effectRef idx="0">
+        <a:scrgbClr r="0" g="0" b="0"/>
+      </a:effectRef>
+      <a:fontRef idx="minor">
+        <a:schemeClr val="lt1"/>
+      </a:fontRef>
+    </dgm:style>
+  </dgm:styleLbl>
+  <dgm:styleLbl name="parChTrans2D2">
+    <dgm:scene3d>
+      <a:camera prst="orthographicFront"/>
+      <a:lightRig rig="threePt" dir="t"/>
+    </dgm:scene3d>
+    <dgm:sp3d/>
+    <dgm:txPr/>
+    <dgm:style>
+      <a:lnRef idx="2">
+        <a:scrgbClr r="0" g="0" b="0"/>
+      </a:lnRef>
+      <a:fillRef idx="1">
+        <a:scrgbClr r="0" g="0" b="0"/>
+      </a:fillRef>
+      <a:effectRef idx="0">
+        <a:scrgbClr r="0" g="0" b="0"/>
+      </a:effectRef>
+      <a:fontRef idx="minor">
+        <a:schemeClr val="lt1"/>
+      </a:fontRef>
+    </dgm:style>
+  </dgm:styleLbl>
+  <dgm:styleLbl name="parChTrans2D3">
+    <dgm:scene3d>
+      <a:camera prst="orthographicFront"/>
+      <a:lightRig rig="threePt" dir="t"/>
+    </dgm:scene3d>
+    <dgm:sp3d/>
+    <dgm:txPr/>
+    <dgm:style>
+      <a:lnRef idx="2">
+        <a:scrgbClr r="0" g="0" b="0"/>
+      </a:lnRef>
+      <a:fillRef idx="1">
+        <a:scrgbClr r="0" g="0" b="0"/>
+      </a:fillRef>
+      <a:effectRef idx="0">
+        <a:scrgbClr r="0" g="0" b="0"/>
+      </a:effectRef>
+      <a:fontRef idx="minor">
+        <a:schemeClr val="lt1"/>
+      </a:fontRef>
+    </dgm:style>
+  </dgm:styleLbl>
+  <dgm:styleLbl name="parChTrans2D4">
+    <dgm:scene3d>
+      <a:camera prst="orthographicFront"/>
+      <a:lightRig rig="threePt" dir="t"/>
+    </dgm:scene3d>
+    <dgm:sp3d/>
+    <dgm:txPr/>
+    <dgm:style>
+      <a:lnRef idx="2">
+        <a:scrgbClr r="0" g="0" b="0"/>
+      </a:lnRef>
+      <a:fillRef idx="1">
+        <a:scrgbClr r="0" g="0" b="0"/>
+      </a:fillRef>
+      <a:effectRef idx="0">
+        <a:scrgbClr r="0" g="0" b="0"/>
+      </a:effectRef>
+      <a:fontRef idx="minor">
+        <a:schemeClr val="lt1"/>
+      </a:fontRef>
+    </dgm:style>
+  </dgm:styleLbl>
+  <dgm:styleLbl name="parChTrans1D1">
+    <dgm:scene3d>
+      <a:camera prst="orthographicFront"/>
+      <a:lightRig rig="threePt" dir="t"/>
+    </dgm:scene3d>
+    <dgm:sp3d/>
+    <dgm:txPr/>
+    <dgm:style>
+      <a:lnRef idx="2">
+        <a:scrgbClr r="0" g="0" b="0"/>
+      </a:lnRef>
+      <a:fillRef idx="0">
+        <a:scrgbClr r="0" g="0" b="0"/>
+      </a:fillRef>
+      <a:effectRef idx="0">
+        <a:scrgbClr r="0" g="0" b="0"/>
+      </a:effectRef>
+      <a:fontRef idx="minor"/>
+    </dgm:style>
+  </dgm:styleLbl>
+  <dgm:styleLbl name="parChTrans1D2">
+    <dgm:scene3d>
+      <a:camera prst="orthographicFront"/>
+      <a:lightRig rig="threePt" dir="t"/>
+    </dgm:scene3d>
+    <dgm:sp3d/>
+    <dgm:txPr/>
+    <dgm:style>
+      <a:lnRef idx="2">
+        <a:scrgbClr r="0" g="0" b="0"/>
+      </a:lnRef>
+      <a:fillRef idx="0">
+        <a:scrgbClr r="0" g="0" b="0"/>
+      </a:fillRef>
+      <a:effectRef idx="0">
+        <a:scrgbClr r="0" g="0" b="0"/>
+      </a:effectRef>
+      <a:fontRef idx="minor"/>
+    </dgm:style>
+  </dgm:styleLbl>
+  <dgm:styleLbl name="parChTrans1D3">
+    <dgm:scene3d>
+      <a:camera prst="orthographicFront"/>
+      <a:lightRig rig="threePt" dir="t"/>
+    </dgm:scene3d>
+    <dgm:sp3d/>
+    <dgm:txPr/>
+    <dgm:style>
+      <a:lnRef idx="2">
+        <a:scrgbClr r="0" g="0" b="0"/>
+      </a:lnRef>
+      <a:fillRef idx="0">
+        <a:scrgbClr r="0" g="0" b="0"/>
+      </a:fillRef>
+      <a:effectRef idx="0">
+        <a:scrgbClr r="0" g="0" b="0"/>
+      </a:effectRef>
+      <a:fontRef idx="minor"/>
+    </dgm:style>
+  </dgm:styleLbl>
+  <dgm:styleLbl name="parChTrans1D4">
+    <dgm:scene3d>
+      <a:camera prst="orthographicFront"/>
+      <a:lightRig rig="threePt" dir="t"/>
+    </dgm:scene3d>
+    <dgm:sp3d/>
+    <dgm:txPr/>
+    <dgm:style>
+      <a:lnRef idx="2">
+        <a:scrgbClr r="0" g="0" b="0"/>
+      </a:lnRef>
+      <a:fillRef idx="0">
+        <a:scrgbClr r="0" g="0" b="0"/>
+      </a:fillRef>
+      <a:effectRef idx="0">
+        <a:scrgbClr r="0" g="0" b="0"/>
+      </a:effectRef>
+      <a:fontRef idx="minor"/>
+    </dgm:style>
+  </dgm:styleLbl>
+  <dgm:styleLbl name="fgAcc1">
+    <dgm:scene3d>
+      <a:camera prst="orthographicFront"/>
+      <a:lightRig rig="threePt" dir="t"/>
+    </dgm:scene3d>
+    <dgm:sp3d/>
+    <dgm:txPr/>
+    <dgm:style>
+      <a:lnRef idx="2">
+        <a:scrgbClr r="0" g="0" b="0"/>
+      </a:lnRef>
+      <a:fillRef idx="1">
+        <a:scrgbClr r="0" g="0" b="0"/>
+      </a:fillRef>
+      <a:effectRef idx="0">
+        <a:scrgbClr r="0" g="0" b="0"/>
+      </a:effectRef>
+      <a:fontRef idx="minor"/>
+    </dgm:style>
+  </dgm:styleLbl>
+  <dgm:styleLbl name="conFgAcc1">
+    <dgm:scene3d>
+      <a:camera prst="orthographicFront"/>
+      <a:lightRig rig="threePt" dir="t"/>
+    </dgm:scene3d>
+    <dgm:sp3d/>
+    <dgm:txPr/>
+    <dgm:style>
+      <a:lnRef idx="2">
+        <a:scrgbClr r="0" g="0" b="0"/>
+      </a:lnRef>
+      <a:fillRef idx="1">
+        <a:scrgbClr r="0" g="0" b="0"/>
+      </a:fillRef>
+      <a:effectRef idx="0">
+        <a:scrgbClr r="0" g="0" b="0"/>
+      </a:effectRef>
+      <a:fontRef idx="minor"/>
+    </dgm:style>
+  </dgm:styleLbl>
+  <dgm:styleLbl name="alignAcc1">
+    <dgm:scene3d>
+      <a:camera prst="orthographicFront"/>
+      <a:lightRig rig="threePt" dir="t"/>
+    </dgm:scene3d>
+    <dgm:sp3d/>
+    <dgm:txPr/>
+    <dgm:style>
+      <a:lnRef idx="2">
+        <a:scrgbClr r="0" g="0" b="0"/>
+      </a:lnRef>
+      <a:fillRef idx="1">
+        <a:scrgbClr r="0" g="0" b="0"/>
+      </a:fillRef>
+      <a:effectRef idx="0">
+        <a:scrgbClr r="0" g="0" b="0"/>
+      </a:effectRef>
+      <a:fontRef idx="minor"/>
+    </dgm:style>
+  </dgm:styleLbl>
+  <dgm:styleLbl name="trAlignAcc1">
+    <dgm:scene3d>
+      <a:camera prst="orthographicFront"/>
+      <a:lightRig rig="threePt" dir="t"/>
+    </dgm:scene3d>
+    <dgm:sp3d/>
+    <dgm:txPr/>
+    <dgm:style>
+      <a:lnRef idx="1">
+        <a:scrgbClr r="0" g="0" b="0"/>
+      </a:lnRef>
+      <a:fillRef idx="1">
+        <a:scrgbClr r="0" g="0" b="0"/>
+      </a:fillRef>
+      <a:effectRef idx="0">
+        <a:scrgbClr r="0" g="0" b="0"/>
+      </a:effectRef>
+      <a:fontRef idx="minor"/>
+    </dgm:style>
+  </dgm:styleLbl>
+  <dgm:styleLbl name="bgAcc1">
+    <dgm:scene3d>
+      <a:camera prst="orthographicFront"/>
+      <a:lightRig rig="threePt" dir="t"/>
+    </dgm:scene3d>
+    <dgm:sp3d/>
+    <dgm:txPr/>
+    <dgm:style>
+      <a:lnRef idx="2">
+        <a:scrgbClr r="0" g="0" b="0"/>
+      </a:lnRef>
+      <a:fillRef idx="1">
+        <a:scrgbClr r="0" g="0" b="0"/>
+      </a:fillRef>
+      <a:effectRef idx="0">
+        <a:scrgbClr r="0" g="0" b="0"/>
+      </a:effectRef>
+      <a:fontRef idx="minor"/>
+    </dgm:style>
+  </dgm:styleLbl>
+  <dgm:styleLbl name="solidFgAcc1">
+    <dgm:scene3d>
+      <a:camera prst="orthographicFront"/>
+      <a:lightRig rig="threePt" dir="t"/>
+    </dgm:scene3d>
+    <dgm:sp3d/>
+    <dgm:txPr/>
+    <dgm:style>
+      <a:lnRef idx="2">
+        <a:scrgbClr r="0" g="0" b="0"/>
+      </a:lnRef>
+      <a:fillRef idx="1">
+        <a:scrgbClr r="0" g="0" b="0"/>
+      </a:fillRef>
+      <a:effectRef idx="0">
+        <a:scrgbClr r="0" g="0" b="0"/>
+      </a:effectRef>
+      <a:fontRef idx="minor"/>
+    </dgm:style>
+  </dgm:styleLbl>
+  <dgm:styleLbl name="solidAlignAcc1">
+    <dgm:scene3d>
+      <a:camera prst="orthographicFront"/>
+      <a:lightRig rig="threePt" dir="t"/>
+    </dgm:scene3d>
+    <dgm:sp3d/>
+    <dgm:txPr/>
+    <dgm:style>
+      <a:lnRef idx="2">
+        <a:scrgbClr r="0" g="0" b="0"/>
+      </a:lnRef>
+      <a:fillRef idx="1">
+        <a:scrgbClr r="0" g="0" b="0"/>
+      </a:fillRef>
+      <a:effectRef idx="0">
+        <a:scrgbClr r="0" g="0" b="0"/>
+      </a:effectRef>
+      <a:fontRef idx="minor"/>
+    </dgm:style>
+  </dgm:styleLbl>
+  <dgm:styleLbl name="solidBgAcc1">
+    <dgm:scene3d>
+      <a:camera prst="orthographicFront"/>
+      <a:lightRig rig="threePt" dir="t"/>
+    </dgm:scene3d>
+    <dgm:sp3d/>
+    <dgm:txPr/>
+    <dgm:style>
+      <a:lnRef idx="2">
+        <a:scrgbClr r="0" g="0" b="0"/>
+      </a:lnRef>
+      <a:fillRef idx="1">
+        <a:scrgbClr r="0" g="0" b="0"/>
+      </a:fillRef>
+      <a:effectRef idx="0">
+        <a:scrgbClr r="0" g="0" b="0"/>
+      </a:effectRef>
+      <a:fontRef idx="minor"/>
+    </dgm:style>
+  </dgm:styleLbl>
+  <dgm:styleLbl name="fgAccFollowNode1">
+    <dgm:scene3d>
+      <a:camera prst="orthographicFront"/>
+      <a:lightRig rig="threePt" dir="t"/>
+    </dgm:scene3d>
+    <dgm:sp3d/>
+    <dgm:txPr/>
+    <dgm:style>
+      <a:lnRef idx="2">
+        <a:scrgbClr r="0" g="0" b="0"/>
+      </a:lnRef>
+      <a:fillRef idx="1">
+        <a:scrgbClr r="0" g="0" b="0"/>
+      </a:fillRef>
+      <a:effectRef idx="0">
+        <a:scrgbClr r="0" g="0" b="0"/>
+      </a:effectRef>
+      <a:fontRef idx="minor"/>
+    </dgm:style>
+  </dgm:styleLbl>
+  <dgm:styleLbl name="alignAccFollowNode1">
+    <dgm:scene3d>
+      <a:camera prst="orthographicFront"/>
+      <a:lightRig rig="threePt" dir="t"/>
+    </dgm:scene3d>
+    <dgm:sp3d/>
+    <dgm:txPr/>
+    <dgm:style>
+      <a:lnRef idx="2">
+        <a:scrgbClr r="0" g="0" b="0"/>
+      </a:lnRef>
+      <a:fillRef idx="1">
+        <a:scrgbClr r="0" g="0" b="0"/>
+      </a:fillRef>
+      <a:effectRef idx="0">
+        <a:scrgbClr r="0" g="0" b="0"/>
+      </a:effectRef>
+      <a:fontRef idx="minor"/>
+    </dgm:style>
+  </dgm:styleLbl>
+  <dgm:styleLbl name="bgAccFollowNode1">
+    <dgm:scene3d>
+      <a:camera prst="orthographicFront"/>
+      <a:lightRig rig="threePt" dir="t"/>
+    </dgm:scene3d>
+    <dgm:sp3d/>
+    <dgm:txPr/>
+    <dgm:style>
+      <a:lnRef idx="2">
+        <a:scrgbClr r="0" g="0" b="0"/>
+      </a:lnRef>
+      <a:fillRef idx="1">
+        <a:scrgbClr r="0" g="0" b="0"/>
+      </a:fillRef>
+      <a:effectRef idx="0">
+        <a:scrgbClr r="0" g="0" b="0"/>
+      </a:effectRef>
+      <a:fontRef idx="minor"/>
+    </dgm:style>
+  </dgm:styleLbl>
+  <dgm:styleLbl name="fgAcc0">
+    <dgm:scene3d>
+      <a:camera prst="orthographicFront"/>
+      <a:lightRig rig="threePt" dir="t"/>
+    </dgm:scene3d>
+    <dgm:sp3d/>
+    <dgm:txPr/>
+    <dgm:style>
+      <a:lnRef idx="2">
+        <a:scrgbClr r="0" g="0" b="0"/>
+      </a:lnRef>
+      <a:fillRef idx="1">
+        <a:scrgbClr r="0" g="0" b="0"/>
+      </a:fillRef>
+      <a:effectRef idx="0">
+        <a:scrgbClr r="0" g="0" b="0"/>
+      </a:effectRef>
+      <a:fontRef idx="minor"/>
+    </dgm:style>
+  </dgm:styleLbl>
+  <dgm:styleLbl name="fgAcc2">
+    <dgm:scene3d>
+      <a:camera prst="orthographicFront"/>
+      <a:lightRig rig="threePt" dir="t"/>
+    </dgm:scene3d>
+    <dgm:sp3d/>
+    <dgm:txPr/>
+    <dgm:style>
+      <a:lnRef idx="2">
+        <a:scrgbClr r="0" g="0" b="0"/>
+      </a:lnRef>
+      <a:fillRef idx="1">
+        <a:scrgbClr r="0" g="0" b="0"/>
+      </a:fillRef>
+      <a:effectRef idx="0">
+        <a:scrgbClr r="0" g="0" b="0"/>
+      </a:effectRef>
+      <a:fontRef idx="minor"/>
+    </dgm:style>
+  </dgm:styleLbl>
+  <dgm:styleLbl name="fgAcc3">
+    <dgm:scene3d>
+      <a:camera prst="orthographicFront"/>
+      <a:lightRig rig="threePt" dir="t"/>
+    </dgm:scene3d>
+    <dgm:sp3d/>
+    <dgm:txPr/>
+    <dgm:style>
+      <a:lnRef idx="2">
+        <a:scrgbClr r="0" g="0" b="0"/>
+      </a:lnRef>
+      <a:fillRef idx="1">
+        <a:scrgbClr r="0" g="0" b="0"/>
+      </a:fillRef>
+      <a:effectRef idx="0">
+        <a:scrgbClr r="0" g="0" b="0"/>
+      </a:effectRef>
+      <a:fontRef idx="minor"/>
+    </dgm:style>
+  </dgm:styleLbl>
+  <dgm:styleLbl name="fgAcc4">
+    <dgm:scene3d>
+      <a:camera prst="orthographicFront"/>
+      <a:lightRig rig="threePt" dir="t"/>
+    </dgm:scene3d>
+    <dgm:sp3d/>
+    <dgm:txPr/>
+    <dgm:style>
+      <a:lnRef idx="2">
+        <a:scrgbClr r="0" g="0" b="0"/>
+      </a:lnRef>
+      <a:fillRef idx="1">
+        <a:scrgbClr r="0" g="0" b="0"/>
+      </a:fillRef>
+      <a:effectRef idx="0">
+        <a:scrgbClr r="0" g="0" b="0"/>
+      </a:effectRef>
+      <a:fontRef idx="minor"/>
+    </dgm:style>
+  </dgm:styleLbl>
+  <dgm:styleLbl name="bgShp">
+    <dgm:scene3d>
+      <a:camera prst="orthographicFront"/>
+      <a:lightRig rig="threePt" dir="t"/>
+    </dgm:scene3d>
+    <dgm:sp3d/>
+    <dgm:txPr/>
+    <dgm:style>
+      <a:lnRef idx="0">
+        <a:scrgbClr r="0" g="0" b="0"/>
+      </a:lnRef>
+      <a:fillRef idx="1">
+        <a:scrgbClr r="0" g="0" b="0"/>
+      </a:fillRef>
+      <a:effectRef idx="0">
+        <a:scrgbClr r="0" g="0" b="0"/>
+      </a:effectRef>
+      <a:fontRef idx="minor"/>
+    </dgm:style>
+  </dgm:styleLbl>
+  <dgm:styleLbl name="dkBgShp">
+    <dgm:scene3d>
+      <a:camera prst="orthographicFront"/>
+      <a:lightRig rig="threePt" dir="t"/>
+    </dgm:scene3d>
+    <dgm:sp3d/>
+    <dgm:txPr/>
+    <dgm:style>
+      <a:lnRef idx="0">
+        <a:scrgbClr r="0" g="0" b="0"/>
+      </a:lnRef>
+      <a:fillRef idx="1">
+        <a:scrgbClr r="0" g="0" b="0"/>
+      </a:fillRef>
+      <a:effectRef idx="0">
+        <a:scrgbClr r="0" g="0" b="0"/>
+      </a:effectRef>
+      <a:fontRef idx="minor"/>
+    </dgm:style>
+  </dgm:styleLbl>
+  <dgm:styleLbl name="trBgShp">
+    <dgm:scene3d>
+      <a:camera prst="orthographicFront"/>
+      <a:lightRig rig="threePt" dir="t"/>
+    </dgm:scene3d>
+    <dgm:sp3d/>
+    <dgm:txPr/>
+    <dgm:style>
+      <a:lnRef idx="0">
+        <a:scrgbClr r="0" g="0" b="0"/>
+      </a:lnRef>
+      <a:fillRef idx="1">
+        <a:scrgbClr r="0" g="0" b="0"/>
+      </a:fillRef>
+      <a:effectRef idx="0">
+        <a:scrgbClr r="0" g="0" b="0"/>
+      </a:effectRef>
+      <a:fontRef idx="minor"/>
+    </dgm:style>
+  </dgm:styleLbl>
+  <dgm:styleLbl name="fgShp">
+    <dgm:scene3d>
+      <a:camera prst="orthographicFront"/>
+      <a:lightRig rig="threePt" dir="t"/>
+    </dgm:scene3d>
+    <dgm:sp3d/>
+    <dgm:txPr/>
+    <dgm:style>
+      <a:lnRef idx="2">
+        <a:scrgbClr r="0" g="0" b="0"/>
+      </a:lnRef>
+      <a:fillRef idx="1">
+        <a:scrgbClr r="0" g="0" b="0"/>
+      </a:fillRef>
+      <a:effectRef idx="0">
+        <a:scrgbClr r="0" g="0" b="0"/>
+      </a:effectRef>
+      <a:fontRef idx="minor"/>
+    </dgm:style>
+  </dgm:styleLbl>
+  <dgm:styleLbl name="revTx">
+    <dgm:scene3d>
+      <a:camera prst="orthographicFront"/>
+      <a:lightRig rig="threePt" dir="t"/>
+    </dgm:scene3d>
+    <dgm:sp3d/>
+    <dgm:txPr/>
+    <dgm:style>
+      <a:lnRef idx="0">
+        <a:scrgbClr r="0" g="0" b="0"/>
+      </a:lnRef>
+      <a:fillRef idx="0">
+        <a:scrgbClr r="0" g="0" b="0"/>
+      </a:fillRef>
+      <a:effectRef idx="0">
+        <a:scrgbClr r="0" g="0" b="0"/>
+      </a:effectRef>
+      <a:fontRef idx="minor"/>
+    </dgm:style>
+  </dgm:styleLbl>
+</dgm:styleDef>
+</file>
+
 <file path=ppt/slideLayouts/slideLayout1.xml><?xml version="1.0" encoding="utf-8"?>
 <p:sldLayout xmlns:a="http://schemas.openxmlformats.org/drawingml/2006/main" xmlns:r="http://schemas.openxmlformats.org/officeDocument/2006/relationships" xmlns:p="http://schemas.openxmlformats.org/presentationml/2006/main" type="title" preserve="1">
   <p:cSld name="Diapositive de titre">
@@ -303,7 +4035,7 @@
             <a:fld id="{B61BEF0D-F0BB-DE4B-95CE-6DB70DBA9567}" type="datetimeFigureOut">
               <a:rPr lang="en-US" dirty="0"/>
               <a:pPr/>
-              <a:t>1/20/2021</a:t>
+              <a:t>2/10/2021</a:t>
             </a:fld>
             <a:endParaRPr lang="en-US" dirty="0"/>
           </a:p>
@@ -638,7 +4370,7 @@
             <a:fld id="{B61BEF0D-F0BB-DE4B-95CE-6DB70DBA9567}" type="datetimeFigureOut">
               <a:rPr lang="en-US" dirty="0"/>
               <a:pPr/>
-              <a:t>1/20/2021</a:t>
+              <a:t>2/10/2021</a:t>
             </a:fld>
             <a:endParaRPr lang="en-US" dirty="0"/>
           </a:p>
@@ -1036,7 +4768,7 @@
             <a:fld id="{B61BEF0D-F0BB-DE4B-95CE-6DB70DBA9567}" type="datetimeFigureOut">
               <a:rPr lang="en-US" dirty="0"/>
               <a:pPr/>
-              <a:t>1/20/2021</a:t>
+              <a:t>2/10/2021</a:t>
             </a:fld>
             <a:endParaRPr lang="en-US" dirty="0"/>
           </a:p>
@@ -1369,7 +5101,7 @@
             <a:fld id="{B61BEF0D-F0BB-DE4B-95CE-6DB70DBA9567}" type="datetimeFigureOut">
               <a:rPr lang="en-US" dirty="0"/>
               <a:pPr/>
-              <a:t>1/20/2021</a:t>
+              <a:t>2/10/2021</a:t>
             </a:fld>
             <a:endParaRPr lang="en-US" dirty="0"/>
           </a:p>
@@ -1686,7 +5418,7 @@
             <a:fld id="{B61BEF0D-F0BB-DE4B-95CE-6DB70DBA9567}" type="datetimeFigureOut">
               <a:rPr lang="en-US" dirty="0"/>
               <a:pPr/>
-              <a:t>1/20/2021</a:t>
+              <a:t>2/10/2021</a:t>
             </a:fld>
             <a:endParaRPr lang="en-US" dirty="0"/>
           </a:p>
@@ -2079,7 +5811,7 @@
             <a:fld id="{B61BEF0D-F0BB-DE4B-95CE-6DB70DBA9567}" type="datetimeFigureOut">
               <a:rPr lang="en-US" dirty="0"/>
               <a:pPr/>
-              <a:t>1/20/2021</a:t>
+              <a:t>2/10/2021</a:t>
             </a:fld>
             <a:endParaRPr lang="en-US" dirty="0"/>
           </a:p>
@@ -2333,7 +6065,7 @@
             <a:fld id="{B61BEF0D-F0BB-DE4B-95CE-6DB70DBA9567}" type="datetimeFigureOut">
               <a:rPr lang="en-US" dirty="0"/>
               <a:pPr/>
-              <a:t>1/20/2021</a:t>
+              <a:t>2/10/2021</a:t>
             </a:fld>
             <a:endParaRPr lang="en-US" dirty="0"/>
           </a:p>
@@ -2592,7 +6324,7 @@
             <a:fld id="{B61BEF0D-F0BB-DE4B-95CE-6DB70DBA9567}" type="datetimeFigureOut">
               <a:rPr lang="en-US" dirty="0"/>
               <a:pPr/>
-              <a:t>1/20/2021</a:t>
+              <a:t>2/10/2021</a:t>
             </a:fld>
             <a:endParaRPr lang="en-US" dirty="0"/>
           </a:p>
@@ -2851,7 +6583,7 @@
             <a:fld id="{B61BEF0D-F0BB-DE4B-95CE-6DB70DBA9567}" type="datetimeFigureOut">
               <a:rPr lang="en-US" dirty="0"/>
               <a:pPr/>
-              <a:t>1/20/2021</a:t>
+              <a:t>2/10/2021</a:t>
             </a:fld>
             <a:endParaRPr lang="en-US" dirty="0"/>
           </a:p>
@@ -3177,7 +6909,7 @@
             <a:fld id="{B61BEF0D-F0BB-DE4B-95CE-6DB70DBA9567}" type="datetimeFigureOut">
               <a:rPr lang="en-US" dirty="0"/>
               <a:pPr/>
-              <a:t>1/20/2021</a:t>
+              <a:t>2/10/2021</a:t>
             </a:fld>
             <a:endParaRPr lang="en-US" dirty="0"/>
           </a:p>
@@ -3497,7 +7229,7 @@
             <a:fld id="{B61BEF0D-F0BB-DE4B-95CE-6DB70DBA9567}" type="datetimeFigureOut">
               <a:rPr lang="en-US" dirty="0"/>
               <a:pPr/>
-              <a:t>1/20/2021</a:t>
+              <a:t>2/10/2021</a:t>
             </a:fld>
             <a:endParaRPr lang="en-US" dirty="0"/>
           </a:p>
@@ -3951,7 +7683,7 @@
             <a:fld id="{B61BEF0D-F0BB-DE4B-95CE-6DB70DBA9567}" type="datetimeFigureOut">
               <a:rPr lang="en-US" dirty="0"/>
               <a:pPr/>
-              <a:t>1/20/2021</a:t>
+              <a:t>2/10/2021</a:t>
             </a:fld>
             <a:endParaRPr lang="en-US" dirty="0"/>
           </a:p>
@@ -4153,7 +7885,7 @@
             <a:fld id="{B61BEF0D-F0BB-DE4B-95CE-6DB70DBA9567}" type="datetimeFigureOut">
               <a:rPr lang="en-US" dirty="0"/>
               <a:pPr/>
-              <a:t>1/20/2021</a:t>
+              <a:t>2/10/2021</a:t>
             </a:fld>
             <a:endParaRPr lang="en-US" dirty="0"/>
           </a:p>
@@ -4327,7 +8059,7 @@
             <a:fld id="{B61BEF0D-F0BB-DE4B-95CE-6DB70DBA9567}" type="datetimeFigureOut">
               <a:rPr lang="en-US" dirty="0"/>
               <a:pPr/>
-              <a:t>1/20/2021</a:t>
+              <a:t>2/10/2021</a:t>
             </a:fld>
             <a:endParaRPr lang="en-US" dirty="0"/>
           </a:p>
@@ -4657,7 +8389,7 @@
             <a:fld id="{B61BEF0D-F0BB-DE4B-95CE-6DB70DBA9567}" type="datetimeFigureOut">
               <a:rPr lang="en-US" dirty="0"/>
               <a:pPr/>
-              <a:t>1/20/2021</a:t>
+              <a:t>2/10/2021</a:t>
             </a:fld>
             <a:endParaRPr lang="en-US" dirty="0"/>
           </a:p>
@@ -4999,7 +8731,7 @@
             <a:fld id="{B61BEF0D-F0BB-DE4B-95CE-6DB70DBA9567}" type="datetimeFigureOut">
               <a:rPr lang="en-US" dirty="0"/>
               <a:pPr/>
-              <a:t>1/20/2021</a:t>
+              <a:t>2/10/2021</a:t>
             </a:fld>
             <a:endParaRPr lang="en-US" dirty="0"/>
           </a:p>
@@ -7113,7 +10845,7 @@
             <a:fld id="{B61BEF0D-F0BB-DE4B-95CE-6DB70DBA9567}" type="datetimeFigureOut">
               <a:rPr lang="en-US" dirty="0"/>
               <a:pPr/>
-              <a:t>1/20/2021</a:t>
+              <a:t>2/10/2021</a:t>
             </a:fld>
             <a:endParaRPr lang="en-US" dirty="0"/>
           </a:p>
@@ -7675,7 +11407,7 @@
       </p:sp>
       <p:pic>
         <p:nvPicPr>
-          <p:cNvPr id="5" name="Image 4"/>
+          <p:cNvPr id="4" name="Image 3"/>
           <p:cNvPicPr>
             <a:picLocks noChangeAspect="1"/>
           </p:cNvPicPr>
@@ -7695,8 +11427,8 @@
         </p:blipFill>
         <p:spPr>
           <a:xfrm>
-            <a:off x="9677442" y="240210"/>
-            <a:ext cx="1827170" cy="1353459"/>
+            <a:off x="11294985" y="189379"/>
+            <a:ext cx="731583" cy="731583"/>
           </a:xfrm>
           <a:prstGeom prst="rect">
             <a:avLst/>
@@ -7757,7 +11489,15 @@
           <a:p>
             <a:r>
               <a:rPr lang="fr-FR" b="1" dirty="0"/>
-              <a:t>Améliorer votre quotidien depuis votre mobile</a:t>
+              <a:t>Améliorer votre quotidien </a:t>
+            </a:r>
+            <a:r>
+              <a:rPr lang="fr-FR" b="1" dirty="0" smtClean="0"/>
+              <a:t>avec </a:t>
+            </a:r>
+            <a:r>
+              <a:rPr lang="fr-FR" b="1" dirty="0"/>
+              <a:t>votre mobile</a:t>
             </a:r>
             <a:endParaRPr lang="en-US" dirty="0"/>
           </a:p>
@@ -7779,10 +11519,14 @@
           <a:lstStyle/>
           <a:p>
             <a:r>
+              <a:rPr lang="fr-FR" dirty="0" smtClean="0"/>
+              <a:t>La </a:t>
+            </a:r>
+            <a:r>
               <a:rPr lang="fr-FR" dirty="0"/>
-              <a:t>La technologie a ouvert la voie à de nouveaux développements, de nouvelles trouvailles, et de nouvelles manières de les partager. D'un simple toucher, vous pouvez aujourd'hui partager vos cartes de visite, tout en redoublant d'efficacité. Prête à l'emploi, smart-clik met à disposition toute sa technologie pour votre plus grand confort d'utilisation. Testez notre application c'est l'adopter. N'attendez plus !</a:t>
+              <a:t>technologie a ouvert la voie à de nouveaux développements, de nouvelles trouvailles, et de nouvelles manières de les partager. D'un simple toucher, vous pouvez aujourd'hui partager vos cartes de visite, tout en redoublant d'efficacité</a:t>
             </a:r>
-            <a:endParaRPr lang="en-US" dirty="0"/>
+            <a:endParaRPr lang="fr-FR" dirty="0"/>
           </a:p>
         </p:txBody>
       </p:sp>
@@ -7912,7 +11656,7 @@
             <a:spLocks noGrp="1"/>
           </p:cNvSpPr>
           <p:nvPr>
-            <p:ph type="ctrTitle"/>
+            <p:ph type="title"/>
           </p:nvPr>
         </p:nvSpPr>
         <p:spPr/>
@@ -7921,21 +11665,110 @@
           <a:lstStyle/>
           <a:p>
             <a:r>
-              <a:rPr lang="en-US" dirty="0" smtClean="0"/>
-              <a:t>Tutorial 1 : Comment s’inscrire sur Smart-Clik</a:t>
+              <a:rPr lang="fr-FR" dirty="0" smtClean="0"/>
+              <a:t>Une solution adaptée à vos besoins</a:t>
             </a:r>
-            <a:endParaRPr lang="en-US" dirty="0"/>
+            <a:endParaRPr lang="fr-FR" dirty="0"/>
           </a:p>
         </p:txBody>
       </p:sp>
       <p:sp>
         <p:nvSpPr>
-          <p:cNvPr id="6" name="Sous-titre 5"/>
+          <p:cNvPr id="3" name="Espace réservé du contenu 2"/>
           <p:cNvSpPr>
             <a:spLocks noGrp="1"/>
           </p:cNvSpPr>
           <p:nvPr>
-            <p:ph type="subTitle" idx="1"/>
+            <p:ph idx="1"/>
+          </p:nvPr>
+        </p:nvSpPr>
+        <p:spPr>
+          <a:xfrm>
+            <a:off x="2589212" y="1754778"/>
+            <a:ext cx="8915400" cy="3777622"/>
+          </a:xfrm>
+        </p:spPr>
+        <p:txBody>
+          <a:bodyPr/>
+          <a:lstStyle/>
+          <a:p>
+            <a:r>
+              <a:rPr lang="fr-FR" dirty="0"/>
+              <a:t>Prête à l'emploi, smart-clik met à votre disposition toute sa technologie pour votre plus grand confort d'utilisation. Testez notre application c'est l'adopter. N'attendez plus !</a:t>
+            </a:r>
+            <a:endParaRPr lang="en-US" dirty="0"/>
+          </a:p>
+        </p:txBody>
+      </p:sp>
+      <p:pic>
+        <p:nvPicPr>
+          <p:cNvPr id="5" name="Image 4"/>
+          <p:cNvPicPr>
+            <a:picLocks noChangeAspect="1"/>
+          </p:cNvPicPr>
+          <p:nvPr/>
+        </p:nvPicPr>
+        <p:blipFill>
+          <a:blip r:embed="rId2"/>
+          <a:stretch>
+            <a:fillRect/>
+          </a:stretch>
+        </p:blipFill>
+        <p:spPr>
+          <a:xfrm>
+            <a:off x="4611189" y="2706440"/>
+            <a:ext cx="3944982" cy="4088025"/>
+          </a:xfrm>
+          <a:prstGeom prst="rect">
+            <a:avLst/>
+          </a:prstGeom>
+        </p:spPr>
+      </p:pic>
+    </p:spTree>
+    <p:extLst>
+      <p:ext uri="{BB962C8B-B14F-4D97-AF65-F5344CB8AC3E}">
+        <p14:creationId xmlns:p14="http://schemas.microsoft.com/office/powerpoint/2010/main" val="2402714937"/>
+      </p:ext>
+    </p:extLst>
+  </p:cSld>
+  <p:clrMapOvr>
+    <a:masterClrMapping/>
+  </p:clrMapOvr>
+  <p:timing>
+    <p:tnLst>
+      <p:par>
+        <p:cTn id="1" dur="indefinite" restart="never" nodeType="tmRoot"/>
+      </p:par>
+    </p:tnLst>
+  </p:timing>
+</p:sld>
+</file>
+
+<file path=ppt/slides/slide4.xml><?xml version="1.0" encoding="utf-8"?>
+<p:sld xmlns:a="http://schemas.openxmlformats.org/drawingml/2006/main" xmlns:r="http://schemas.openxmlformats.org/officeDocument/2006/relationships" xmlns:p="http://schemas.openxmlformats.org/presentationml/2006/main">
+  <p:cSld>
+    <p:spTree>
+      <p:nvGrpSpPr>
+        <p:cNvPr id="1" name=""/>
+        <p:cNvGrpSpPr/>
+        <p:nvPr/>
+      </p:nvGrpSpPr>
+      <p:grpSpPr>
+        <a:xfrm>
+          <a:off x="0" y="0"/>
+          <a:ext cx="0" cy="0"/>
+          <a:chOff x="0" y="0"/>
+          <a:chExt cx="0" cy="0"/>
+        </a:xfrm>
+      </p:grpSpPr>
+      <p:sp>
+        <p:nvSpPr>
+          <p:cNvPr id="2" name="Titre 1"/>
+          <p:cNvSpPr>
+            <a:spLocks noGrp="1"/>
+          </p:cNvSpPr>
+          <p:nvPr>
+            <p:ph type="title"/>
           </p:nvPr>
         </p:nvSpPr>
         <p:spPr/>
@@ -7943,14 +11776,1398 @@
           <a:bodyPr/>
           <a:lstStyle/>
           <a:p>
-            <a:endParaRPr lang="en-US"/>
+            <a:r>
+              <a:rPr lang="en-US" dirty="0" smtClean="0"/>
+              <a:t>Les </a:t>
+            </a:r>
+            <a:r>
+              <a:rPr lang="en-US" dirty="0" err="1" smtClean="0"/>
+              <a:t>formules</a:t>
+            </a:r>
+            <a:endParaRPr lang="en-US" dirty="0"/>
           </a:p>
         </p:txBody>
       </p:sp>
+      <p:graphicFrame>
+        <p:nvGraphicFramePr>
+          <p:cNvPr id="4" name="Espace réservé du contenu 3"/>
+          <p:cNvGraphicFramePr>
+            <a:graphicFrameLocks noGrp="1"/>
+          </p:cNvGraphicFramePr>
+          <p:nvPr>
+            <p:ph idx="1"/>
+            <p:extLst>
+              <p:ext uri="{D42A27DB-BD31-4B8C-83A1-F6EECF244321}">
+                <p14:modId xmlns:p14="http://schemas.microsoft.com/office/powerpoint/2010/main" val="2187840494"/>
+              </p:ext>
+            </p:extLst>
+          </p:nvPr>
+        </p:nvGraphicFramePr>
+        <p:xfrm>
+          <a:off x="2589213" y="2133600"/>
+          <a:ext cx="8915400" cy="3778250"/>
+        </p:xfrm>
+        <a:graphic>
+          <a:graphicData uri="http://schemas.openxmlformats.org/drawingml/2006/diagram">
+            <dgm:relIds xmlns:dgm="http://schemas.openxmlformats.org/drawingml/2006/diagram" xmlns:r="http://schemas.openxmlformats.org/officeDocument/2006/relationships" r:dm="rId2" r:lo="rId3" r:qs="rId4" r:cs="rId5"/>
+          </a:graphicData>
+        </a:graphic>
+      </p:graphicFrame>
     </p:spTree>
     <p:extLst>
       <p:ext uri="{BB962C8B-B14F-4D97-AF65-F5344CB8AC3E}">
-        <p14:creationId xmlns:p14="http://schemas.microsoft.com/office/powerpoint/2010/main" val="2629450804"/>
+        <p14:creationId xmlns:p14="http://schemas.microsoft.com/office/powerpoint/2010/main" val="2774238430"/>
+      </p:ext>
+    </p:extLst>
+  </p:cSld>
+  <p:clrMapOvr>
+    <a:masterClrMapping/>
+  </p:clrMapOvr>
+  <p:timing>
+    <p:tnLst>
+      <p:par>
+        <p:cTn id="1" dur="indefinite" restart="never" nodeType="tmRoot"/>
+      </p:par>
+    </p:tnLst>
+  </p:timing>
+</p:sld>
+</file>
+
+<file path=ppt/slides/slide5.xml><?xml version="1.0" encoding="utf-8"?>
+<p:sld xmlns:a="http://schemas.openxmlformats.org/drawingml/2006/main" xmlns:r="http://schemas.openxmlformats.org/officeDocument/2006/relationships" xmlns:p="http://schemas.openxmlformats.org/presentationml/2006/main">
+  <p:cSld>
+    <p:spTree>
+      <p:nvGrpSpPr>
+        <p:cNvPr id="1" name=""/>
+        <p:cNvGrpSpPr/>
+        <p:nvPr/>
+      </p:nvGrpSpPr>
+      <p:grpSpPr>
+        <a:xfrm>
+          <a:off x="0" y="0"/>
+          <a:ext cx="0" cy="0"/>
+          <a:chOff x="0" y="0"/>
+          <a:chExt cx="0" cy="0"/>
+        </a:xfrm>
+      </p:grpSpPr>
+      <p:sp>
+        <p:nvSpPr>
+          <p:cNvPr id="2" name="Titre 1"/>
+          <p:cNvSpPr>
+            <a:spLocks noGrp="1"/>
+          </p:cNvSpPr>
+          <p:nvPr>
+            <p:ph type="title"/>
+          </p:nvPr>
+        </p:nvSpPr>
+        <p:spPr/>
+        <p:txBody>
+          <a:bodyPr/>
+          <a:lstStyle/>
+          <a:p>
+            <a:r>
+              <a:rPr lang="en-US" dirty="0" smtClean="0"/>
+              <a:t>Les options </a:t>
+            </a:r>
+            <a:r>
+              <a:rPr lang="en-US" dirty="0" err="1" smtClean="0"/>
+              <a:t>supplémentaires</a:t>
+            </a:r>
+            <a:endParaRPr lang="en-US" dirty="0"/>
+          </a:p>
+        </p:txBody>
+      </p:sp>
+      <p:sp>
+        <p:nvSpPr>
+          <p:cNvPr id="3" name="Espace réservé du contenu 2"/>
+          <p:cNvSpPr>
+            <a:spLocks noGrp="1"/>
+          </p:cNvSpPr>
+          <p:nvPr>
+            <p:ph idx="1"/>
+          </p:nvPr>
+        </p:nvSpPr>
+        <p:spPr/>
+        <p:txBody>
+          <a:bodyPr/>
+          <a:lstStyle/>
+          <a:p>
+            <a:r>
+              <a:rPr lang="fr-FR" dirty="0" smtClean="0"/>
+              <a:t>Carte NFC encodé l’URL du profil du client</a:t>
+            </a:r>
+          </a:p>
+          <a:p>
+            <a:r>
+              <a:rPr lang="fr-FR" dirty="0" smtClean="0"/>
+              <a:t>Lot 50 cartes visites avec le QR Code</a:t>
+            </a:r>
+          </a:p>
+          <a:p>
+            <a:r>
+              <a:rPr lang="fr-FR" dirty="0" smtClean="0"/>
+              <a:t>Lot 50 cartes visites avec le QR Code et la puce NFC intégré</a:t>
+            </a:r>
+            <a:endParaRPr lang="fr-FR" dirty="0"/>
+          </a:p>
+        </p:txBody>
+      </p:sp>
+    </p:spTree>
+    <p:extLst>
+      <p:ext uri="{BB962C8B-B14F-4D97-AF65-F5344CB8AC3E}">
+        <p14:creationId xmlns:p14="http://schemas.microsoft.com/office/powerpoint/2010/main" val="1141591340"/>
+      </p:ext>
+    </p:extLst>
+  </p:cSld>
+  <p:clrMapOvr>
+    <a:masterClrMapping/>
+  </p:clrMapOvr>
+  <p:timing>
+    <p:tnLst>
+      <p:par>
+        <p:cTn id="1" dur="indefinite" restart="never" nodeType="tmRoot"/>
+      </p:par>
+    </p:tnLst>
+  </p:timing>
+</p:sld>
+</file>
+
+<file path=ppt/slides/slide6.xml><?xml version="1.0" encoding="utf-8"?>
+<p:sld xmlns:a="http://schemas.openxmlformats.org/drawingml/2006/main" xmlns:r="http://schemas.openxmlformats.org/officeDocument/2006/relationships" xmlns:p="http://schemas.openxmlformats.org/presentationml/2006/main">
+  <p:cSld>
+    <p:spTree>
+      <p:nvGrpSpPr>
+        <p:cNvPr id="1" name=""/>
+        <p:cNvGrpSpPr/>
+        <p:nvPr/>
+      </p:nvGrpSpPr>
+      <p:grpSpPr>
+        <a:xfrm>
+          <a:off x="0" y="0"/>
+          <a:ext cx="0" cy="0"/>
+          <a:chOff x="0" y="0"/>
+          <a:chExt cx="0" cy="0"/>
+        </a:xfrm>
+      </p:grpSpPr>
+      <p:sp>
+        <p:nvSpPr>
+          <p:cNvPr id="2" name="Titre 1"/>
+          <p:cNvSpPr>
+            <a:spLocks noGrp="1"/>
+          </p:cNvSpPr>
+          <p:nvPr>
+            <p:ph type="title"/>
+          </p:nvPr>
+        </p:nvSpPr>
+        <p:spPr/>
+        <p:txBody>
+          <a:bodyPr/>
+          <a:lstStyle/>
+          <a:p>
+            <a:r>
+              <a:rPr lang="en-US" dirty="0" smtClean="0"/>
+              <a:t>Description de </a:t>
+            </a:r>
+            <a:r>
+              <a:rPr lang="en-US" dirty="0" err="1" smtClean="0"/>
+              <a:t>l’offre</a:t>
+            </a:r>
+            <a:r>
+              <a:rPr lang="en-US" dirty="0" smtClean="0"/>
+              <a:t> Starter</a:t>
+            </a:r>
+            <a:endParaRPr lang="en-US" dirty="0"/>
+          </a:p>
+        </p:txBody>
+      </p:sp>
+      <p:sp>
+        <p:nvSpPr>
+          <p:cNvPr id="4" name="Rectangle 3"/>
+          <p:cNvSpPr/>
+          <p:nvPr/>
+        </p:nvSpPr>
+        <p:spPr>
+          <a:xfrm>
+            <a:off x="3547923" y="1905000"/>
+            <a:ext cx="4885508" cy="1593668"/>
+          </a:xfrm>
+          <a:prstGeom prst="rect">
+            <a:avLst/>
+          </a:prstGeom>
+        </p:spPr>
+        <p:style>
+          <a:lnRef idx="2">
+            <a:schemeClr val="accent1">
+              <a:shade val="50000"/>
+            </a:schemeClr>
+          </a:lnRef>
+          <a:fillRef idx="1">
+            <a:schemeClr val="accent1"/>
+          </a:fillRef>
+          <a:effectRef idx="0">
+            <a:schemeClr val="accent1"/>
+          </a:effectRef>
+          <a:fontRef idx="minor">
+            <a:schemeClr val="lt1"/>
+          </a:fontRef>
+        </p:style>
+        <p:txBody>
+          <a:bodyPr rtlCol="0" anchor="ctr"/>
+          <a:lstStyle/>
+          <a:p>
+            <a:pPr algn="ctr"/>
+            <a:r>
+              <a:rPr lang="fr-FR" dirty="0" smtClean="0"/>
+              <a:t>1 AN d’accès en illimité / modification de votre profil sur https://smart-clik.co</a:t>
+            </a:r>
+            <a:endParaRPr lang="fr-FR" dirty="0"/>
+          </a:p>
+        </p:txBody>
+      </p:sp>
+      <p:sp>
+        <p:nvSpPr>
+          <p:cNvPr id="5" name="Rectangle 4"/>
+          <p:cNvSpPr/>
+          <p:nvPr/>
+        </p:nvSpPr>
+        <p:spPr>
+          <a:xfrm>
+            <a:off x="3547923" y="4267200"/>
+            <a:ext cx="4885508" cy="1593668"/>
+          </a:xfrm>
+          <a:prstGeom prst="rect">
+            <a:avLst/>
+          </a:prstGeom>
+        </p:spPr>
+        <p:style>
+          <a:lnRef idx="2">
+            <a:schemeClr val="accent1">
+              <a:shade val="50000"/>
+            </a:schemeClr>
+          </a:lnRef>
+          <a:fillRef idx="1">
+            <a:schemeClr val="accent1"/>
+          </a:fillRef>
+          <a:effectRef idx="0">
+            <a:schemeClr val="accent1"/>
+          </a:effectRef>
+          <a:fontRef idx="minor">
+            <a:schemeClr val="lt1"/>
+          </a:fontRef>
+        </p:style>
+        <p:txBody>
+          <a:bodyPr rtlCol="0" anchor="ctr"/>
+          <a:lstStyle/>
+          <a:p>
+            <a:pPr algn="ctr"/>
+            <a:r>
+              <a:rPr lang="fr-FR" dirty="0" smtClean="0"/>
+              <a:t>Votre URL unique pour afficher à votre profil, l’ensemble de vos comptes réseaux sociaux </a:t>
+            </a:r>
+          </a:p>
+          <a:p>
+            <a:pPr algn="ctr"/>
+            <a:r>
+              <a:rPr lang="fr-FR" dirty="0" smtClean="0"/>
+              <a:t>Exemple : </a:t>
+            </a:r>
+            <a:br>
+              <a:rPr lang="fr-FR" dirty="0" smtClean="0"/>
+            </a:br>
+            <a:r>
+              <a:rPr lang="fr-FR" sz="1400" u="sng" dirty="0" smtClean="0"/>
+              <a:t>https://smart-clik.co/viewprofile/12345678901234567</a:t>
+            </a:r>
+            <a:endParaRPr lang="fr-FR" u="sng" dirty="0"/>
+          </a:p>
+        </p:txBody>
+      </p:sp>
+      <p:sp>
+        <p:nvSpPr>
+          <p:cNvPr id="6" name="Plus 5"/>
+          <p:cNvSpPr/>
+          <p:nvPr/>
+        </p:nvSpPr>
+        <p:spPr>
+          <a:xfrm>
+            <a:off x="5381897" y="3425734"/>
+            <a:ext cx="914400" cy="914400"/>
+          </a:xfrm>
+          <a:prstGeom prst="mathPlus">
+            <a:avLst/>
+          </a:prstGeom>
+        </p:spPr>
+        <p:style>
+          <a:lnRef idx="2">
+            <a:schemeClr val="accent1">
+              <a:shade val="50000"/>
+            </a:schemeClr>
+          </a:lnRef>
+          <a:fillRef idx="1">
+            <a:schemeClr val="accent1"/>
+          </a:fillRef>
+          <a:effectRef idx="0">
+            <a:schemeClr val="accent1"/>
+          </a:effectRef>
+          <a:fontRef idx="minor">
+            <a:schemeClr val="lt1"/>
+          </a:fontRef>
+        </p:style>
+        <p:txBody>
+          <a:bodyPr rtlCol="0" anchor="ctr"/>
+          <a:lstStyle/>
+          <a:p>
+            <a:pPr algn="ctr"/>
+            <a:endParaRPr lang="en-US"/>
+          </a:p>
+        </p:txBody>
+      </p:sp>
+    </p:spTree>
+    <p:extLst>
+      <p:ext uri="{BB962C8B-B14F-4D97-AF65-F5344CB8AC3E}">
+        <p14:creationId xmlns:p14="http://schemas.microsoft.com/office/powerpoint/2010/main" val="2600852130"/>
+      </p:ext>
+    </p:extLst>
+  </p:cSld>
+  <p:clrMapOvr>
+    <a:masterClrMapping/>
+  </p:clrMapOvr>
+  <p:timing>
+    <p:tnLst>
+      <p:par>
+        <p:cTn id="1" dur="indefinite" restart="never" nodeType="tmRoot"/>
+      </p:par>
+    </p:tnLst>
+  </p:timing>
+</p:sld>
+</file>
+
+<file path=ppt/slides/slide7.xml><?xml version="1.0" encoding="utf-8"?>
+<p:sld xmlns:a="http://schemas.openxmlformats.org/drawingml/2006/main" xmlns:r="http://schemas.openxmlformats.org/officeDocument/2006/relationships" xmlns:p="http://schemas.openxmlformats.org/presentationml/2006/main">
+  <p:cSld>
+    <p:spTree>
+      <p:nvGrpSpPr>
+        <p:cNvPr id="1" name=""/>
+        <p:cNvGrpSpPr/>
+        <p:nvPr/>
+      </p:nvGrpSpPr>
+      <p:grpSpPr>
+        <a:xfrm>
+          <a:off x="0" y="0"/>
+          <a:ext cx="0" cy="0"/>
+          <a:chOff x="0" y="0"/>
+          <a:chExt cx="0" cy="0"/>
+        </a:xfrm>
+      </p:grpSpPr>
+      <p:sp>
+        <p:nvSpPr>
+          <p:cNvPr id="2" name="Titre 1"/>
+          <p:cNvSpPr>
+            <a:spLocks noGrp="1"/>
+          </p:cNvSpPr>
+          <p:nvPr>
+            <p:ph type="title"/>
+          </p:nvPr>
+        </p:nvSpPr>
+        <p:spPr/>
+        <p:txBody>
+          <a:bodyPr/>
+          <a:lstStyle/>
+          <a:p>
+            <a:r>
+              <a:rPr lang="fr-FR" dirty="0" smtClean="0"/>
+              <a:t>Description de l’offre Business</a:t>
+            </a:r>
+            <a:endParaRPr lang="fr-FR" dirty="0"/>
+          </a:p>
+        </p:txBody>
+      </p:sp>
+      <p:grpSp>
+        <p:nvGrpSpPr>
+          <p:cNvPr id="7" name="Groupe 6"/>
+          <p:cNvGrpSpPr/>
+          <p:nvPr/>
+        </p:nvGrpSpPr>
+        <p:grpSpPr>
+          <a:xfrm>
+            <a:off x="2690950" y="2708366"/>
+            <a:ext cx="1985554" cy="1946365"/>
+            <a:chOff x="3547923" y="1905000"/>
+            <a:chExt cx="6208806" cy="4690380"/>
+          </a:xfrm>
+        </p:grpSpPr>
+        <p:sp>
+          <p:nvSpPr>
+            <p:cNvPr id="4" name="Rectangle 3"/>
+            <p:cNvSpPr/>
+            <p:nvPr/>
+          </p:nvSpPr>
+          <p:spPr>
+            <a:xfrm>
+              <a:off x="3547923" y="1905000"/>
+              <a:ext cx="6208806" cy="1593669"/>
+            </a:xfrm>
+            <a:prstGeom prst="rect">
+              <a:avLst/>
+            </a:prstGeom>
+          </p:spPr>
+          <p:style>
+            <a:lnRef idx="2">
+              <a:schemeClr val="accent1">
+                <a:shade val="50000"/>
+              </a:schemeClr>
+            </a:lnRef>
+            <a:fillRef idx="1">
+              <a:schemeClr val="accent1"/>
+            </a:fillRef>
+            <a:effectRef idx="0">
+              <a:schemeClr val="accent1"/>
+            </a:effectRef>
+            <a:fontRef idx="minor">
+              <a:schemeClr val="lt1"/>
+            </a:fontRef>
+          </p:style>
+          <p:txBody>
+            <a:bodyPr rtlCol="0" anchor="ctr"/>
+            <a:lstStyle/>
+            <a:p>
+              <a:pPr algn="ctr"/>
+              <a:r>
+                <a:rPr lang="fr-FR" sz="900" dirty="0" smtClean="0"/>
+                <a:t>1 AN d’accès en illimité / modification de votre profil sur https://smart-clik.co</a:t>
+              </a:r>
+              <a:endParaRPr lang="fr-FR" sz="900" dirty="0"/>
+            </a:p>
+          </p:txBody>
+        </p:sp>
+        <p:sp>
+          <p:nvSpPr>
+            <p:cNvPr id="5" name="Rectangle 4"/>
+            <p:cNvSpPr/>
+            <p:nvPr/>
+          </p:nvSpPr>
+          <p:spPr>
+            <a:xfrm>
+              <a:off x="3547923" y="4267197"/>
+              <a:ext cx="6208806" cy="2328183"/>
+            </a:xfrm>
+            <a:prstGeom prst="rect">
+              <a:avLst/>
+            </a:prstGeom>
+          </p:spPr>
+          <p:style>
+            <a:lnRef idx="2">
+              <a:schemeClr val="accent1">
+                <a:shade val="50000"/>
+              </a:schemeClr>
+            </a:lnRef>
+            <a:fillRef idx="1">
+              <a:schemeClr val="accent1"/>
+            </a:fillRef>
+            <a:effectRef idx="0">
+              <a:schemeClr val="accent1"/>
+            </a:effectRef>
+            <a:fontRef idx="minor">
+              <a:schemeClr val="lt1"/>
+            </a:fontRef>
+          </p:style>
+          <p:txBody>
+            <a:bodyPr rtlCol="0" anchor="ctr"/>
+            <a:lstStyle/>
+            <a:p>
+              <a:pPr algn="ctr"/>
+              <a:r>
+                <a:rPr lang="fr-FR" sz="900" dirty="0" smtClean="0"/>
+                <a:t>Votre URL unique pour afficher à votre profil, l’ensemble de vos comptes réseaux sociaux </a:t>
+              </a:r>
+            </a:p>
+            <a:p>
+              <a:pPr algn="ctr"/>
+              <a:r>
+                <a:rPr lang="fr-FR" sz="900" dirty="0" smtClean="0"/>
+                <a:t>Exemple : </a:t>
+              </a:r>
+              <a:br>
+                <a:rPr lang="fr-FR" sz="900" dirty="0" smtClean="0"/>
+              </a:br>
+              <a:r>
+                <a:rPr lang="fr-FR" sz="700" u="sng" dirty="0" smtClean="0"/>
+                <a:t>https://smart-clik.co/viewprofile/12345678901234567</a:t>
+              </a:r>
+              <a:endParaRPr lang="fr-FR" sz="900" u="sng" dirty="0"/>
+            </a:p>
+          </p:txBody>
+        </p:sp>
+        <p:sp>
+          <p:nvSpPr>
+            <p:cNvPr id="6" name="Plus 5"/>
+            <p:cNvSpPr/>
+            <p:nvPr/>
+          </p:nvSpPr>
+          <p:spPr>
+            <a:xfrm>
+              <a:off x="6195126" y="3425733"/>
+              <a:ext cx="914400" cy="914400"/>
+            </a:xfrm>
+            <a:prstGeom prst="mathPlus">
+              <a:avLst/>
+            </a:prstGeom>
+          </p:spPr>
+          <p:style>
+            <a:lnRef idx="2">
+              <a:schemeClr val="accent1">
+                <a:shade val="50000"/>
+              </a:schemeClr>
+            </a:lnRef>
+            <a:fillRef idx="1">
+              <a:schemeClr val="accent1"/>
+            </a:fillRef>
+            <a:effectRef idx="0">
+              <a:schemeClr val="accent1"/>
+            </a:effectRef>
+            <a:fontRef idx="minor">
+              <a:schemeClr val="lt1"/>
+            </a:fontRef>
+          </p:style>
+          <p:txBody>
+            <a:bodyPr rtlCol="0" anchor="ctr"/>
+            <a:lstStyle/>
+            <a:p>
+              <a:pPr algn="ctr"/>
+              <a:endParaRPr lang="fr-FR" sz="900" dirty="0"/>
+            </a:p>
+          </p:txBody>
+        </p:sp>
+      </p:grpSp>
+      <p:sp>
+        <p:nvSpPr>
+          <p:cNvPr id="8" name="ZoneTexte 7"/>
+          <p:cNvSpPr txBox="1"/>
+          <p:nvPr/>
+        </p:nvSpPr>
+        <p:spPr>
+          <a:xfrm>
+            <a:off x="2795452" y="4837613"/>
+            <a:ext cx="1505540" cy="369332"/>
+          </a:xfrm>
+          <a:prstGeom prst="rect">
+            <a:avLst/>
+          </a:prstGeom>
+          <a:noFill/>
+        </p:spPr>
+        <p:txBody>
+          <a:bodyPr wrap="none" rtlCol="0">
+            <a:spAutoFit/>
+          </a:bodyPr>
+          <a:lstStyle/>
+          <a:p>
+            <a:r>
+              <a:rPr lang="fr-FR" dirty="0" smtClean="0"/>
+              <a:t>Offre starter</a:t>
+            </a:r>
+            <a:endParaRPr lang="fr-FR" dirty="0"/>
+          </a:p>
+        </p:txBody>
+      </p:sp>
+      <p:sp>
+        <p:nvSpPr>
+          <p:cNvPr id="9" name="Rectangle à coins arrondis 8"/>
+          <p:cNvSpPr/>
+          <p:nvPr/>
+        </p:nvSpPr>
+        <p:spPr>
+          <a:xfrm>
+            <a:off x="5904410" y="1905000"/>
+            <a:ext cx="4572002" cy="1606732"/>
+          </a:xfrm>
+          <a:prstGeom prst="roundRect">
+            <a:avLst/>
+          </a:prstGeom>
+        </p:spPr>
+        <p:style>
+          <a:lnRef idx="2">
+            <a:schemeClr val="accent1">
+              <a:shade val="50000"/>
+            </a:schemeClr>
+          </a:lnRef>
+          <a:fillRef idx="1">
+            <a:schemeClr val="accent1"/>
+          </a:fillRef>
+          <a:effectRef idx="0">
+            <a:schemeClr val="accent1"/>
+          </a:effectRef>
+          <a:fontRef idx="minor">
+            <a:schemeClr val="lt1"/>
+          </a:fontRef>
+        </p:style>
+        <p:txBody>
+          <a:bodyPr rtlCol="0" anchor="ctr"/>
+          <a:lstStyle/>
+          <a:p>
+            <a:pPr algn="ctr"/>
+            <a:r>
+              <a:rPr lang="fr-FR" sz="1600" dirty="0" smtClean="0"/>
+              <a:t>Accès à votre profil avec votre domaine personnalisé.</a:t>
+            </a:r>
+          </a:p>
+          <a:p>
+            <a:pPr algn="ctr"/>
+            <a:r>
+              <a:rPr lang="fr-FR" sz="1400" dirty="0" smtClean="0"/>
+              <a:t>Exemple </a:t>
+            </a:r>
+            <a:r>
+              <a:rPr lang="fr-FR" sz="1400" dirty="0" smtClean="0">
+                <a:hlinkClick r:id="rId2"/>
+              </a:rPr>
+              <a:t>https://smart.com</a:t>
+            </a:r>
+            <a:r>
+              <a:rPr lang="fr-FR" sz="1400" dirty="0" smtClean="0"/>
+              <a:t> =&gt; </a:t>
+            </a:r>
+            <a:r>
+              <a:rPr lang="fr-FR" sz="1400" u="sng" dirty="0" smtClean="0"/>
+              <a:t>https://smart-click.co/viewprofile/12345678901234567 </a:t>
+            </a:r>
+            <a:endParaRPr lang="fr-FR" sz="1400" u="sng" dirty="0"/>
+          </a:p>
+        </p:txBody>
+      </p:sp>
+      <p:sp>
+        <p:nvSpPr>
+          <p:cNvPr id="10" name="Rectangle à coins arrondis 9"/>
+          <p:cNvSpPr/>
+          <p:nvPr/>
+        </p:nvSpPr>
+        <p:spPr>
+          <a:xfrm>
+            <a:off x="5904410" y="3988527"/>
+            <a:ext cx="4572002" cy="907869"/>
+          </a:xfrm>
+          <a:prstGeom prst="roundRect">
+            <a:avLst/>
+          </a:prstGeom>
+        </p:spPr>
+        <p:style>
+          <a:lnRef idx="2">
+            <a:schemeClr val="accent1">
+              <a:shade val="50000"/>
+            </a:schemeClr>
+          </a:lnRef>
+          <a:fillRef idx="1">
+            <a:schemeClr val="accent1"/>
+          </a:fillRef>
+          <a:effectRef idx="0">
+            <a:schemeClr val="accent1"/>
+          </a:effectRef>
+          <a:fontRef idx="minor">
+            <a:schemeClr val="lt1"/>
+          </a:fontRef>
+        </p:style>
+        <p:txBody>
+          <a:bodyPr rtlCol="0" anchor="ctr"/>
+          <a:lstStyle/>
+          <a:p>
+            <a:pPr algn="ctr"/>
+            <a:r>
+              <a:rPr lang="fr-FR" sz="1600" dirty="0" smtClean="0"/>
+              <a:t>Création et habillage graphique de 3 comptes réseaux sociaux</a:t>
+            </a:r>
+            <a:endParaRPr lang="fr-FR" sz="1400" u="sng" dirty="0"/>
+          </a:p>
+        </p:txBody>
+      </p:sp>
+      <p:sp>
+        <p:nvSpPr>
+          <p:cNvPr id="11" name="Plus 10"/>
+          <p:cNvSpPr/>
+          <p:nvPr/>
+        </p:nvSpPr>
+        <p:spPr>
+          <a:xfrm>
+            <a:off x="7733211" y="3489179"/>
+            <a:ext cx="574766" cy="499348"/>
+          </a:xfrm>
+          <a:prstGeom prst="mathPlus">
+            <a:avLst/>
+          </a:prstGeom>
+        </p:spPr>
+        <p:style>
+          <a:lnRef idx="2">
+            <a:schemeClr val="accent1">
+              <a:shade val="50000"/>
+            </a:schemeClr>
+          </a:lnRef>
+          <a:fillRef idx="1">
+            <a:schemeClr val="accent1"/>
+          </a:fillRef>
+          <a:effectRef idx="0">
+            <a:schemeClr val="accent1"/>
+          </a:effectRef>
+          <a:fontRef idx="minor">
+            <a:schemeClr val="lt1"/>
+          </a:fontRef>
+        </p:style>
+        <p:txBody>
+          <a:bodyPr rtlCol="0" anchor="ctr"/>
+          <a:lstStyle/>
+          <a:p>
+            <a:pPr algn="ctr"/>
+            <a:endParaRPr lang="en-US"/>
+          </a:p>
+        </p:txBody>
+      </p:sp>
+      <p:sp>
+        <p:nvSpPr>
+          <p:cNvPr id="12" name="Rectangle à coins arrondis 11"/>
+          <p:cNvSpPr/>
+          <p:nvPr/>
+        </p:nvSpPr>
+        <p:spPr>
+          <a:xfrm>
+            <a:off x="5852158" y="5395744"/>
+            <a:ext cx="4572002" cy="907869"/>
+          </a:xfrm>
+          <a:prstGeom prst="roundRect">
+            <a:avLst/>
+          </a:prstGeom>
+        </p:spPr>
+        <p:style>
+          <a:lnRef idx="2">
+            <a:schemeClr val="accent1">
+              <a:shade val="50000"/>
+            </a:schemeClr>
+          </a:lnRef>
+          <a:fillRef idx="1">
+            <a:schemeClr val="accent1"/>
+          </a:fillRef>
+          <a:effectRef idx="0">
+            <a:schemeClr val="accent1"/>
+          </a:effectRef>
+          <a:fontRef idx="minor">
+            <a:schemeClr val="lt1"/>
+          </a:fontRef>
+        </p:style>
+        <p:txBody>
+          <a:bodyPr rtlCol="0" anchor="ctr"/>
+          <a:lstStyle/>
+          <a:p>
+            <a:pPr algn="ctr"/>
+            <a:r>
+              <a:rPr lang="fr-FR" sz="1600" dirty="0" smtClean="0"/>
+              <a:t>Intégration de votre profil dans </a:t>
+            </a:r>
+            <a:r>
+              <a:rPr lang="fr-FR" sz="1600" dirty="0" err="1" smtClean="0"/>
+              <a:t>google</a:t>
+            </a:r>
+            <a:r>
+              <a:rPr lang="fr-FR" sz="1600" dirty="0" smtClean="0"/>
+              <a:t> </a:t>
+            </a:r>
+            <a:r>
+              <a:rPr lang="fr-FR" sz="1600" dirty="0" err="1" smtClean="0"/>
+              <a:t>Analytics</a:t>
+            </a:r>
+            <a:r>
+              <a:rPr lang="fr-FR" sz="1600" dirty="0" smtClean="0"/>
+              <a:t> pour suivre les statistiques de fréquentation</a:t>
+            </a:r>
+            <a:endParaRPr lang="fr-FR" sz="1400" u="sng" dirty="0"/>
+          </a:p>
+        </p:txBody>
+      </p:sp>
+      <p:sp>
+        <p:nvSpPr>
+          <p:cNvPr id="13" name="Plus 12"/>
+          <p:cNvSpPr/>
+          <p:nvPr/>
+        </p:nvSpPr>
+        <p:spPr>
+          <a:xfrm>
+            <a:off x="7680959" y="4896396"/>
+            <a:ext cx="574766" cy="499348"/>
+          </a:xfrm>
+          <a:prstGeom prst="mathPlus">
+            <a:avLst/>
+          </a:prstGeom>
+        </p:spPr>
+        <p:style>
+          <a:lnRef idx="2">
+            <a:schemeClr val="accent1">
+              <a:shade val="50000"/>
+            </a:schemeClr>
+          </a:lnRef>
+          <a:fillRef idx="1">
+            <a:schemeClr val="accent1"/>
+          </a:fillRef>
+          <a:effectRef idx="0">
+            <a:schemeClr val="accent1"/>
+          </a:effectRef>
+          <a:fontRef idx="minor">
+            <a:schemeClr val="lt1"/>
+          </a:fontRef>
+        </p:style>
+        <p:txBody>
+          <a:bodyPr rtlCol="0" anchor="ctr"/>
+          <a:lstStyle/>
+          <a:p>
+            <a:pPr algn="ctr"/>
+            <a:endParaRPr lang="en-US"/>
+          </a:p>
+        </p:txBody>
+      </p:sp>
+      <p:sp>
+        <p:nvSpPr>
+          <p:cNvPr id="14" name="Plus 13"/>
+          <p:cNvSpPr/>
+          <p:nvPr/>
+        </p:nvSpPr>
+        <p:spPr>
+          <a:xfrm>
+            <a:off x="4867174" y="3170493"/>
+            <a:ext cx="914400" cy="914400"/>
+          </a:xfrm>
+          <a:prstGeom prst="mathPlus">
+            <a:avLst/>
+          </a:prstGeom>
+        </p:spPr>
+        <p:style>
+          <a:lnRef idx="2">
+            <a:schemeClr val="accent1">
+              <a:shade val="50000"/>
+            </a:schemeClr>
+          </a:lnRef>
+          <a:fillRef idx="1">
+            <a:schemeClr val="accent1"/>
+          </a:fillRef>
+          <a:effectRef idx="0">
+            <a:schemeClr val="accent1"/>
+          </a:effectRef>
+          <a:fontRef idx="minor">
+            <a:schemeClr val="lt1"/>
+          </a:fontRef>
+        </p:style>
+        <p:txBody>
+          <a:bodyPr rtlCol="0" anchor="ctr"/>
+          <a:lstStyle/>
+          <a:p>
+            <a:pPr algn="ctr"/>
+            <a:endParaRPr lang="en-US"/>
+          </a:p>
+        </p:txBody>
+      </p:sp>
+    </p:spTree>
+    <p:extLst>
+      <p:ext uri="{BB962C8B-B14F-4D97-AF65-F5344CB8AC3E}">
+        <p14:creationId xmlns:p14="http://schemas.microsoft.com/office/powerpoint/2010/main" val="2528562192"/>
+      </p:ext>
+    </p:extLst>
+  </p:cSld>
+  <p:clrMapOvr>
+    <a:masterClrMapping/>
+  </p:clrMapOvr>
+  <p:timing>
+    <p:tnLst>
+      <p:par>
+        <p:cTn id="1" dur="indefinite" restart="never" nodeType="tmRoot"/>
+      </p:par>
+    </p:tnLst>
+  </p:timing>
+</p:sld>
+</file>
+
+<file path=ppt/slides/slide8.xml><?xml version="1.0" encoding="utf-8"?>
+<p:sld xmlns:a="http://schemas.openxmlformats.org/drawingml/2006/main" xmlns:r="http://schemas.openxmlformats.org/officeDocument/2006/relationships" xmlns:p="http://schemas.openxmlformats.org/presentationml/2006/main">
+  <p:cSld>
+    <p:spTree>
+      <p:nvGrpSpPr>
+        <p:cNvPr id="1" name=""/>
+        <p:cNvGrpSpPr/>
+        <p:nvPr/>
+      </p:nvGrpSpPr>
+      <p:grpSpPr>
+        <a:xfrm>
+          <a:off x="0" y="0"/>
+          <a:ext cx="0" cy="0"/>
+          <a:chOff x="0" y="0"/>
+          <a:chExt cx="0" cy="0"/>
+        </a:xfrm>
+      </p:grpSpPr>
+      <p:sp>
+        <p:nvSpPr>
+          <p:cNvPr id="2" name="Titre 1"/>
+          <p:cNvSpPr>
+            <a:spLocks noGrp="1"/>
+          </p:cNvSpPr>
+          <p:nvPr>
+            <p:ph type="title"/>
+          </p:nvPr>
+        </p:nvSpPr>
+        <p:spPr/>
+        <p:txBody>
+          <a:bodyPr/>
+          <a:lstStyle/>
+          <a:p>
+            <a:r>
+              <a:rPr lang="fr-FR" dirty="0" smtClean="0"/>
+              <a:t>Description de l’offre Entreprise</a:t>
+            </a:r>
+            <a:endParaRPr lang="fr-FR" dirty="0"/>
+          </a:p>
+        </p:txBody>
+      </p:sp>
+      <p:pic>
+        <p:nvPicPr>
+          <p:cNvPr id="15" name="Image 14"/>
+          <p:cNvPicPr>
+            <a:picLocks noChangeAspect="1"/>
+          </p:cNvPicPr>
+          <p:nvPr/>
+        </p:nvPicPr>
+        <p:blipFill>
+          <a:blip r:embed="rId2"/>
+          <a:stretch>
+            <a:fillRect/>
+          </a:stretch>
+        </p:blipFill>
+        <p:spPr>
+          <a:xfrm>
+            <a:off x="927066" y="1632857"/>
+            <a:ext cx="2881966" cy="1637839"/>
+          </a:xfrm>
+          <a:prstGeom prst="rect">
+            <a:avLst/>
+          </a:prstGeom>
+        </p:spPr>
+      </p:pic>
+      <p:sp>
+        <p:nvSpPr>
+          <p:cNvPr id="16" name="ZoneTexte 15"/>
+          <p:cNvSpPr txBox="1"/>
+          <p:nvPr/>
+        </p:nvSpPr>
+        <p:spPr>
+          <a:xfrm>
+            <a:off x="2114337" y="3270696"/>
+            <a:ext cx="1694695" cy="369332"/>
+          </a:xfrm>
+          <a:prstGeom prst="rect">
+            <a:avLst/>
+          </a:prstGeom>
+          <a:noFill/>
+        </p:spPr>
+        <p:txBody>
+          <a:bodyPr wrap="none" rtlCol="0">
+            <a:spAutoFit/>
+          </a:bodyPr>
+          <a:lstStyle/>
+          <a:p>
+            <a:r>
+              <a:rPr lang="fr-FR" b="1" dirty="0" smtClean="0"/>
+              <a:t>Offre</a:t>
+            </a:r>
+            <a:r>
+              <a:rPr lang="en-US" b="1" dirty="0" smtClean="0"/>
+              <a:t> Business</a:t>
+            </a:r>
+            <a:endParaRPr lang="en-US" b="1" dirty="0"/>
+          </a:p>
+        </p:txBody>
+      </p:sp>
+      <p:sp>
+        <p:nvSpPr>
+          <p:cNvPr id="17" name="Plus 16"/>
+          <p:cNvSpPr/>
+          <p:nvPr/>
+        </p:nvSpPr>
+        <p:spPr>
+          <a:xfrm>
+            <a:off x="4049485" y="2220686"/>
+            <a:ext cx="373500" cy="365760"/>
+          </a:xfrm>
+          <a:prstGeom prst="mathPlus">
+            <a:avLst/>
+          </a:prstGeom>
+        </p:spPr>
+        <p:style>
+          <a:lnRef idx="2">
+            <a:schemeClr val="accent1">
+              <a:shade val="50000"/>
+            </a:schemeClr>
+          </a:lnRef>
+          <a:fillRef idx="1">
+            <a:schemeClr val="accent1"/>
+          </a:fillRef>
+          <a:effectRef idx="0">
+            <a:schemeClr val="accent1"/>
+          </a:effectRef>
+          <a:fontRef idx="minor">
+            <a:schemeClr val="lt1"/>
+          </a:fontRef>
+        </p:style>
+        <p:txBody>
+          <a:bodyPr rtlCol="0" anchor="ctr"/>
+          <a:lstStyle/>
+          <a:p>
+            <a:pPr algn="ctr"/>
+            <a:endParaRPr lang="en-US"/>
+          </a:p>
+        </p:txBody>
+      </p:sp>
+      <p:sp>
+        <p:nvSpPr>
+          <p:cNvPr id="18" name="Rectangle à coins arrondis 17"/>
+          <p:cNvSpPr/>
+          <p:nvPr/>
+        </p:nvSpPr>
+        <p:spPr>
+          <a:xfrm>
+            <a:off x="4728754" y="1632857"/>
+            <a:ext cx="4741817" cy="953589"/>
+          </a:xfrm>
+          <a:prstGeom prst="roundRect">
+            <a:avLst/>
+          </a:prstGeom>
+        </p:spPr>
+        <p:style>
+          <a:lnRef idx="2">
+            <a:schemeClr val="accent1">
+              <a:shade val="50000"/>
+            </a:schemeClr>
+          </a:lnRef>
+          <a:fillRef idx="1">
+            <a:schemeClr val="accent1"/>
+          </a:fillRef>
+          <a:effectRef idx="0">
+            <a:schemeClr val="accent1"/>
+          </a:effectRef>
+          <a:fontRef idx="minor">
+            <a:schemeClr val="lt1"/>
+          </a:fontRef>
+        </p:style>
+        <p:txBody>
+          <a:bodyPr rtlCol="0" anchor="ctr"/>
+          <a:lstStyle/>
+          <a:p>
+            <a:pPr algn="ctr"/>
+            <a:r>
+              <a:rPr lang="fr-FR" dirty="0" smtClean="0"/>
+              <a:t>Création ou integration de votre charte graphique</a:t>
+            </a:r>
+            <a:endParaRPr lang="fr-FR" dirty="0"/>
+          </a:p>
+        </p:txBody>
+      </p:sp>
+      <p:sp>
+        <p:nvSpPr>
+          <p:cNvPr id="19" name="Rectangle à coins arrondis 18"/>
+          <p:cNvSpPr/>
+          <p:nvPr/>
+        </p:nvSpPr>
+        <p:spPr>
+          <a:xfrm>
+            <a:off x="4728753" y="3118398"/>
+            <a:ext cx="4741817" cy="953589"/>
+          </a:xfrm>
+          <a:prstGeom prst="roundRect">
+            <a:avLst/>
+          </a:prstGeom>
+        </p:spPr>
+        <p:style>
+          <a:lnRef idx="2">
+            <a:schemeClr val="accent1">
+              <a:shade val="50000"/>
+            </a:schemeClr>
+          </a:lnRef>
+          <a:fillRef idx="1">
+            <a:schemeClr val="accent1"/>
+          </a:fillRef>
+          <a:effectRef idx="0">
+            <a:schemeClr val="accent1"/>
+          </a:effectRef>
+          <a:fontRef idx="minor">
+            <a:schemeClr val="lt1"/>
+          </a:fontRef>
+        </p:style>
+        <p:txBody>
+          <a:bodyPr rtlCol="0" anchor="ctr"/>
+          <a:lstStyle/>
+          <a:p>
+            <a:pPr algn="ctr"/>
+            <a:r>
+              <a:rPr lang="fr-FR" dirty="0" smtClean="0"/>
+              <a:t>Création de modules sur mesure pour votre équipe</a:t>
+            </a:r>
+            <a:endParaRPr lang="fr-FR" dirty="0"/>
+          </a:p>
+        </p:txBody>
+      </p:sp>
+      <p:sp>
+        <p:nvSpPr>
+          <p:cNvPr id="20" name="Plus 19"/>
+          <p:cNvSpPr/>
+          <p:nvPr/>
+        </p:nvSpPr>
+        <p:spPr>
+          <a:xfrm>
+            <a:off x="6862018" y="2669542"/>
+            <a:ext cx="373500" cy="365760"/>
+          </a:xfrm>
+          <a:prstGeom prst="mathPlus">
+            <a:avLst/>
+          </a:prstGeom>
+        </p:spPr>
+        <p:style>
+          <a:lnRef idx="2">
+            <a:schemeClr val="accent1">
+              <a:shade val="50000"/>
+            </a:schemeClr>
+          </a:lnRef>
+          <a:fillRef idx="1">
+            <a:schemeClr val="accent1"/>
+          </a:fillRef>
+          <a:effectRef idx="0">
+            <a:schemeClr val="accent1"/>
+          </a:effectRef>
+          <a:fontRef idx="minor">
+            <a:schemeClr val="lt1"/>
+          </a:fontRef>
+        </p:style>
+        <p:txBody>
+          <a:bodyPr rtlCol="0" anchor="ctr"/>
+          <a:lstStyle/>
+          <a:p>
+            <a:pPr algn="ctr"/>
+            <a:endParaRPr lang="en-US"/>
+          </a:p>
+        </p:txBody>
+      </p:sp>
+      <p:sp>
+        <p:nvSpPr>
+          <p:cNvPr id="21" name="Rectangle à coins arrondis 20"/>
+          <p:cNvSpPr/>
+          <p:nvPr/>
+        </p:nvSpPr>
+        <p:spPr>
+          <a:xfrm>
+            <a:off x="4632958" y="4603939"/>
+            <a:ext cx="4741817" cy="953589"/>
+          </a:xfrm>
+          <a:prstGeom prst="roundRect">
+            <a:avLst/>
+          </a:prstGeom>
+        </p:spPr>
+        <p:style>
+          <a:lnRef idx="2">
+            <a:schemeClr val="accent1">
+              <a:shade val="50000"/>
+            </a:schemeClr>
+          </a:lnRef>
+          <a:fillRef idx="1">
+            <a:schemeClr val="accent1"/>
+          </a:fillRef>
+          <a:effectRef idx="0">
+            <a:schemeClr val="accent1"/>
+          </a:effectRef>
+          <a:fontRef idx="minor">
+            <a:schemeClr val="lt1"/>
+          </a:fontRef>
+        </p:style>
+        <p:txBody>
+          <a:bodyPr rtlCol="0" anchor="ctr"/>
+          <a:lstStyle/>
+          <a:p>
+            <a:pPr algn="ctr"/>
+            <a:r>
+              <a:rPr lang="fr-FR" dirty="0" smtClean="0"/>
+              <a:t>Intégration de votre annuaire d’utilisateurs internes ou externes (LDAP, Active Directeur, SAML2)</a:t>
+            </a:r>
+            <a:endParaRPr lang="fr-FR" dirty="0"/>
+          </a:p>
+        </p:txBody>
+      </p:sp>
+      <p:sp>
+        <p:nvSpPr>
+          <p:cNvPr id="22" name="Plus 21"/>
+          <p:cNvSpPr/>
+          <p:nvPr/>
+        </p:nvSpPr>
+        <p:spPr>
+          <a:xfrm>
+            <a:off x="6766223" y="4155083"/>
+            <a:ext cx="373500" cy="365760"/>
+          </a:xfrm>
+          <a:prstGeom prst="mathPlus">
+            <a:avLst/>
+          </a:prstGeom>
+        </p:spPr>
+        <p:style>
+          <a:lnRef idx="2">
+            <a:schemeClr val="accent1">
+              <a:shade val="50000"/>
+            </a:schemeClr>
+          </a:lnRef>
+          <a:fillRef idx="1">
+            <a:schemeClr val="accent1"/>
+          </a:fillRef>
+          <a:effectRef idx="0">
+            <a:schemeClr val="accent1"/>
+          </a:effectRef>
+          <a:fontRef idx="minor">
+            <a:schemeClr val="lt1"/>
+          </a:fontRef>
+        </p:style>
+        <p:txBody>
+          <a:bodyPr rtlCol="0" anchor="ctr"/>
+          <a:lstStyle/>
+          <a:p>
+            <a:pPr algn="ctr"/>
+            <a:endParaRPr lang="en-US"/>
+          </a:p>
+        </p:txBody>
+      </p:sp>
+    </p:spTree>
+    <p:extLst>
+      <p:ext uri="{BB962C8B-B14F-4D97-AF65-F5344CB8AC3E}">
+        <p14:creationId xmlns:p14="http://schemas.microsoft.com/office/powerpoint/2010/main" val="2657776793"/>
+      </p:ext>
+    </p:extLst>
+  </p:cSld>
+  <p:clrMapOvr>
+    <a:masterClrMapping/>
+  </p:clrMapOvr>
+  <p:timing>
+    <p:tnLst>
+      <p:par>
+        <p:cTn id="1" dur="indefinite" restart="never" nodeType="tmRoot"/>
+      </p:par>
+    </p:tnLst>
+  </p:timing>
+</p:sld>
+</file>
+
+<file path=ppt/slides/slide9.xml><?xml version="1.0" encoding="utf-8"?>
+<p:sld xmlns:a="http://schemas.openxmlformats.org/drawingml/2006/main" xmlns:r="http://schemas.openxmlformats.org/officeDocument/2006/relationships" xmlns:p="http://schemas.openxmlformats.org/presentationml/2006/main">
+  <p:cSld>
+    <p:spTree>
+      <p:nvGrpSpPr>
+        <p:cNvPr id="1" name=""/>
+        <p:cNvGrpSpPr/>
+        <p:nvPr/>
+      </p:nvGrpSpPr>
+      <p:grpSpPr>
+        <a:xfrm>
+          <a:off x="0" y="0"/>
+          <a:ext cx="0" cy="0"/>
+          <a:chOff x="0" y="0"/>
+          <a:chExt cx="0" cy="0"/>
+        </a:xfrm>
+      </p:grpSpPr>
+      <p:sp>
+        <p:nvSpPr>
+          <p:cNvPr id="4" name="Titre 3"/>
+          <p:cNvSpPr>
+            <a:spLocks noGrp="1"/>
+          </p:cNvSpPr>
+          <p:nvPr>
+            <p:ph type="title"/>
+          </p:nvPr>
+        </p:nvSpPr>
+        <p:spPr/>
+        <p:txBody>
+          <a:bodyPr/>
+          <a:lstStyle/>
+          <a:p>
+            <a:r>
+              <a:rPr lang="en-US" dirty="0" smtClean="0"/>
+              <a:t>Merci</a:t>
+            </a:r>
+            <a:endParaRPr lang="en-US" dirty="0"/>
+          </a:p>
+        </p:txBody>
+      </p:sp>
+      <p:sp>
+        <p:nvSpPr>
+          <p:cNvPr id="5" name="Espace réservé du texte 4"/>
+          <p:cNvSpPr>
+            <a:spLocks noGrp="1"/>
+          </p:cNvSpPr>
+          <p:nvPr>
+            <p:ph type="body" idx="1"/>
+          </p:nvPr>
+        </p:nvSpPr>
+        <p:spPr/>
+        <p:txBody>
+          <a:bodyPr>
+            <a:normAutofit fontScale="85000" lnSpcReduction="20000"/>
+          </a:bodyPr>
+          <a:lstStyle/>
+          <a:p>
+            <a:r>
+              <a:rPr lang="en-US" dirty="0" smtClean="0"/>
+              <a:t>Michel Bruchet</a:t>
+            </a:r>
+          </a:p>
+          <a:p>
+            <a:r>
+              <a:rPr lang="en-US" dirty="0" smtClean="0">
+                <a:hlinkClick r:id="rId2"/>
+              </a:rPr>
+              <a:t>michelbruchet@azed-import-export.com</a:t>
+            </a:r>
+            <a:r>
+              <a:rPr lang="en-US" dirty="0" smtClean="0"/>
+              <a:t/>
+            </a:r>
+            <a:br>
+              <a:rPr lang="en-US" dirty="0" smtClean="0"/>
+            </a:br>
+            <a:r>
+              <a:rPr lang="en-US" dirty="0" smtClean="0"/>
+              <a:t>Mobile : +33 7 80 81 10 24</a:t>
+            </a:r>
+          </a:p>
+          <a:p>
+            <a:endParaRPr lang="en-US" dirty="0"/>
+          </a:p>
+        </p:txBody>
+      </p:sp>
+      <p:pic>
+        <p:nvPicPr>
+          <p:cNvPr id="6" name="Image 5"/>
+          <p:cNvPicPr>
+            <a:picLocks noChangeAspect="1"/>
+          </p:cNvPicPr>
+          <p:nvPr/>
+        </p:nvPicPr>
+        <p:blipFill>
+          <a:blip r:embed="rId3">
+            <a:extLst>
+              <a:ext uri="{28A0092B-C50C-407E-A947-70E740481C1C}">
+                <a14:useLocalDpi xmlns:a14="http://schemas.microsoft.com/office/drawing/2010/main" val="0"/>
+              </a:ext>
+            </a:extLst>
+          </a:blip>
+          <a:stretch>
+            <a:fillRect/>
+          </a:stretch>
+        </p:blipFill>
+        <p:spPr>
+          <a:xfrm>
+            <a:off x="2589212" y="4390529"/>
+            <a:ext cx="1428795" cy="1428795"/>
+          </a:xfrm>
+          <a:prstGeom prst="rect">
+            <a:avLst/>
+          </a:prstGeom>
+        </p:spPr>
+      </p:pic>
+    </p:spTree>
+    <p:extLst>
+      <p:ext uri="{BB962C8B-B14F-4D97-AF65-F5344CB8AC3E}">
+        <p14:creationId xmlns:p14="http://schemas.microsoft.com/office/powerpoint/2010/main" val="3220221137"/>
       </p:ext>
     </p:extLst>
   </p:cSld>
